--- a/Simulation und Modellierung in der Medizininformatik.pptx
+++ b/Simulation und Modellierung in der Medizininformatik.pptx
@@ -7,14 +7,23 @@
   <p:sldIdLst>
     <p:sldId id="256" r:id="rId2"/>
     <p:sldId id="258" r:id="rId3"/>
-    <p:sldId id="259" r:id="rId4"/>
-    <p:sldId id="260" r:id="rId5"/>
-    <p:sldId id="261" r:id="rId6"/>
-    <p:sldId id="262" r:id="rId7"/>
-    <p:sldId id="263" r:id="rId8"/>
-    <p:sldId id="264" r:id="rId9"/>
-    <p:sldId id="265" r:id="rId10"/>
-    <p:sldId id="266" r:id="rId11"/>
+    <p:sldId id="275" r:id="rId4"/>
+    <p:sldId id="259" r:id="rId5"/>
+    <p:sldId id="260" r:id="rId6"/>
+    <p:sldId id="261" r:id="rId7"/>
+    <p:sldId id="262" r:id="rId8"/>
+    <p:sldId id="263" r:id="rId9"/>
+    <p:sldId id="264" r:id="rId10"/>
+    <p:sldId id="265" r:id="rId11"/>
+    <p:sldId id="274" r:id="rId12"/>
+    <p:sldId id="267" r:id="rId13"/>
+    <p:sldId id="268" r:id="rId14"/>
+    <p:sldId id="270" r:id="rId15"/>
+    <p:sldId id="269" r:id="rId16"/>
+    <p:sldId id="271" r:id="rId17"/>
+    <p:sldId id="272" r:id="rId18"/>
+    <p:sldId id="273" r:id="rId19"/>
+    <p:sldId id="276" r:id="rId20"/>
   </p:sldIdLst>
   <p:sldSz cx="12192000" cy="6858000"/>
   <p:notesSz cx="6858000" cy="9144000"/>
@@ -113,6 +122,11 @@
       </a:defRPr>
     </a:lvl9pPr>
   </p:defaultTextStyle>
+  <p:extLst>
+    <p:ext uri="{EFAFB233-063F-42B5-8137-9DF3F51BA10A}">
+      <p15:sldGuideLst xmlns:p15="http://schemas.microsoft.com/office/powerpoint/2012/main"/>
+    </p:ext>
+  </p:extLst>
 </p:presentation>
 </file>
 
@@ -3421,7 +3435,7 @@
           <p:cNvPr id="2" name="Titel 1">
             <a:extLst>
               <a:ext uri="{FF2B5EF4-FFF2-40B4-BE49-F238E27FC236}">
-                <a16:creationId xmlns:a16="http://schemas.microsoft.com/office/drawing/2014/main" id="{57C33ACE-C664-749B-9AFD-65406BE085B0}"/>
+                <a16:creationId xmlns:a16="http://schemas.microsoft.com/office/drawing/2014/main" id="{6CC08FF9-252B-48DF-FAEF-9205D0350A36}"/>
               </a:ext>
             </a:extLst>
           </p:cNvPr>
@@ -3438,8 +3452,15 @@
           <a:lstStyle/>
           <a:p>
             <a:r>
-              <a:rPr lang="de-DE" dirty="0"/>
-              <a:t>Diskussionsrunde</a:t>
+              <a:rPr lang="de-DE" sz="2000" b="1" dirty="0"/>
+              <a:t>Modellierung</a:t>
+            </a:r>
+            <a:br>
+              <a:rPr lang="de-DE" b="1" dirty="0"/>
+            </a:br>
+            <a:r>
+              <a:rPr lang="de-DE" b="1" dirty="0"/>
+              <a:t>7. Zukunftsperspektiven</a:t>
             </a:r>
           </a:p>
         </p:txBody>
@@ -3449,7 +3470,7 @@
           <p:cNvPr id="3" name="Inhaltsplatzhalter 2">
             <a:extLst>
               <a:ext uri="{FF2B5EF4-FFF2-40B4-BE49-F238E27FC236}">
-                <a16:creationId xmlns:a16="http://schemas.microsoft.com/office/drawing/2014/main" id="{119E3539-D08A-EA99-C469-8CD02780F077}"/>
+                <a16:creationId xmlns:a16="http://schemas.microsoft.com/office/drawing/2014/main" id="{24205176-5B6D-011F-12F1-AF2B762A5249}"/>
               </a:ext>
             </a:extLst>
           </p:cNvPr>
@@ -3462,17 +3483,1388 @@
         </p:nvSpPr>
         <p:spPr/>
         <p:txBody>
-          <a:bodyPr/>
-          <a:lstStyle/>
-          <a:p>
-            <a:endParaRPr lang="de-DE" dirty="0"/>
+          <a:bodyPr>
+            <a:normAutofit/>
+          </a:bodyPr>
+          <a:lstStyle/>
+          <a:p>
+            <a:r>
+              <a:rPr lang="de-DE" sz="2400" dirty="0"/>
+              <a:t>Kombination von </a:t>
+            </a:r>
+            <a:r>
+              <a:rPr lang="de-DE" sz="2400" b="1" dirty="0"/>
+              <a:t>Modellen mit Echtzeitdaten</a:t>
+            </a:r>
+            <a:r>
+              <a:rPr lang="de-DE" sz="2400" dirty="0"/>
+              <a:t> (z. B. Wearables)</a:t>
+            </a:r>
+          </a:p>
+          <a:p>
+            <a:r>
+              <a:rPr lang="de-DE" sz="2400" b="1" dirty="0"/>
+              <a:t>Digitale Zwillinge</a:t>
+            </a:r>
+            <a:r>
+              <a:rPr lang="de-DE" sz="2400" dirty="0"/>
+              <a:t> von Patienten</a:t>
+            </a:r>
+          </a:p>
+          <a:p>
+            <a:r>
+              <a:rPr lang="de-DE" sz="2400" b="1" dirty="0"/>
+              <a:t>Adaptive Modellierung</a:t>
+            </a:r>
+            <a:r>
+              <a:rPr lang="de-DE" sz="2400" dirty="0"/>
+              <a:t> mit KI</a:t>
+            </a:r>
+          </a:p>
+          <a:p>
+            <a:r>
+              <a:rPr lang="de-DE" sz="2400" dirty="0"/>
+              <a:t>Integration in </a:t>
+            </a:r>
+            <a:r>
+              <a:rPr lang="de-DE" sz="2400" b="1" dirty="0"/>
+              <a:t>elektronische Gesundheitsakten</a:t>
+            </a:r>
+            <a:endParaRPr lang="de-DE" sz="2400" dirty="0"/>
           </a:p>
         </p:txBody>
       </p:sp>
     </p:spTree>
     <p:extLst>
       <p:ext uri="{BB962C8B-B14F-4D97-AF65-F5344CB8AC3E}">
-        <p14:creationId xmlns:p14="http://schemas.microsoft.com/office/powerpoint/2010/main" val="337316812"/>
+        <p14:creationId xmlns:p14="http://schemas.microsoft.com/office/powerpoint/2010/main" val="2636363178"/>
+      </p:ext>
+    </p:extLst>
+  </p:cSld>
+  <p:clrMapOvr>
+    <a:masterClrMapping/>
+  </p:clrMapOvr>
+</p:sld>
+</file>
+
+<file path=ppt/slides/slide11.xml><?xml version="1.0" encoding="utf-8"?>
+<p:sld xmlns:a="http://schemas.openxmlformats.org/drawingml/2006/main" xmlns:r="http://schemas.openxmlformats.org/officeDocument/2006/relationships" xmlns:p="http://schemas.openxmlformats.org/presentationml/2006/main">
+  <p:cSld>
+    <p:spTree>
+      <p:nvGrpSpPr>
+        <p:cNvPr id="1" name="">
+          <a:extLst>
+            <a:ext uri="{FF2B5EF4-FFF2-40B4-BE49-F238E27FC236}">
+              <a16:creationId xmlns:a16="http://schemas.microsoft.com/office/drawing/2014/main" id="{E03FF127-3B74-78B5-E480-8421D9034842}"/>
+            </a:ext>
+          </a:extLst>
+        </p:cNvPr>
+        <p:cNvGrpSpPr/>
+        <p:nvPr/>
+      </p:nvGrpSpPr>
+      <p:grpSpPr>
+        <a:xfrm>
+          <a:off x="0" y="0"/>
+          <a:ext cx="0" cy="0"/>
+          <a:chOff x="0" y="0"/>
+          <a:chExt cx="0" cy="0"/>
+        </a:xfrm>
+      </p:grpSpPr>
+      <p:sp>
+        <p:nvSpPr>
+          <p:cNvPr id="2" name="Titel 1">
+            <a:extLst>
+              <a:ext uri="{FF2B5EF4-FFF2-40B4-BE49-F238E27FC236}">
+                <a16:creationId xmlns:a16="http://schemas.microsoft.com/office/drawing/2014/main" id="{B236F251-40EF-EE66-5846-08B13F311175}"/>
+              </a:ext>
+            </a:extLst>
+          </p:cNvPr>
+          <p:cNvSpPr>
+            <a:spLocks noGrp="1"/>
+          </p:cNvSpPr>
+          <p:nvPr>
+            <p:ph type="ctrTitle"/>
+          </p:nvPr>
+        </p:nvSpPr>
+        <p:spPr/>
+        <p:txBody>
+          <a:bodyPr>
+            <a:normAutofit/>
+          </a:bodyPr>
+          <a:lstStyle/>
+          <a:p>
+            <a:r>
+              <a:rPr lang="de-DE" sz="4900" b="1" dirty="0"/>
+              <a:t>Simulation in der Medizininformatik</a:t>
+            </a:r>
+            <a:endParaRPr lang="de-DE" b="1" dirty="0"/>
+          </a:p>
+        </p:txBody>
+      </p:sp>
+      <p:sp>
+        <p:nvSpPr>
+          <p:cNvPr id="3" name="Inhaltsplatzhalter 2">
+            <a:extLst>
+              <a:ext uri="{FF2B5EF4-FFF2-40B4-BE49-F238E27FC236}">
+                <a16:creationId xmlns:a16="http://schemas.microsoft.com/office/drawing/2014/main" id="{833D201A-FE29-571E-E577-8A3E458CB2A7}"/>
+              </a:ext>
+            </a:extLst>
+          </p:cNvPr>
+          <p:cNvSpPr>
+            <a:spLocks noGrp="1"/>
+          </p:cNvSpPr>
+          <p:nvPr>
+            <p:ph type="subTitle" idx="1"/>
+          </p:nvPr>
+        </p:nvSpPr>
+        <p:spPr/>
+        <p:txBody>
+          <a:bodyPr>
+            <a:normAutofit/>
+          </a:bodyPr>
+          <a:lstStyle/>
+          <a:p>
+            <a:endParaRPr lang="de-DE" sz="2400" dirty="0"/>
+          </a:p>
+        </p:txBody>
+      </p:sp>
+    </p:spTree>
+    <p:extLst>
+      <p:ext uri="{BB962C8B-B14F-4D97-AF65-F5344CB8AC3E}">
+        <p14:creationId xmlns:p14="http://schemas.microsoft.com/office/powerpoint/2010/main" val="1108332482"/>
+      </p:ext>
+    </p:extLst>
+  </p:cSld>
+  <p:clrMapOvr>
+    <a:masterClrMapping/>
+  </p:clrMapOvr>
+</p:sld>
+</file>
+
+<file path=ppt/slides/slide12.xml><?xml version="1.0" encoding="utf-8"?>
+<p:sld xmlns:a="http://schemas.openxmlformats.org/drawingml/2006/main" xmlns:r="http://schemas.openxmlformats.org/officeDocument/2006/relationships" xmlns:p="http://schemas.openxmlformats.org/presentationml/2006/main">
+  <p:cSld>
+    <p:spTree>
+      <p:nvGrpSpPr>
+        <p:cNvPr id="1" name="">
+          <a:extLst>
+            <a:ext uri="{FF2B5EF4-FFF2-40B4-BE49-F238E27FC236}">
+              <a16:creationId xmlns:a16="http://schemas.microsoft.com/office/drawing/2014/main" id="{EB6570D7-2633-70A0-5E45-28FD7CA6A8D6}"/>
+            </a:ext>
+          </a:extLst>
+        </p:cNvPr>
+        <p:cNvGrpSpPr/>
+        <p:nvPr/>
+      </p:nvGrpSpPr>
+      <p:grpSpPr>
+        <a:xfrm>
+          <a:off x="0" y="0"/>
+          <a:ext cx="0" cy="0"/>
+          <a:chOff x="0" y="0"/>
+          <a:chExt cx="0" cy="0"/>
+        </a:xfrm>
+      </p:grpSpPr>
+      <p:sp>
+        <p:nvSpPr>
+          <p:cNvPr id="2" name="Titel 1">
+            <a:extLst>
+              <a:ext uri="{FF2B5EF4-FFF2-40B4-BE49-F238E27FC236}">
+                <a16:creationId xmlns:a16="http://schemas.microsoft.com/office/drawing/2014/main" id="{DCCF9807-7B5D-AD22-F8BF-0BF693D275EB}"/>
+              </a:ext>
+            </a:extLst>
+          </p:cNvPr>
+          <p:cNvSpPr>
+            <a:spLocks noGrp="1"/>
+          </p:cNvSpPr>
+          <p:nvPr>
+            <p:ph type="title"/>
+          </p:nvPr>
+        </p:nvSpPr>
+        <p:spPr/>
+        <p:txBody>
+          <a:bodyPr/>
+          <a:lstStyle/>
+          <a:p>
+            <a:r>
+              <a:rPr lang="de-DE" sz="2000" b="1" dirty="0"/>
+              <a:t>Simulation</a:t>
+            </a:r>
+            <a:br>
+              <a:rPr lang="de-DE" b="1" dirty="0"/>
+            </a:br>
+            <a:r>
+              <a:rPr lang="de-DE" b="1" dirty="0"/>
+              <a:t>1. Was ist Simulation?</a:t>
+            </a:r>
+          </a:p>
+        </p:txBody>
+      </p:sp>
+      <p:sp>
+        <p:nvSpPr>
+          <p:cNvPr id="3" name="Inhaltsplatzhalter 2">
+            <a:extLst>
+              <a:ext uri="{FF2B5EF4-FFF2-40B4-BE49-F238E27FC236}">
+                <a16:creationId xmlns:a16="http://schemas.microsoft.com/office/drawing/2014/main" id="{5D1F42B2-2B96-4CD9-8C8F-EDDDC442A837}"/>
+              </a:ext>
+            </a:extLst>
+          </p:cNvPr>
+          <p:cNvSpPr>
+            <a:spLocks noGrp="1"/>
+          </p:cNvSpPr>
+          <p:nvPr>
+            <p:ph idx="1"/>
+          </p:nvPr>
+        </p:nvSpPr>
+        <p:spPr/>
+        <p:txBody>
+          <a:bodyPr>
+            <a:normAutofit/>
+          </a:bodyPr>
+          <a:lstStyle/>
+          <a:p>
+            <a:r>
+              <a:rPr lang="de-DE" sz="2400" b="1" dirty="0"/>
+              <a:t>Definition</a:t>
+            </a:r>
+            <a:r>
+              <a:rPr lang="de-DE" sz="2400" dirty="0"/>
+              <a:t>: Nachbildung realer medizinischer Prozesse oder Systeme in einer virtuellen Umgebung zur Analyse, Vorhersage oder Schulung.</a:t>
+            </a:r>
+          </a:p>
+          <a:p>
+            <a:r>
+              <a:rPr lang="de-DE" sz="2400" dirty="0"/>
+              <a:t>Ziel: Untersuchung von Situationen, die </a:t>
+            </a:r>
+            <a:r>
+              <a:rPr lang="de-DE" sz="2400" b="1" dirty="0"/>
+              <a:t>im echten Leben schwer oder gefährlich</a:t>
+            </a:r>
+            <a:r>
+              <a:rPr lang="de-DE" sz="2400" dirty="0"/>
+              <a:t> nachzustellen wären.</a:t>
+            </a:r>
+          </a:p>
+        </p:txBody>
+      </p:sp>
+    </p:spTree>
+    <p:extLst>
+      <p:ext uri="{BB962C8B-B14F-4D97-AF65-F5344CB8AC3E}">
+        <p14:creationId xmlns:p14="http://schemas.microsoft.com/office/powerpoint/2010/main" val="2034222896"/>
+      </p:ext>
+    </p:extLst>
+  </p:cSld>
+  <p:clrMapOvr>
+    <a:masterClrMapping/>
+  </p:clrMapOvr>
+</p:sld>
+</file>
+
+<file path=ppt/slides/slide13.xml><?xml version="1.0" encoding="utf-8"?>
+<p:sld xmlns:a="http://schemas.openxmlformats.org/drawingml/2006/main" xmlns:r="http://schemas.openxmlformats.org/officeDocument/2006/relationships" xmlns:p="http://schemas.openxmlformats.org/presentationml/2006/main">
+  <p:cSld>
+    <p:spTree>
+      <p:nvGrpSpPr>
+        <p:cNvPr id="1" name="">
+          <a:extLst>
+            <a:ext uri="{FF2B5EF4-FFF2-40B4-BE49-F238E27FC236}">
+              <a16:creationId xmlns:a16="http://schemas.microsoft.com/office/drawing/2014/main" id="{2DEF0EEF-DEEC-1DFF-5EE7-0F9F1D077560}"/>
+            </a:ext>
+          </a:extLst>
+        </p:cNvPr>
+        <p:cNvGrpSpPr/>
+        <p:nvPr/>
+      </p:nvGrpSpPr>
+      <p:grpSpPr>
+        <a:xfrm>
+          <a:off x="0" y="0"/>
+          <a:ext cx="0" cy="0"/>
+          <a:chOff x="0" y="0"/>
+          <a:chExt cx="0" cy="0"/>
+        </a:xfrm>
+      </p:grpSpPr>
+      <p:sp>
+        <p:nvSpPr>
+          <p:cNvPr id="2" name="Titel 1">
+            <a:extLst>
+              <a:ext uri="{FF2B5EF4-FFF2-40B4-BE49-F238E27FC236}">
+                <a16:creationId xmlns:a16="http://schemas.microsoft.com/office/drawing/2014/main" id="{DB643DF6-7945-F6DA-81EC-F22C45C63F0C}"/>
+              </a:ext>
+            </a:extLst>
+          </p:cNvPr>
+          <p:cNvSpPr>
+            <a:spLocks noGrp="1"/>
+          </p:cNvSpPr>
+          <p:nvPr>
+            <p:ph type="title"/>
+          </p:nvPr>
+        </p:nvSpPr>
+        <p:spPr/>
+        <p:txBody>
+          <a:bodyPr/>
+          <a:lstStyle/>
+          <a:p>
+            <a:r>
+              <a:rPr lang="de-DE" sz="2000" b="1" dirty="0"/>
+              <a:t>Simulation</a:t>
+            </a:r>
+            <a:br>
+              <a:rPr lang="de-DE" b="1" dirty="0"/>
+            </a:br>
+            <a:r>
+              <a:rPr lang="de-DE" b="1" dirty="0"/>
+              <a:t>2. Ziele der Simulation</a:t>
+            </a:r>
+          </a:p>
+        </p:txBody>
+      </p:sp>
+      <p:sp>
+        <p:nvSpPr>
+          <p:cNvPr id="3" name="Inhaltsplatzhalter 2">
+            <a:extLst>
+              <a:ext uri="{FF2B5EF4-FFF2-40B4-BE49-F238E27FC236}">
+                <a16:creationId xmlns:a16="http://schemas.microsoft.com/office/drawing/2014/main" id="{2B52C92F-15DB-F522-8DAC-9DB4432C0E64}"/>
+              </a:ext>
+            </a:extLst>
+          </p:cNvPr>
+          <p:cNvSpPr>
+            <a:spLocks noGrp="1"/>
+          </p:cNvSpPr>
+          <p:nvPr>
+            <p:ph idx="1"/>
+          </p:nvPr>
+        </p:nvSpPr>
+        <p:spPr/>
+        <p:txBody>
+          <a:bodyPr>
+            <a:normAutofit/>
+          </a:bodyPr>
+          <a:lstStyle/>
+          <a:p>
+            <a:r>
+              <a:rPr lang="de-DE" sz="2400" b="1" dirty="0"/>
+              <a:t>Risikoarmes Testen</a:t>
+            </a:r>
+            <a:r>
+              <a:rPr lang="de-DE" sz="2400" dirty="0"/>
+              <a:t> von Therapien und Prozessen</a:t>
+            </a:r>
+          </a:p>
+          <a:p>
+            <a:r>
+              <a:rPr lang="de-DE" sz="2400" b="1" dirty="0"/>
+              <a:t>Trainingsmöglichkeit</a:t>
+            </a:r>
+            <a:r>
+              <a:rPr lang="de-DE" sz="2400" dirty="0"/>
+              <a:t> für medizinisches Personal</a:t>
+            </a:r>
+          </a:p>
+          <a:p>
+            <a:r>
+              <a:rPr lang="de-DE" sz="2400" dirty="0"/>
+              <a:t>Optimierung medizinischer Abläufe</a:t>
+            </a:r>
+          </a:p>
+          <a:p>
+            <a:r>
+              <a:rPr lang="de-DE" sz="2400" b="1" dirty="0"/>
+              <a:t>Entscheidungsunterstützung</a:t>
+            </a:r>
+            <a:r>
+              <a:rPr lang="de-DE" sz="2400" dirty="0"/>
+              <a:t> für Diagnostik und Therapie</a:t>
+            </a:r>
+          </a:p>
+          <a:p>
+            <a:r>
+              <a:rPr lang="de-DE" sz="2400" b="1" dirty="0"/>
+              <a:t>Forschung und Entwicklung</a:t>
+            </a:r>
+            <a:r>
+              <a:rPr lang="de-DE" sz="2400" dirty="0"/>
+              <a:t> medizinischer Verfahren</a:t>
+            </a:r>
+          </a:p>
+        </p:txBody>
+      </p:sp>
+    </p:spTree>
+    <p:extLst>
+      <p:ext uri="{BB962C8B-B14F-4D97-AF65-F5344CB8AC3E}">
+        <p14:creationId xmlns:p14="http://schemas.microsoft.com/office/powerpoint/2010/main" val="1522603786"/>
+      </p:ext>
+    </p:extLst>
+  </p:cSld>
+  <p:clrMapOvr>
+    <a:masterClrMapping/>
+  </p:clrMapOvr>
+</p:sld>
+</file>
+
+<file path=ppt/slides/slide14.xml><?xml version="1.0" encoding="utf-8"?>
+<p:sld xmlns:a="http://schemas.openxmlformats.org/drawingml/2006/main" xmlns:r="http://schemas.openxmlformats.org/officeDocument/2006/relationships" xmlns:p="http://schemas.openxmlformats.org/presentationml/2006/main">
+  <p:cSld>
+    <p:spTree>
+      <p:nvGrpSpPr>
+        <p:cNvPr id="1" name="">
+          <a:extLst>
+            <a:ext uri="{FF2B5EF4-FFF2-40B4-BE49-F238E27FC236}">
+              <a16:creationId xmlns:a16="http://schemas.microsoft.com/office/drawing/2014/main" id="{FB891B32-FC13-63D3-2A66-18B0C12BC55B}"/>
+            </a:ext>
+          </a:extLst>
+        </p:cNvPr>
+        <p:cNvGrpSpPr/>
+        <p:nvPr/>
+      </p:nvGrpSpPr>
+      <p:grpSpPr>
+        <a:xfrm>
+          <a:off x="0" y="0"/>
+          <a:ext cx="0" cy="0"/>
+          <a:chOff x="0" y="0"/>
+          <a:chExt cx="0" cy="0"/>
+        </a:xfrm>
+      </p:grpSpPr>
+      <p:sp>
+        <p:nvSpPr>
+          <p:cNvPr id="2" name="Titel 1">
+            <a:extLst>
+              <a:ext uri="{FF2B5EF4-FFF2-40B4-BE49-F238E27FC236}">
+                <a16:creationId xmlns:a16="http://schemas.microsoft.com/office/drawing/2014/main" id="{766B012F-2030-6A2F-1CAB-28FA5AE2320F}"/>
+              </a:ext>
+            </a:extLst>
+          </p:cNvPr>
+          <p:cNvSpPr>
+            <a:spLocks noGrp="1"/>
+          </p:cNvSpPr>
+          <p:nvPr>
+            <p:ph type="title"/>
+          </p:nvPr>
+        </p:nvSpPr>
+        <p:spPr/>
+        <p:txBody>
+          <a:bodyPr>
+            <a:normAutofit/>
+          </a:bodyPr>
+          <a:lstStyle/>
+          <a:p>
+            <a:r>
+              <a:rPr lang="de-DE" sz="2000" b="1" dirty="0"/>
+              <a:t>Simulation</a:t>
+            </a:r>
+            <a:br>
+              <a:rPr lang="de-DE" b="1" dirty="0"/>
+            </a:br>
+            <a:r>
+              <a:rPr lang="de-DE" b="1" dirty="0"/>
+              <a:t>3. Typen medizinischer Simulationen</a:t>
+            </a:r>
+          </a:p>
+        </p:txBody>
+      </p:sp>
+      <p:graphicFrame>
+        <p:nvGraphicFramePr>
+          <p:cNvPr id="5" name="Inhaltsplatzhalter 4">
+            <a:extLst>
+              <a:ext uri="{FF2B5EF4-FFF2-40B4-BE49-F238E27FC236}">
+                <a16:creationId xmlns:a16="http://schemas.microsoft.com/office/drawing/2014/main" id="{CE01DABA-33FA-6FF2-EC6B-D88EE762B8B0}"/>
+              </a:ext>
+            </a:extLst>
+          </p:cNvPr>
+          <p:cNvGraphicFramePr>
+            <a:graphicFrameLocks noGrp="1"/>
+          </p:cNvGraphicFramePr>
+          <p:nvPr>
+            <p:ph idx="1"/>
+            <p:extLst>
+              <p:ext uri="{D42A27DB-BD31-4B8C-83A1-F6EECF244321}">
+                <p14:modId xmlns:p14="http://schemas.microsoft.com/office/powerpoint/2010/main" val="1756133681"/>
+              </p:ext>
+            </p:extLst>
+          </p:nvPr>
+        </p:nvGraphicFramePr>
+        <p:xfrm>
+          <a:off x="841972" y="1825626"/>
+          <a:ext cx="10623764" cy="2468880"/>
+        </p:xfrm>
+        <a:graphic>
+          <a:graphicData uri="http://schemas.openxmlformats.org/drawingml/2006/table">
+            <a:tbl>
+              <a:tblPr firstRow="1" bandRow="1">
+                <a:tableStyleId>{5C22544A-7EE6-4342-B048-85BDC9FD1C3A}</a:tableStyleId>
+              </a:tblPr>
+              <a:tblGrid>
+                <a:gridCol w="5251010">
+                  <a:extLst>
+                    <a:ext uri="{9D8B030D-6E8A-4147-A177-3AD203B41FA5}">
+                      <a16:colId xmlns:a16="http://schemas.microsoft.com/office/drawing/2014/main" val="770568668"/>
+                    </a:ext>
+                  </a:extLst>
+                </a:gridCol>
+                <a:gridCol w="5372754">
+                  <a:extLst>
+                    <a:ext uri="{9D8B030D-6E8A-4147-A177-3AD203B41FA5}">
+                      <a16:colId xmlns:a16="http://schemas.microsoft.com/office/drawing/2014/main" val="430383261"/>
+                    </a:ext>
+                  </a:extLst>
+                </a:gridCol>
+              </a:tblGrid>
+              <a:tr h="341106">
+                <a:tc>
+                  <a:txBody>
+                    <a:bodyPr/>
+                    <a:lstStyle/>
+                    <a:p>
+                      <a:r>
+                        <a:rPr lang="de-DE" dirty="0"/>
+                        <a:t>Typ</a:t>
+                      </a:r>
+                    </a:p>
+                  </a:txBody>
+                  <a:tcPr anchor="ctr"/>
+                </a:tc>
+                <a:tc>
+                  <a:txBody>
+                    <a:bodyPr/>
+                    <a:lstStyle/>
+                    <a:p>
+                      <a:r>
+                        <a:rPr lang="de-DE" dirty="0"/>
+                        <a:t>Beispielhafte Anwendung</a:t>
+                      </a:r>
+                    </a:p>
+                  </a:txBody>
+                  <a:tcPr anchor="ctr"/>
+                </a:tc>
+                <a:extLst>
+                  <a:ext uri="{0D108BD9-81ED-4DB2-BD59-A6C34878D82A}">
+                    <a16:rowId xmlns:a16="http://schemas.microsoft.com/office/drawing/2014/main" val="534199820"/>
+                  </a:ext>
+                </a:extLst>
+              </a:tr>
+              <a:tr h="596936">
+                <a:tc>
+                  <a:txBody>
+                    <a:bodyPr/>
+                    <a:lstStyle/>
+                    <a:p>
+                      <a:r>
+                        <a:rPr lang="de-DE" dirty="0"/>
+                        <a:t>Physikalische Simulation</a:t>
+                      </a:r>
+                    </a:p>
+                  </a:txBody>
+                  <a:tcPr anchor="ctr"/>
+                </a:tc>
+                <a:tc>
+                  <a:txBody>
+                    <a:bodyPr/>
+                    <a:lstStyle/>
+                    <a:p>
+                      <a:r>
+                        <a:rPr lang="nl-NL" dirty="0"/>
+                        <a:t>OP-Simulatoren mit Haptik (z. B. Laparoskopie-Training)</a:t>
+                      </a:r>
+                      <a:endParaRPr lang="de-DE" dirty="0"/>
+                    </a:p>
+                  </a:txBody>
+                  <a:tcPr/>
+                </a:tc>
+                <a:extLst>
+                  <a:ext uri="{0D108BD9-81ED-4DB2-BD59-A6C34878D82A}">
+                    <a16:rowId xmlns:a16="http://schemas.microsoft.com/office/drawing/2014/main" val="593614396"/>
+                  </a:ext>
+                </a:extLst>
+              </a:tr>
+              <a:tr h="341106">
+                <a:tc>
+                  <a:txBody>
+                    <a:bodyPr/>
+                    <a:lstStyle/>
+                    <a:p>
+                      <a:r>
+                        <a:rPr lang="de-DE" dirty="0"/>
+                        <a:t>Computergestützte Simulation</a:t>
+                      </a:r>
+                    </a:p>
+                  </a:txBody>
+                  <a:tcPr/>
+                </a:tc>
+                <a:tc>
+                  <a:txBody>
+                    <a:bodyPr/>
+                    <a:lstStyle/>
+                    <a:p>
+                      <a:r>
+                        <a:rPr lang="de-DE" dirty="0"/>
+                        <a:t>Herz-Kreislauf-Modell zur Medikamentenwirkung</a:t>
+                      </a:r>
+                    </a:p>
+                  </a:txBody>
+                  <a:tcPr/>
+                </a:tc>
+                <a:extLst>
+                  <a:ext uri="{0D108BD9-81ED-4DB2-BD59-A6C34878D82A}">
+                    <a16:rowId xmlns:a16="http://schemas.microsoft.com/office/drawing/2014/main" val="3787963988"/>
+                  </a:ext>
+                </a:extLst>
+              </a:tr>
+              <a:tr h="341106">
+                <a:tc>
+                  <a:txBody>
+                    <a:bodyPr/>
+                    <a:lstStyle/>
+                    <a:p>
+                      <a:r>
+                        <a:rPr lang="de-DE" dirty="0"/>
+                        <a:t>Agentenbasierte Simulation</a:t>
+                      </a:r>
+                    </a:p>
+                  </a:txBody>
+                  <a:tcPr/>
+                </a:tc>
+                <a:tc>
+                  <a:txBody>
+                    <a:bodyPr/>
+                    <a:lstStyle/>
+                    <a:p>
+                      <a:r>
+                        <a:rPr lang="de-DE" dirty="0"/>
+                        <a:t>Ausbreitung von Infektionen in einer Klinik</a:t>
+                      </a:r>
+                    </a:p>
+                  </a:txBody>
+                  <a:tcPr/>
+                </a:tc>
+                <a:extLst>
+                  <a:ext uri="{0D108BD9-81ED-4DB2-BD59-A6C34878D82A}">
+                    <a16:rowId xmlns:a16="http://schemas.microsoft.com/office/drawing/2014/main" val="806396540"/>
+                  </a:ext>
+                </a:extLst>
+              </a:tr>
+              <a:tr h="341106">
+                <a:tc>
+                  <a:txBody>
+                    <a:bodyPr/>
+                    <a:lstStyle/>
+                    <a:p>
+                      <a:r>
+                        <a:rPr lang="de-DE" dirty="0"/>
+                        <a:t>Virtuelle Realität (VR)</a:t>
+                      </a:r>
+                    </a:p>
+                  </a:txBody>
+                  <a:tcPr/>
+                </a:tc>
+                <a:tc>
+                  <a:txBody>
+                    <a:bodyPr/>
+                    <a:lstStyle/>
+                    <a:p>
+                      <a:r>
+                        <a:rPr lang="de-DE" dirty="0"/>
+                        <a:t>Notfallszenarien für Ausbildung</a:t>
+                      </a:r>
+                    </a:p>
+                  </a:txBody>
+                  <a:tcPr/>
+                </a:tc>
+                <a:extLst>
+                  <a:ext uri="{0D108BD9-81ED-4DB2-BD59-A6C34878D82A}">
+                    <a16:rowId xmlns:a16="http://schemas.microsoft.com/office/drawing/2014/main" val="2936452805"/>
+                  </a:ext>
+                </a:extLst>
+              </a:tr>
+              <a:tr h="359499">
+                <a:tc>
+                  <a:txBody>
+                    <a:bodyPr/>
+                    <a:lstStyle/>
+                    <a:p>
+                      <a:r>
+                        <a:rPr lang="de-DE" dirty="0"/>
+                        <a:t>Prozesssimulation</a:t>
+                      </a:r>
+                    </a:p>
+                  </a:txBody>
+                  <a:tcPr/>
+                </a:tc>
+                <a:tc>
+                  <a:txBody>
+                    <a:bodyPr/>
+                    <a:lstStyle/>
+                    <a:p>
+                      <a:pPr marL="0" marR="0" lvl="0" indent="0" algn="l" defTabSz="914400" rtl="0" eaLnBrk="1" fontAlgn="auto" latinLnBrk="0" hangingPunct="1">
+                        <a:lnSpc>
+                          <a:spcPct val="100000"/>
+                        </a:lnSpc>
+                        <a:spcBef>
+                          <a:spcPts val="0"/>
+                        </a:spcBef>
+                        <a:spcAft>
+                          <a:spcPts val="0"/>
+                        </a:spcAft>
+                        <a:buClrTx/>
+                        <a:buSzTx/>
+                        <a:buFontTx/>
+                        <a:buNone/>
+                        <a:tabLst/>
+                        <a:defRPr/>
+                      </a:pPr>
+                      <a:r>
+                        <a:rPr lang="de-DE" dirty="0"/>
+                        <a:t>Patientenfluss im Krankenhaus</a:t>
+                      </a:r>
+                    </a:p>
+                  </a:txBody>
+                  <a:tcPr/>
+                </a:tc>
+                <a:extLst>
+                  <a:ext uri="{0D108BD9-81ED-4DB2-BD59-A6C34878D82A}">
+                    <a16:rowId xmlns:a16="http://schemas.microsoft.com/office/drawing/2014/main" val="3413317151"/>
+                  </a:ext>
+                </a:extLst>
+              </a:tr>
+            </a:tbl>
+          </a:graphicData>
+        </a:graphic>
+      </p:graphicFrame>
+    </p:spTree>
+    <p:extLst>
+      <p:ext uri="{BB962C8B-B14F-4D97-AF65-F5344CB8AC3E}">
+        <p14:creationId xmlns:p14="http://schemas.microsoft.com/office/powerpoint/2010/main" val="2631916201"/>
+      </p:ext>
+    </p:extLst>
+  </p:cSld>
+  <p:clrMapOvr>
+    <a:masterClrMapping/>
+  </p:clrMapOvr>
+</p:sld>
+</file>
+
+<file path=ppt/slides/slide15.xml><?xml version="1.0" encoding="utf-8"?>
+<p:sld xmlns:a="http://schemas.openxmlformats.org/drawingml/2006/main" xmlns:r="http://schemas.openxmlformats.org/officeDocument/2006/relationships" xmlns:p="http://schemas.openxmlformats.org/presentationml/2006/main">
+  <p:cSld>
+    <p:spTree>
+      <p:nvGrpSpPr>
+        <p:cNvPr id="1" name="">
+          <a:extLst>
+            <a:ext uri="{FF2B5EF4-FFF2-40B4-BE49-F238E27FC236}">
+              <a16:creationId xmlns:a16="http://schemas.microsoft.com/office/drawing/2014/main" id="{35A174A7-DC4E-6BBE-3B95-750BD40552B4}"/>
+            </a:ext>
+          </a:extLst>
+        </p:cNvPr>
+        <p:cNvGrpSpPr/>
+        <p:nvPr/>
+      </p:nvGrpSpPr>
+      <p:grpSpPr>
+        <a:xfrm>
+          <a:off x="0" y="0"/>
+          <a:ext cx="0" cy="0"/>
+          <a:chOff x="0" y="0"/>
+          <a:chExt cx="0" cy="0"/>
+        </a:xfrm>
+      </p:grpSpPr>
+      <p:sp>
+        <p:nvSpPr>
+          <p:cNvPr id="2" name="Titel 1">
+            <a:extLst>
+              <a:ext uri="{FF2B5EF4-FFF2-40B4-BE49-F238E27FC236}">
+                <a16:creationId xmlns:a16="http://schemas.microsoft.com/office/drawing/2014/main" id="{AAC68FD5-3BAD-A7F6-EC8C-9BD67A9C0D5A}"/>
+              </a:ext>
+            </a:extLst>
+          </p:cNvPr>
+          <p:cNvSpPr>
+            <a:spLocks noGrp="1"/>
+          </p:cNvSpPr>
+          <p:nvPr>
+            <p:ph type="title"/>
+          </p:nvPr>
+        </p:nvSpPr>
+        <p:spPr/>
+        <p:txBody>
+          <a:bodyPr/>
+          <a:lstStyle/>
+          <a:p>
+            <a:r>
+              <a:rPr lang="de-DE" sz="2000" b="1" dirty="0"/>
+              <a:t>Simulation</a:t>
+            </a:r>
+            <a:br>
+              <a:rPr lang="de-DE" b="1" dirty="0"/>
+            </a:br>
+            <a:r>
+              <a:rPr lang="de-DE" b="1" dirty="0"/>
+              <a:t>4. Anwendungsbereiche</a:t>
+            </a:r>
+          </a:p>
+        </p:txBody>
+      </p:sp>
+      <p:sp>
+        <p:nvSpPr>
+          <p:cNvPr id="3" name="Inhaltsplatzhalter 2">
+            <a:extLst>
+              <a:ext uri="{FF2B5EF4-FFF2-40B4-BE49-F238E27FC236}">
+                <a16:creationId xmlns:a16="http://schemas.microsoft.com/office/drawing/2014/main" id="{9837E4A2-17C1-40A0-89FE-F36AE418512F}"/>
+              </a:ext>
+            </a:extLst>
+          </p:cNvPr>
+          <p:cNvSpPr>
+            <a:spLocks noGrp="1"/>
+          </p:cNvSpPr>
+          <p:nvPr>
+            <p:ph idx="1"/>
+          </p:nvPr>
+        </p:nvSpPr>
+        <p:spPr/>
+        <p:txBody>
+          <a:bodyPr>
+            <a:normAutofit/>
+          </a:bodyPr>
+          <a:lstStyle/>
+          <a:p>
+            <a:r>
+              <a:rPr lang="de-DE" sz="2400" b="1" dirty="0"/>
+              <a:t>Medizinische Ausbildung</a:t>
+            </a:r>
+            <a:r>
+              <a:rPr lang="de-DE" sz="2400" dirty="0"/>
+              <a:t>: Simulationen zur Schulung von Chirurgen oder Pflegepersonal</a:t>
+            </a:r>
+          </a:p>
+          <a:p>
+            <a:r>
+              <a:rPr lang="de-DE" sz="2400" b="1" dirty="0"/>
+              <a:t>Therapieplanung</a:t>
+            </a:r>
+            <a:r>
+              <a:rPr lang="de-DE" sz="2400" dirty="0"/>
+              <a:t>: z. B. Simulation von Tumorverläufen unter verschiedenen Behandlungsstrategien</a:t>
+            </a:r>
+          </a:p>
+          <a:p>
+            <a:r>
+              <a:rPr lang="de-DE" sz="2400" b="1" dirty="0"/>
+              <a:t>Notfallmanagement</a:t>
+            </a:r>
+            <a:r>
+              <a:rPr lang="de-DE" sz="2400" dirty="0"/>
+              <a:t>: z. B. Simulation eines Massenunfalls</a:t>
+            </a:r>
+          </a:p>
+          <a:p>
+            <a:r>
+              <a:rPr lang="de-DE" sz="2400" b="1" dirty="0"/>
+              <a:t>Epidemiologische Forschung</a:t>
+            </a:r>
+            <a:r>
+              <a:rPr lang="de-DE" sz="2400" dirty="0"/>
+              <a:t>: z. B. COVID-19-Ausbreitungsmodelle</a:t>
+            </a:r>
+          </a:p>
+          <a:p>
+            <a:r>
+              <a:rPr lang="de-DE" sz="2400" b="1" dirty="0"/>
+              <a:t>Implantat- und Geräteentwicklung</a:t>
+            </a:r>
+            <a:r>
+              <a:rPr lang="de-DE" sz="2400" dirty="0"/>
+              <a:t>: z. B. Stent-Tests in simulierten Gefäßen</a:t>
+            </a:r>
+          </a:p>
+        </p:txBody>
+      </p:sp>
+    </p:spTree>
+    <p:extLst>
+      <p:ext uri="{BB962C8B-B14F-4D97-AF65-F5344CB8AC3E}">
+        <p14:creationId xmlns:p14="http://schemas.microsoft.com/office/powerpoint/2010/main" val="1755711604"/>
+      </p:ext>
+    </p:extLst>
+  </p:cSld>
+  <p:clrMapOvr>
+    <a:masterClrMapping/>
+  </p:clrMapOvr>
+</p:sld>
+</file>
+
+<file path=ppt/slides/slide16.xml><?xml version="1.0" encoding="utf-8"?>
+<p:sld xmlns:a="http://schemas.openxmlformats.org/drawingml/2006/main" xmlns:r="http://schemas.openxmlformats.org/officeDocument/2006/relationships" xmlns:p="http://schemas.openxmlformats.org/presentationml/2006/main">
+  <p:cSld>
+    <p:spTree>
+      <p:nvGrpSpPr>
+        <p:cNvPr id="1" name="">
+          <a:extLst>
+            <a:ext uri="{FF2B5EF4-FFF2-40B4-BE49-F238E27FC236}">
+              <a16:creationId xmlns:a16="http://schemas.microsoft.com/office/drawing/2014/main" id="{25C26B32-3C2C-0D4B-2C7C-E84DFFE98223}"/>
+            </a:ext>
+          </a:extLst>
+        </p:cNvPr>
+        <p:cNvGrpSpPr/>
+        <p:nvPr/>
+      </p:nvGrpSpPr>
+      <p:grpSpPr>
+        <a:xfrm>
+          <a:off x="0" y="0"/>
+          <a:ext cx="0" cy="0"/>
+          <a:chOff x="0" y="0"/>
+          <a:chExt cx="0" cy="0"/>
+        </a:xfrm>
+      </p:grpSpPr>
+      <p:sp>
+        <p:nvSpPr>
+          <p:cNvPr id="2" name="Titel 1">
+            <a:extLst>
+              <a:ext uri="{FF2B5EF4-FFF2-40B4-BE49-F238E27FC236}">
+                <a16:creationId xmlns:a16="http://schemas.microsoft.com/office/drawing/2014/main" id="{9B881DF2-FE1B-AFD8-60E8-C81A99AC9A72}"/>
+              </a:ext>
+            </a:extLst>
+          </p:cNvPr>
+          <p:cNvSpPr>
+            <a:spLocks noGrp="1"/>
+          </p:cNvSpPr>
+          <p:nvPr>
+            <p:ph type="title"/>
+          </p:nvPr>
+        </p:nvSpPr>
+        <p:spPr/>
+        <p:txBody>
+          <a:bodyPr/>
+          <a:lstStyle/>
+          <a:p>
+            <a:r>
+              <a:rPr lang="de-DE" sz="2000" b="1" dirty="0"/>
+              <a:t>Simulation</a:t>
+            </a:r>
+            <a:br>
+              <a:rPr lang="de-DE" b="1" dirty="0"/>
+            </a:br>
+            <a:r>
+              <a:rPr lang="de-DE" b="1" dirty="0"/>
+              <a:t>5. Vorteile</a:t>
+            </a:r>
+          </a:p>
+        </p:txBody>
+      </p:sp>
+      <p:sp>
+        <p:nvSpPr>
+          <p:cNvPr id="3" name="Inhaltsplatzhalter 2">
+            <a:extLst>
+              <a:ext uri="{FF2B5EF4-FFF2-40B4-BE49-F238E27FC236}">
+                <a16:creationId xmlns:a16="http://schemas.microsoft.com/office/drawing/2014/main" id="{B7B17DCA-095F-1C5B-B979-6DD6809029E0}"/>
+              </a:ext>
+            </a:extLst>
+          </p:cNvPr>
+          <p:cNvSpPr>
+            <a:spLocks noGrp="1"/>
+          </p:cNvSpPr>
+          <p:nvPr>
+            <p:ph idx="1"/>
+          </p:nvPr>
+        </p:nvSpPr>
+        <p:spPr/>
+        <p:txBody>
+          <a:bodyPr>
+            <a:normAutofit/>
+          </a:bodyPr>
+          <a:lstStyle/>
+          <a:p>
+            <a:r>
+              <a:rPr lang="de-DE" sz="2400" dirty="0"/>
+              <a:t>Keine Gefährdung realer Patienten</a:t>
+            </a:r>
+          </a:p>
+          <a:p>
+            <a:r>
+              <a:rPr lang="de-DE" sz="2400" dirty="0"/>
+              <a:t>Wiederholbarkeit und Anpassbarkeit</a:t>
+            </a:r>
+          </a:p>
+          <a:p>
+            <a:r>
+              <a:rPr lang="de-DE" sz="2400" dirty="0"/>
+              <a:t>Möglichkeit zum Trainieren seltener Ereignisse</a:t>
+            </a:r>
+          </a:p>
+          <a:p>
+            <a:r>
+              <a:rPr lang="de-DE" sz="2400" dirty="0"/>
+              <a:t>Besseres Verständnis komplexer Abläufe</a:t>
+            </a:r>
+          </a:p>
+          <a:p>
+            <a:r>
+              <a:rPr lang="de-DE" sz="2400" dirty="0"/>
+              <a:t>Kostenreduktion im Ausbildungsbereich</a:t>
+            </a:r>
+          </a:p>
+        </p:txBody>
+      </p:sp>
+    </p:spTree>
+    <p:extLst>
+      <p:ext uri="{BB962C8B-B14F-4D97-AF65-F5344CB8AC3E}">
+        <p14:creationId xmlns:p14="http://schemas.microsoft.com/office/powerpoint/2010/main" val="1797177555"/>
+      </p:ext>
+    </p:extLst>
+  </p:cSld>
+  <p:clrMapOvr>
+    <a:masterClrMapping/>
+  </p:clrMapOvr>
+</p:sld>
+</file>
+
+<file path=ppt/slides/slide17.xml><?xml version="1.0" encoding="utf-8"?>
+<p:sld xmlns:a="http://schemas.openxmlformats.org/drawingml/2006/main" xmlns:r="http://schemas.openxmlformats.org/officeDocument/2006/relationships" xmlns:p="http://schemas.openxmlformats.org/presentationml/2006/main">
+  <p:cSld>
+    <p:spTree>
+      <p:nvGrpSpPr>
+        <p:cNvPr id="1" name="">
+          <a:extLst>
+            <a:ext uri="{FF2B5EF4-FFF2-40B4-BE49-F238E27FC236}">
+              <a16:creationId xmlns:a16="http://schemas.microsoft.com/office/drawing/2014/main" id="{E5DB9465-500D-4319-11A9-19203F986039}"/>
+            </a:ext>
+          </a:extLst>
+        </p:cNvPr>
+        <p:cNvGrpSpPr/>
+        <p:nvPr/>
+      </p:nvGrpSpPr>
+      <p:grpSpPr>
+        <a:xfrm>
+          <a:off x="0" y="0"/>
+          <a:ext cx="0" cy="0"/>
+          <a:chOff x="0" y="0"/>
+          <a:chExt cx="0" cy="0"/>
+        </a:xfrm>
+      </p:grpSpPr>
+      <p:sp>
+        <p:nvSpPr>
+          <p:cNvPr id="2" name="Titel 1">
+            <a:extLst>
+              <a:ext uri="{FF2B5EF4-FFF2-40B4-BE49-F238E27FC236}">
+                <a16:creationId xmlns:a16="http://schemas.microsoft.com/office/drawing/2014/main" id="{9ED7DA98-5428-34F7-2692-39036FD39866}"/>
+              </a:ext>
+            </a:extLst>
+          </p:cNvPr>
+          <p:cNvSpPr>
+            <a:spLocks noGrp="1"/>
+          </p:cNvSpPr>
+          <p:nvPr>
+            <p:ph type="title"/>
+          </p:nvPr>
+        </p:nvSpPr>
+        <p:spPr/>
+        <p:txBody>
+          <a:bodyPr/>
+          <a:lstStyle/>
+          <a:p>
+            <a:r>
+              <a:rPr lang="de-DE" sz="2000" b="1" dirty="0"/>
+              <a:t>Simulation</a:t>
+            </a:r>
+            <a:br>
+              <a:rPr lang="de-DE" b="1" dirty="0"/>
+            </a:br>
+            <a:r>
+              <a:rPr lang="de-DE" b="1" dirty="0"/>
+              <a:t>6. Herausforderungen</a:t>
+            </a:r>
+          </a:p>
+        </p:txBody>
+      </p:sp>
+      <p:sp>
+        <p:nvSpPr>
+          <p:cNvPr id="3" name="Inhaltsplatzhalter 2">
+            <a:extLst>
+              <a:ext uri="{FF2B5EF4-FFF2-40B4-BE49-F238E27FC236}">
+                <a16:creationId xmlns:a16="http://schemas.microsoft.com/office/drawing/2014/main" id="{5056B251-7DD4-80A6-72BA-1D3C2F5031EB}"/>
+              </a:ext>
+            </a:extLst>
+          </p:cNvPr>
+          <p:cNvSpPr>
+            <a:spLocks noGrp="1"/>
+          </p:cNvSpPr>
+          <p:nvPr>
+            <p:ph idx="1"/>
+          </p:nvPr>
+        </p:nvSpPr>
+        <p:spPr/>
+        <p:txBody>
+          <a:bodyPr>
+            <a:normAutofit/>
+          </a:bodyPr>
+          <a:lstStyle/>
+          <a:p>
+            <a:r>
+              <a:rPr lang="de-DE" sz="2400" b="1" dirty="0"/>
+              <a:t>Realitätsnähe</a:t>
+            </a:r>
+            <a:r>
+              <a:rPr lang="de-DE" sz="2400" dirty="0"/>
+              <a:t> der Simulation (Modellgenauigkeit, Datenbasis)</a:t>
+            </a:r>
+          </a:p>
+          <a:p>
+            <a:r>
+              <a:rPr lang="de-DE" sz="2400" b="1" dirty="0"/>
+              <a:t>Kosten und technischer Aufwand</a:t>
+            </a:r>
+            <a:r>
+              <a:rPr lang="de-DE" sz="2400" dirty="0"/>
+              <a:t> (v. a. bei VR-Systemen)</a:t>
+            </a:r>
+          </a:p>
+          <a:p>
+            <a:r>
+              <a:rPr lang="de-DE" sz="2400" b="1" dirty="0"/>
+              <a:t>Datenverfügbarkeit</a:t>
+            </a:r>
+            <a:r>
+              <a:rPr lang="de-DE" sz="2400" dirty="0"/>
+              <a:t> für patientenspezifische Simulationen</a:t>
+            </a:r>
+          </a:p>
+          <a:p>
+            <a:r>
+              <a:rPr lang="de-DE" sz="2400" b="1" dirty="0"/>
+              <a:t>Ethische Aspekte</a:t>
+            </a:r>
+            <a:r>
+              <a:rPr lang="de-DE" sz="2400" dirty="0"/>
+              <a:t> bei simulierten Entscheidungen</a:t>
+            </a:r>
+          </a:p>
+          <a:p>
+            <a:endParaRPr lang="de-DE" sz="2400" dirty="0"/>
+          </a:p>
+        </p:txBody>
+      </p:sp>
+    </p:spTree>
+    <p:extLst>
+      <p:ext uri="{BB962C8B-B14F-4D97-AF65-F5344CB8AC3E}">
+        <p14:creationId xmlns:p14="http://schemas.microsoft.com/office/powerpoint/2010/main" val="3615605516"/>
+      </p:ext>
+    </p:extLst>
+  </p:cSld>
+  <p:clrMapOvr>
+    <a:masterClrMapping/>
+  </p:clrMapOvr>
+</p:sld>
+</file>
+
+<file path=ppt/slides/slide18.xml><?xml version="1.0" encoding="utf-8"?>
+<p:sld xmlns:a="http://schemas.openxmlformats.org/drawingml/2006/main" xmlns:r="http://schemas.openxmlformats.org/officeDocument/2006/relationships" xmlns:p="http://schemas.openxmlformats.org/presentationml/2006/main">
+  <p:cSld>
+    <p:spTree>
+      <p:nvGrpSpPr>
+        <p:cNvPr id="1" name="">
+          <a:extLst>
+            <a:ext uri="{FF2B5EF4-FFF2-40B4-BE49-F238E27FC236}">
+              <a16:creationId xmlns:a16="http://schemas.microsoft.com/office/drawing/2014/main" id="{C134E9C9-5103-04B8-E45A-BBCA318F169B}"/>
+            </a:ext>
+          </a:extLst>
+        </p:cNvPr>
+        <p:cNvGrpSpPr/>
+        <p:nvPr/>
+      </p:nvGrpSpPr>
+      <p:grpSpPr>
+        <a:xfrm>
+          <a:off x="0" y="0"/>
+          <a:ext cx="0" cy="0"/>
+          <a:chOff x="0" y="0"/>
+          <a:chExt cx="0" cy="0"/>
+        </a:xfrm>
+      </p:grpSpPr>
+      <p:sp>
+        <p:nvSpPr>
+          <p:cNvPr id="2" name="Titel 1">
+            <a:extLst>
+              <a:ext uri="{FF2B5EF4-FFF2-40B4-BE49-F238E27FC236}">
+                <a16:creationId xmlns:a16="http://schemas.microsoft.com/office/drawing/2014/main" id="{E74F33B1-7094-91CB-BE2A-D42BD5FF1519}"/>
+              </a:ext>
+            </a:extLst>
+          </p:cNvPr>
+          <p:cNvSpPr>
+            <a:spLocks noGrp="1"/>
+          </p:cNvSpPr>
+          <p:nvPr>
+            <p:ph type="title"/>
+          </p:nvPr>
+        </p:nvSpPr>
+        <p:spPr/>
+        <p:txBody>
+          <a:bodyPr/>
+          <a:lstStyle/>
+          <a:p>
+            <a:r>
+              <a:rPr lang="de-DE" sz="2000" b="1" dirty="0"/>
+              <a:t>Simulation</a:t>
+            </a:r>
+            <a:br>
+              <a:rPr lang="de-DE" b="1" dirty="0"/>
+            </a:br>
+            <a:r>
+              <a:rPr lang="de-DE" b="1" dirty="0"/>
+              <a:t>7. Zukunftsperspektiven</a:t>
+            </a:r>
+          </a:p>
+        </p:txBody>
+      </p:sp>
+      <p:sp>
+        <p:nvSpPr>
+          <p:cNvPr id="3" name="Inhaltsplatzhalter 2">
+            <a:extLst>
+              <a:ext uri="{FF2B5EF4-FFF2-40B4-BE49-F238E27FC236}">
+                <a16:creationId xmlns:a16="http://schemas.microsoft.com/office/drawing/2014/main" id="{31DB3A14-6C66-2521-D056-4B46F84D1456}"/>
+              </a:ext>
+            </a:extLst>
+          </p:cNvPr>
+          <p:cNvSpPr>
+            <a:spLocks noGrp="1"/>
+          </p:cNvSpPr>
+          <p:nvPr>
+            <p:ph idx="1"/>
+          </p:nvPr>
+        </p:nvSpPr>
+        <p:spPr/>
+        <p:txBody>
+          <a:bodyPr>
+            <a:normAutofit/>
+          </a:bodyPr>
+          <a:lstStyle/>
+          <a:p>
+            <a:r>
+              <a:rPr lang="de-DE" sz="2400" b="1" dirty="0"/>
+              <a:t>Integration mit KI</a:t>
+            </a:r>
+            <a:r>
+              <a:rPr lang="de-DE" sz="2400" dirty="0"/>
+              <a:t> zur Echtzeit-Simulation</a:t>
+            </a:r>
+          </a:p>
+          <a:p>
+            <a:r>
+              <a:rPr lang="de-DE" sz="2400" b="1" dirty="0"/>
+              <a:t>Digitale Zwillinge</a:t>
+            </a:r>
+            <a:r>
+              <a:rPr lang="de-DE" sz="2400" dirty="0"/>
+              <a:t> für personalisierte Therapieplanung</a:t>
+            </a:r>
+          </a:p>
+          <a:p>
+            <a:r>
+              <a:rPr lang="de-DE" sz="2400" b="1" dirty="0"/>
+              <a:t>Cloudbasierte Simulationen</a:t>
+            </a:r>
+            <a:r>
+              <a:rPr lang="de-DE" sz="2400" dirty="0"/>
+              <a:t> für ortsunabhängige Ausbildung</a:t>
+            </a:r>
+          </a:p>
+          <a:p>
+            <a:r>
+              <a:rPr lang="de-DE" sz="2400" dirty="0"/>
+              <a:t>Simulationsplattformen in der Telemedizin</a:t>
+            </a:r>
+          </a:p>
+        </p:txBody>
+      </p:sp>
+    </p:spTree>
+    <p:extLst>
+      <p:ext uri="{BB962C8B-B14F-4D97-AF65-F5344CB8AC3E}">
+        <p14:creationId xmlns:p14="http://schemas.microsoft.com/office/powerpoint/2010/main" val="211080644"/>
+      </p:ext>
+    </p:extLst>
+  </p:cSld>
+  <p:clrMapOvr>
+    <a:masterClrMapping/>
+  </p:clrMapOvr>
+</p:sld>
+</file>
+
+<file path=ppt/slides/slide19.xml><?xml version="1.0" encoding="utf-8"?>
+<p:sld xmlns:a="http://schemas.openxmlformats.org/drawingml/2006/main" xmlns:r="http://schemas.openxmlformats.org/officeDocument/2006/relationships" xmlns:p="http://schemas.openxmlformats.org/presentationml/2006/main">
+  <p:cSld>
+    <p:spTree>
+      <p:nvGrpSpPr>
+        <p:cNvPr id="1" name="">
+          <a:extLst>
+            <a:ext uri="{FF2B5EF4-FFF2-40B4-BE49-F238E27FC236}">
+              <a16:creationId xmlns:a16="http://schemas.microsoft.com/office/drawing/2014/main" id="{B1198940-F8D2-81E5-4D2E-9E1DF6969017}"/>
+            </a:ext>
+          </a:extLst>
+        </p:cNvPr>
+        <p:cNvGrpSpPr/>
+        <p:nvPr/>
+      </p:nvGrpSpPr>
+      <p:grpSpPr>
+        <a:xfrm>
+          <a:off x="0" y="0"/>
+          <a:ext cx="0" cy="0"/>
+          <a:chOff x="0" y="0"/>
+          <a:chExt cx="0" cy="0"/>
+        </a:xfrm>
+      </p:grpSpPr>
+      <p:sp>
+        <p:nvSpPr>
+          <p:cNvPr id="2" name="Titel 1">
+            <a:extLst>
+              <a:ext uri="{FF2B5EF4-FFF2-40B4-BE49-F238E27FC236}">
+                <a16:creationId xmlns:a16="http://schemas.microsoft.com/office/drawing/2014/main" id="{EDB0F3FE-2730-E777-0C11-6C433B37C14F}"/>
+              </a:ext>
+            </a:extLst>
+          </p:cNvPr>
+          <p:cNvSpPr>
+            <a:spLocks noGrp="1"/>
+          </p:cNvSpPr>
+          <p:nvPr>
+            <p:ph type="ctrTitle"/>
+          </p:nvPr>
+        </p:nvSpPr>
+        <p:spPr/>
+        <p:txBody>
+          <a:bodyPr>
+            <a:normAutofit/>
+          </a:bodyPr>
+          <a:lstStyle/>
+          <a:p>
+            <a:r>
+              <a:rPr lang="de-DE" sz="5400" b="1" dirty="0"/>
+              <a:t>Diskussionsrunde</a:t>
+            </a:r>
+            <a:endParaRPr lang="de-DE" b="1" dirty="0"/>
+          </a:p>
+        </p:txBody>
+      </p:sp>
+      <p:sp>
+        <p:nvSpPr>
+          <p:cNvPr id="3" name="Inhaltsplatzhalter 2">
+            <a:extLst>
+              <a:ext uri="{FF2B5EF4-FFF2-40B4-BE49-F238E27FC236}">
+                <a16:creationId xmlns:a16="http://schemas.microsoft.com/office/drawing/2014/main" id="{BA5300F5-FDD6-D006-814E-60791E896DCF}"/>
+              </a:ext>
+            </a:extLst>
+          </p:cNvPr>
+          <p:cNvSpPr>
+            <a:spLocks noGrp="1"/>
+          </p:cNvSpPr>
+          <p:nvPr>
+            <p:ph type="subTitle" idx="1"/>
+          </p:nvPr>
+        </p:nvSpPr>
+        <p:spPr/>
+        <p:txBody>
+          <a:bodyPr>
+            <a:normAutofit/>
+          </a:bodyPr>
+          <a:lstStyle/>
+          <a:p>
+            <a:endParaRPr lang="de-DE" sz="2400" dirty="0"/>
+          </a:p>
+        </p:txBody>
+      </p:sp>
+    </p:spTree>
+    <p:extLst>
+      <p:ext uri="{BB962C8B-B14F-4D97-AF65-F5344CB8AC3E}">
+        <p14:creationId xmlns:p14="http://schemas.microsoft.com/office/powerpoint/2010/main" val="4243529231"/>
       </p:ext>
     </p:extLst>
   </p:cSld>
@@ -3517,106 +4909,204 @@
         </p:nvSpPr>
         <p:spPr/>
         <p:txBody>
+          <a:bodyPr>
+            <a:normAutofit/>
+          </a:bodyPr>
+          <a:lstStyle/>
+          <a:p>
+            <a:r>
+              <a:rPr lang="de-DE" sz="4000" b="1" dirty="0"/>
+              <a:t>Gliederung</a:t>
+            </a:r>
+          </a:p>
+        </p:txBody>
+      </p:sp>
+      <p:sp>
+        <p:nvSpPr>
+          <p:cNvPr id="3" name="Inhaltsplatzhalter 2">
+            <a:extLst>
+              <a:ext uri="{FF2B5EF4-FFF2-40B4-BE49-F238E27FC236}">
+                <a16:creationId xmlns:a16="http://schemas.microsoft.com/office/drawing/2014/main" id="{2DB2BE38-B9DB-2984-9F9C-E43C971857E9}"/>
+              </a:ext>
+            </a:extLst>
+          </p:cNvPr>
+          <p:cNvSpPr>
+            <a:spLocks noGrp="1"/>
+          </p:cNvSpPr>
+          <p:nvPr>
+            <p:ph sz="half" idx="1"/>
+          </p:nvPr>
+        </p:nvSpPr>
+        <p:spPr/>
+        <p:txBody>
           <a:bodyPr/>
           <a:lstStyle/>
           <a:p>
-            <a:r>
-              <a:rPr lang="de-DE" dirty="0"/>
-              <a:t>Gliederung</a:t>
-            </a:r>
-          </a:p>
-        </p:txBody>
-      </p:sp>
-      <p:sp>
-        <p:nvSpPr>
-          <p:cNvPr id="3" name="Inhaltsplatzhalter 2">
-            <a:extLst>
-              <a:ext uri="{FF2B5EF4-FFF2-40B4-BE49-F238E27FC236}">
-                <a16:creationId xmlns:a16="http://schemas.microsoft.com/office/drawing/2014/main" id="{2DB2BE38-B9DB-2984-9F9C-E43C971857E9}"/>
-              </a:ext>
-            </a:extLst>
-          </p:cNvPr>
-          <p:cNvSpPr>
-            <a:spLocks noGrp="1"/>
-          </p:cNvSpPr>
-          <p:nvPr>
-            <p:ph idx="1"/>
-          </p:nvPr>
-        </p:nvSpPr>
-        <p:spPr/>
-        <p:txBody>
-          <a:bodyPr/>
-          <a:lstStyle/>
-          <a:p>
-            <a:pPr marL="514350" indent="-514350">
+            <a:pPr marL="0" indent="0">
+              <a:buNone/>
+            </a:pPr>
+            <a:r>
+              <a:rPr lang="de-DE" sz="2000" b="1" dirty="0"/>
+              <a:t>Modellierung in der Medizininformatik</a:t>
+            </a:r>
+          </a:p>
+          <a:p>
+            <a:pPr marL="457200" indent="-457200">
               <a:buAutoNum type="arabicPeriod"/>
             </a:pPr>
             <a:r>
-              <a:rPr lang="de-DE" dirty="0"/>
-              <a:t>Einführung</a:t>
-            </a:r>
-          </a:p>
-          <a:p>
-            <a:pPr marL="514350" indent="-514350">
+              <a:rPr lang="de-DE" sz="2000" dirty="0"/>
+              <a:t>Was ist Modellierung?</a:t>
+            </a:r>
+          </a:p>
+          <a:p>
+            <a:pPr marL="457200" indent="-457200">
               <a:buAutoNum type="arabicPeriod"/>
             </a:pPr>
             <a:r>
-              <a:rPr lang="de-DE" dirty="0"/>
-              <a:t>Arten von Modellen</a:t>
-            </a:r>
-          </a:p>
-          <a:p>
-            <a:pPr marL="514350" indent="-514350">
+              <a:rPr lang="de-DE" sz="2000" dirty="0"/>
+              <a:t>Ziele der Modellierung</a:t>
+            </a:r>
+          </a:p>
+          <a:p>
+            <a:pPr marL="457200" indent="-457200">
               <a:buAutoNum type="arabicPeriod"/>
             </a:pPr>
             <a:r>
-              <a:rPr lang="de-DE" dirty="0"/>
-              <a:t>Anwendungsbeispiele</a:t>
-            </a:r>
-          </a:p>
-          <a:p>
-            <a:pPr marL="514350" indent="-514350">
+              <a:rPr lang="de-DE" sz="2000" dirty="0"/>
+              <a:t>Modellierungsarten</a:t>
+            </a:r>
+          </a:p>
+          <a:p>
+            <a:pPr marL="457200" indent="-457200">
               <a:buAutoNum type="arabicPeriod"/>
             </a:pPr>
             <a:r>
-              <a:rPr lang="de-DE" dirty="0"/>
-              <a:t>Vorteile</a:t>
-            </a:r>
-          </a:p>
-          <a:p>
-            <a:pPr marL="514350" indent="-514350">
+              <a:rPr lang="de-DE" sz="2000" dirty="0"/>
+              <a:t>Anwendungen</a:t>
+            </a:r>
+          </a:p>
+          <a:p>
+            <a:pPr marL="457200" indent="-457200">
               <a:buAutoNum type="arabicPeriod"/>
             </a:pPr>
             <a:r>
-              <a:rPr lang="de-DE" dirty="0"/>
-              <a:t>Herausforderungen</a:t>
-            </a:r>
-          </a:p>
-          <a:p>
-            <a:pPr marL="514350" indent="-514350">
+              <a:rPr lang="de-DE" sz="2000" dirty="0"/>
+              <a:t>Voraussetzungen</a:t>
+            </a:r>
+          </a:p>
+          <a:p>
+            <a:pPr marL="457200" indent="-457200">
               <a:buAutoNum type="arabicPeriod"/>
             </a:pPr>
             <a:r>
-              <a:rPr lang="de-DE" dirty="0"/>
-              <a:t>Zukunftsperspektiven</a:t>
-            </a:r>
-          </a:p>
-          <a:p>
-            <a:pPr marL="514350" indent="-514350">
+              <a:rPr lang="de-DE" sz="2000" dirty="0"/>
+              <a:t>Herausforderungen</a:t>
+            </a:r>
+          </a:p>
+          <a:p>
+            <a:pPr marL="457200" indent="-457200">
               <a:buAutoNum type="arabicPeriod"/>
             </a:pPr>
             <a:r>
-              <a:rPr lang="de-DE" dirty="0"/>
-              <a:t>Fazit</a:t>
-            </a:r>
-          </a:p>
-          <a:p>
-            <a:pPr marL="514350" indent="-514350">
+              <a:rPr lang="de-DE" sz="2000" dirty="0"/>
+              <a:t>Zukunftsperspektiven</a:t>
+            </a:r>
+          </a:p>
+        </p:txBody>
+      </p:sp>
+      <p:sp>
+        <p:nvSpPr>
+          <p:cNvPr id="4" name="Inhaltsplatzhalter 3">
+            <a:extLst>
+              <a:ext uri="{FF2B5EF4-FFF2-40B4-BE49-F238E27FC236}">
+                <a16:creationId xmlns:a16="http://schemas.microsoft.com/office/drawing/2014/main" id="{110C6831-404F-A886-4EA2-9DEF2850FF22}"/>
+              </a:ext>
+            </a:extLst>
+          </p:cNvPr>
+          <p:cNvSpPr>
+            <a:spLocks noGrp="1"/>
+          </p:cNvSpPr>
+          <p:nvPr>
+            <p:ph sz="half" idx="2"/>
+          </p:nvPr>
+        </p:nvSpPr>
+        <p:spPr/>
+        <p:txBody>
+          <a:bodyPr>
+            <a:normAutofit/>
+          </a:bodyPr>
+          <a:lstStyle/>
+          <a:p>
+            <a:pPr marL="0" indent="0">
+              <a:buNone/>
+            </a:pPr>
+            <a:r>
+              <a:rPr lang="de-DE" sz="2000" b="1" dirty="0"/>
+              <a:t>Simulation in der Medizininformatik</a:t>
+            </a:r>
+          </a:p>
+          <a:p>
+            <a:pPr marL="457200" indent="-457200">
               <a:buAutoNum type="arabicPeriod"/>
             </a:pPr>
             <a:r>
-              <a:rPr lang="de-DE" dirty="0"/>
-              <a:t>Fragerunde</a:t>
+              <a:rPr lang="de-DE" sz="2000" dirty="0"/>
+              <a:t>Was ist Simulation?</a:t>
+            </a:r>
+          </a:p>
+          <a:p>
+            <a:pPr marL="457200" indent="-457200">
+              <a:buAutoNum type="arabicPeriod"/>
+            </a:pPr>
+            <a:r>
+              <a:rPr lang="de-DE" sz="2000" dirty="0"/>
+              <a:t>Ziele der Simulation</a:t>
+            </a:r>
+          </a:p>
+          <a:p>
+            <a:pPr marL="457200" indent="-457200">
+              <a:buAutoNum type="arabicPeriod"/>
+            </a:pPr>
+            <a:r>
+              <a:rPr lang="de-DE" sz="2000" dirty="0"/>
+              <a:t>Typen medizinischer Simulationen</a:t>
+            </a:r>
+          </a:p>
+          <a:p>
+            <a:pPr marL="457200" indent="-457200">
+              <a:buAutoNum type="arabicPeriod"/>
+            </a:pPr>
+            <a:r>
+              <a:rPr lang="de-DE" sz="2000" dirty="0"/>
+              <a:t>Anwendungsbereiche</a:t>
+            </a:r>
+          </a:p>
+          <a:p>
+            <a:pPr marL="457200" indent="-457200">
+              <a:buAutoNum type="arabicPeriod"/>
+            </a:pPr>
+            <a:r>
+              <a:rPr lang="de-DE" sz="2000" dirty="0"/>
+              <a:t>Vorteile</a:t>
+            </a:r>
+          </a:p>
+          <a:p>
+            <a:pPr marL="457200" indent="-457200">
+              <a:buAutoNum type="arabicPeriod"/>
+            </a:pPr>
+            <a:r>
+              <a:rPr lang="de-DE" sz="2000" dirty="0"/>
+              <a:t>Herausforderungen</a:t>
+            </a:r>
+          </a:p>
+          <a:p>
+            <a:pPr marL="457200" indent="-457200">
+              <a:buAutoNum type="arabicPeriod"/>
+            </a:pPr>
+            <a:r>
+              <a:rPr lang="de-DE" sz="2000" dirty="0"/>
+              <a:t>Zukunftsperspektiven</a:t>
             </a:r>
           </a:p>
         </p:txBody>
@@ -3639,7 +5129,13 @@
   <p:cSld>
     <p:spTree>
       <p:nvGrpSpPr>
-        <p:cNvPr id="1" name=""/>
+        <p:cNvPr id="1" name="">
+          <a:extLst>
+            <a:ext uri="{FF2B5EF4-FFF2-40B4-BE49-F238E27FC236}">
+              <a16:creationId xmlns:a16="http://schemas.microsoft.com/office/drawing/2014/main" id="{05F18F27-4446-B320-B8CE-68AF6F76E700}"/>
+            </a:ext>
+          </a:extLst>
+        </p:cNvPr>
         <p:cNvGrpSpPr/>
         <p:nvPr/>
       </p:nvGrpSpPr>
@@ -3656,26 +5152,33 @@
           <p:cNvPr id="2" name="Titel 1">
             <a:extLst>
               <a:ext uri="{FF2B5EF4-FFF2-40B4-BE49-F238E27FC236}">
-                <a16:creationId xmlns:a16="http://schemas.microsoft.com/office/drawing/2014/main" id="{EAE6B608-A8E0-4058-8344-35683B3A21E2}"/>
-              </a:ext>
-            </a:extLst>
-          </p:cNvPr>
-          <p:cNvSpPr>
-            <a:spLocks noGrp="1"/>
-          </p:cNvSpPr>
-          <p:nvPr>
-            <p:ph type="title"/>
-          </p:nvPr>
-        </p:nvSpPr>
-        <p:spPr/>
-        <p:txBody>
-          <a:bodyPr/>
-          <a:lstStyle/>
-          <a:p>
-            <a:r>
-              <a:rPr lang="de-DE" dirty="0"/>
-              <a:t>1. Einführung</a:t>
-            </a:r>
+                <a16:creationId xmlns:a16="http://schemas.microsoft.com/office/drawing/2014/main" id="{94E4913C-C903-B980-7C57-D55544A62B38}"/>
+              </a:ext>
+            </a:extLst>
+          </p:cNvPr>
+          <p:cNvSpPr>
+            <a:spLocks noGrp="1"/>
+          </p:cNvSpPr>
+          <p:nvPr>
+            <p:ph type="ctrTitle"/>
+          </p:nvPr>
+        </p:nvSpPr>
+        <p:spPr/>
+        <p:txBody>
+          <a:bodyPr>
+            <a:normAutofit/>
+          </a:bodyPr>
+          <a:lstStyle/>
+          <a:p>
+            <a:r>
+              <a:rPr lang="de-DE" sz="5400" b="1" dirty="0"/>
+              <a:t>Modellierung</a:t>
+            </a:r>
+            <a:r>
+              <a:rPr lang="de-DE" sz="4900" b="1" dirty="0"/>
+              <a:t> in der Medizininformatik</a:t>
+            </a:r>
+            <a:endParaRPr lang="de-DE" b="1" dirty="0"/>
           </a:p>
         </p:txBody>
       </p:sp>
@@ -3684,69 +5187,32 @@
           <p:cNvPr id="3" name="Inhaltsplatzhalter 2">
             <a:extLst>
               <a:ext uri="{FF2B5EF4-FFF2-40B4-BE49-F238E27FC236}">
-                <a16:creationId xmlns:a16="http://schemas.microsoft.com/office/drawing/2014/main" id="{405B6C3E-51C3-C52F-82CE-298B6F476D1A}"/>
-              </a:ext>
-            </a:extLst>
-          </p:cNvPr>
-          <p:cNvSpPr>
-            <a:spLocks noGrp="1"/>
-          </p:cNvSpPr>
-          <p:nvPr>
-            <p:ph idx="1"/>
-          </p:nvPr>
-        </p:nvSpPr>
-        <p:spPr/>
-        <p:txBody>
-          <a:bodyPr/>
-          <a:lstStyle/>
-          <a:p>
-            <a:r>
-              <a:rPr lang="de-DE" dirty="0"/>
-              <a:t>Definition von </a:t>
-            </a:r>
-            <a:r>
-              <a:rPr lang="de-DE" b="1" dirty="0"/>
-              <a:t>Simulation</a:t>
-            </a:r>
-            <a:r>
-              <a:rPr lang="de-DE" dirty="0"/>
-              <a:t> (Nachbildung realer Prozesse in einem Modell zur Analyse)</a:t>
-            </a:r>
-          </a:p>
-          <a:p>
-            <a:r>
-              <a:rPr lang="de-DE" dirty="0"/>
-              <a:t>Definition von </a:t>
-            </a:r>
-            <a:r>
-              <a:rPr lang="de-DE" b="1" dirty="0"/>
-              <a:t>Modellierung</a:t>
-            </a:r>
-            <a:r>
-              <a:rPr lang="de-DE" dirty="0"/>
-              <a:t> (mathematische oder computergestützte Beschreibung eines Systems)</a:t>
-            </a:r>
-          </a:p>
-          <a:p>
-            <a:r>
-              <a:rPr lang="de-DE" dirty="0"/>
-              <a:t>Relevanz in der </a:t>
-            </a:r>
-            <a:r>
-              <a:rPr lang="de-DE" b="1" dirty="0"/>
-              <a:t>Medizininformatik</a:t>
-            </a:r>
-            <a:r>
-              <a:rPr lang="de-DE" dirty="0"/>
-              <a:t>: Entscheidungsunterstützung, Risikoanalyse, Planung und Ausbildung</a:t>
-            </a:r>
+                <a16:creationId xmlns:a16="http://schemas.microsoft.com/office/drawing/2014/main" id="{BBBB5344-1261-87E8-041A-43616E3DBF5B}"/>
+              </a:ext>
+            </a:extLst>
+          </p:cNvPr>
+          <p:cNvSpPr>
+            <a:spLocks noGrp="1"/>
+          </p:cNvSpPr>
+          <p:nvPr>
+            <p:ph type="subTitle" idx="1"/>
+          </p:nvPr>
+        </p:nvSpPr>
+        <p:spPr/>
+        <p:txBody>
+          <a:bodyPr>
+            <a:normAutofit/>
+          </a:bodyPr>
+          <a:lstStyle/>
+          <a:p>
+            <a:endParaRPr lang="de-DE" sz="2400" dirty="0"/>
           </a:p>
         </p:txBody>
       </p:sp>
     </p:spTree>
     <p:extLst>
       <p:ext uri="{BB962C8B-B14F-4D97-AF65-F5344CB8AC3E}">
-        <p14:creationId xmlns:p14="http://schemas.microsoft.com/office/powerpoint/2010/main" val="4144715122"/>
+        <p14:creationId xmlns:p14="http://schemas.microsoft.com/office/powerpoint/2010/main" val="972702558"/>
       </p:ext>
     </p:extLst>
   </p:cSld>
@@ -3778,7 +5244,7 @@
           <p:cNvPr id="2" name="Titel 1">
             <a:extLst>
               <a:ext uri="{FF2B5EF4-FFF2-40B4-BE49-F238E27FC236}">
-                <a16:creationId xmlns:a16="http://schemas.microsoft.com/office/drawing/2014/main" id="{9C301913-D5B4-7E99-5C41-C7D5F690030E}"/>
+                <a16:creationId xmlns:a16="http://schemas.microsoft.com/office/drawing/2014/main" id="{EAE6B608-A8E0-4058-8344-35683B3A21E2}"/>
               </a:ext>
             </a:extLst>
           </p:cNvPr>
@@ -3795,8 +5261,15 @@
           <a:lstStyle/>
           <a:p>
             <a:r>
-              <a:rPr lang="de-DE" dirty="0"/>
-              <a:t>2. Arten von Modellen</a:t>
+              <a:rPr lang="de-DE" sz="2000" b="1" dirty="0"/>
+              <a:t>Modellierung</a:t>
+            </a:r>
+            <a:br>
+              <a:rPr lang="de-DE" b="1" dirty="0"/>
+            </a:br>
+            <a:r>
+              <a:rPr lang="de-DE" b="1" dirty="0"/>
+              <a:t>1. Was ist Modellierung?</a:t>
             </a:r>
           </a:p>
         </p:txBody>
@@ -3806,7 +5279,7 @@
           <p:cNvPr id="3" name="Inhaltsplatzhalter 2">
             <a:extLst>
               <a:ext uri="{FF2B5EF4-FFF2-40B4-BE49-F238E27FC236}">
-                <a16:creationId xmlns:a16="http://schemas.microsoft.com/office/drawing/2014/main" id="{32674038-2055-3EC3-613B-3883A4DC3BA1}"/>
+                <a16:creationId xmlns:a16="http://schemas.microsoft.com/office/drawing/2014/main" id="{405B6C3E-51C3-C52F-82CE-298B6F476D1A}"/>
               </a:ext>
             </a:extLst>
           </p:cNvPr>
@@ -3819,56 +5292,56 @@
         </p:nvSpPr>
         <p:spPr/>
         <p:txBody>
-          <a:bodyPr/>
-          <a:lstStyle/>
-          <a:p>
-            <a:r>
-              <a:rPr lang="de-DE" b="1" dirty="0"/>
-              <a:t>Mathematische Modelle</a:t>
-            </a:r>
-            <a:r>
-              <a:rPr lang="de-DE" dirty="0"/>
-              <a:t>: z. B. Differentialgleichungen zur Beschreibung physiologischer Prozesse</a:t>
-            </a:r>
-          </a:p>
-          <a:p>
-            <a:r>
-              <a:rPr lang="de-DE" b="1" dirty="0"/>
-              <a:t>Stochastische Modelle</a:t>
-            </a:r>
-            <a:r>
-              <a:rPr lang="de-DE" dirty="0"/>
-              <a:t>: z. B. für Krankheitsausbreitung</a:t>
-            </a:r>
-          </a:p>
-          <a:p>
-            <a:r>
-              <a:rPr lang="de-DE" b="1" dirty="0"/>
-              <a:t>Agentenbasierte Modelle</a:t>
-            </a:r>
-            <a:r>
-              <a:rPr lang="de-DE" dirty="0"/>
-              <a:t>: z. B. Verhalten einzelner Zellen, Patienten oder Systeme</a:t>
-            </a:r>
-          </a:p>
-          <a:p>
-            <a:r>
-              <a:rPr lang="de-DE" b="1" dirty="0"/>
-              <a:t>Maschinelles Lernen / KI-basierte Modelle</a:t>
-            </a:r>
-            <a:r>
-              <a:rPr lang="de-DE" dirty="0"/>
-              <a:t>: z. B. zur Diagnoseunterstützung</a:t>
-            </a:r>
-          </a:p>
-          <a:p>
-            <a:r>
-              <a:rPr lang="de-DE" b="1" dirty="0"/>
-              <a:t>3D-Modelle</a:t>
-            </a:r>
-            <a:r>
-              <a:rPr lang="de-DE" dirty="0"/>
-              <a:t>: z. B. für OP-Planung, Tumorvisualisierung</a:t>
+          <a:bodyPr>
+            <a:normAutofit/>
+          </a:bodyPr>
+          <a:lstStyle/>
+          <a:p>
+            <a:r>
+              <a:rPr lang="de-DE" sz="2400" b="1" dirty="0"/>
+              <a:t>Definition</a:t>
+            </a:r>
+            <a:r>
+              <a:rPr lang="de-DE" sz="2400" dirty="0"/>
+              <a:t>: Abbildung eines realen medizinischen oder biologischen Prozesses in ein vereinfachtes, formales Modell (z. B. mathematisch, logisch, statistisch). </a:t>
+            </a:r>
+          </a:p>
+          <a:p>
+            <a:r>
+              <a:rPr lang="de-DE" sz="2400" dirty="0"/>
+              <a:t>Ziel: </a:t>
+            </a:r>
+            <a:r>
+              <a:rPr lang="de-DE" sz="2400" b="1" dirty="0"/>
+              <a:t>Verstehen</a:t>
+            </a:r>
+            <a:r>
+              <a:rPr lang="de-DE" sz="2400" dirty="0"/>
+              <a:t>, </a:t>
+            </a:r>
+            <a:r>
+              <a:rPr lang="de-DE" sz="2400" b="1" dirty="0"/>
+              <a:t>Vorhersagen</a:t>
+            </a:r>
+            <a:r>
+              <a:rPr lang="de-DE" sz="2400" dirty="0"/>
+              <a:t>, </a:t>
+            </a:r>
+            <a:r>
+              <a:rPr lang="de-DE" sz="2400" b="1" dirty="0"/>
+              <a:t>Optimieren</a:t>
+            </a:r>
+            <a:r>
+              <a:rPr lang="de-DE" sz="2400" dirty="0"/>
+              <a:t> oder </a:t>
+            </a:r>
+            <a:r>
+              <a:rPr lang="de-DE" sz="2400" b="1" dirty="0"/>
+              <a:t>Steuern</a:t>
+            </a:r>
+            <a:r>
+              <a:rPr lang="de-DE" sz="2400" dirty="0"/>
+              <a:t> von Prozessen im Gesundheitswesen.</a:t>
             </a:r>
           </a:p>
         </p:txBody>
@@ -3876,7 +5349,7 @@
     </p:spTree>
     <p:extLst>
       <p:ext uri="{BB962C8B-B14F-4D97-AF65-F5344CB8AC3E}">
-        <p14:creationId xmlns:p14="http://schemas.microsoft.com/office/powerpoint/2010/main" val="3365551511"/>
+        <p14:creationId xmlns:p14="http://schemas.microsoft.com/office/powerpoint/2010/main" val="4144715122"/>
       </p:ext>
     </p:extLst>
   </p:cSld>
@@ -3908,7 +5381,7 @@
           <p:cNvPr id="2" name="Titel 1">
             <a:extLst>
               <a:ext uri="{FF2B5EF4-FFF2-40B4-BE49-F238E27FC236}">
-                <a16:creationId xmlns:a16="http://schemas.microsoft.com/office/drawing/2014/main" id="{E23C6DDA-DECD-843F-7AA9-8FD8030612EB}"/>
+                <a16:creationId xmlns:a16="http://schemas.microsoft.com/office/drawing/2014/main" id="{9C301913-D5B4-7E99-5C41-C7D5F690030E}"/>
               </a:ext>
             </a:extLst>
           </p:cNvPr>
@@ -3925,8 +5398,15 @@
           <a:lstStyle/>
           <a:p>
             <a:r>
-              <a:rPr lang="de-DE" dirty="0"/>
-              <a:t>3. Anwendungsbeispiele</a:t>
+              <a:rPr lang="de-DE" sz="2000" b="1" dirty="0"/>
+              <a:t>Modellierung</a:t>
+            </a:r>
+            <a:br>
+              <a:rPr lang="de-DE" b="1" dirty="0"/>
+            </a:br>
+            <a:r>
+              <a:rPr lang="de-DE" b="1" dirty="0"/>
+              <a:t>2. Ziele der Modellierung</a:t>
             </a:r>
           </a:p>
         </p:txBody>
@@ -3936,7 +5416,7 @@
           <p:cNvPr id="3" name="Inhaltsplatzhalter 2">
             <a:extLst>
               <a:ext uri="{FF2B5EF4-FFF2-40B4-BE49-F238E27FC236}">
-                <a16:creationId xmlns:a16="http://schemas.microsoft.com/office/drawing/2014/main" id="{B1CB7919-4495-8FD9-691E-107040D2E837}"/>
+                <a16:creationId xmlns:a16="http://schemas.microsoft.com/office/drawing/2014/main" id="{32674038-2055-3EC3-613B-3883A4DC3BA1}"/>
               </a:ext>
             </a:extLst>
           </p:cNvPr>
@@ -3949,56 +5429,38 @@
         </p:nvSpPr>
         <p:spPr/>
         <p:txBody>
-          <a:bodyPr/>
-          <a:lstStyle/>
-          <a:p>
-            <a:r>
-              <a:rPr lang="de-DE" b="1" dirty="0"/>
-              <a:t>Patientenspezifische Simulationen</a:t>
-            </a:r>
-            <a:r>
-              <a:rPr lang="de-DE" dirty="0"/>
-              <a:t>: z. B. Herzsimulation vor Eingriffen</a:t>
-            </a:r>
-          </a:p>
-          <a:p>
-            <a:r>
-              <a:rPr lang="de-DE" b="1" dirty="0"/>
-              <a:t>Epidemiemodellierung</a:t>
-            </a:r>
-            <a:r>
-              <a:rPr lang="de-DE" dirty="0"/>
-              <a:t>: COVID-19, Grippeausbreitung</a:t>
-            </a:r>
-          </a:p>
-          <a:p>
-            <a:r>
-              <a:rPr lang="de-DE" b="1" dirty="0"/>
-              <a:t>Virtuelle Operationen und Trainingssysteme</a:t>
-            </a:r>
-            <a:r>
-              <a:rPr lang="de-DE" dirty="0"/>
-              <a:t>: z. B. VR-Simulatoren</a:t>
-            </a:r>
-          </a:p>
-          <a:p>
-            <a:r>
-              <a:rPr lang="de-DE" b="1" dirty="0"/>
-              <a:t>Klinische Entscheidungsunterstützung</a:t>
-            </a:r>
-            <a:r>
-              <a:rPr lang="de-DE" dirty="0"/>
-              <a:t>: Prognosemodelle z. B. bei Krebs</a:t>
-            </a:r>
-          </a:p>
-          <a:p>
-            <a:r>
-              <a:rPr lang="de-DE" b="1" dirty="0"/>
-              <a:t>Medikamentensimulationen</a:t>
-            </a:r>
-            <a:r>
-              <a:rPr lang="de-DE" dirty="0"/>
-              <a:t>: Wirkung und Nebenwirkungen abschätzen</a:t>
+          <a:bodyPr>
+            <a:normAutofit/>
+          </a:bodyPr>
+          <a:lstStyle/>
+          <a:p>
+            <a:r>
+              <a:rPr lang="de-DE" sz="2400" dirty="0"/>
+              <a:t>Simulation von Krankheitsverläufen</a:t>
+            </a:r>
+          </a:p>
+          <a:p>
+            <a:r>
+              <a:rPr lang="de-DE" sz="2400" dirty="0"/>
+              <a:t>Unterstützung bei Therapieentscheidungen</a:t>
+            </a:r>
+          </a:p>
+          <a:p>
+            <a:r>
+              <a:rPr lang="de-DE" sz="2400" dirty="0"/>
+              <a:t>Analyse von Versorgungsprozessen</a:t>
+            </a:r>
+          </a:p>
+          <a:p>
+            <a:r>
+              <a:rPr lang="de-DE" sz="2400" dirty="0"/>
+              <a:t>Entwicklung medizinischer Softwarelösungen</a:t>
+            </a:r>
+          </a:p>
+          <a:p>
+            <a:r>
+              <a:rPr lang="de-DE" sz="2400" dirty="0"/>
+              <a:t>Verbesserung der Patientensicherheit</a:t>
             </a:r>
           </a:p>
         </p:txBody>
@@ -4006,7 +5468,7 @@
     </p:spTree>
     <p:extLst>
       <p:ext uri="{BB962C8B-B14F-4D97-AF65-F5344CB8AC3E}">
-        <p14:creationId xmlns:p14="http://schemas.microsoft.com/office/powerpoint/2010/main" val="949772098"/>
+        <p14:creationId xmlns:p14="http://schemas.microsoft.com/office/powerpoint/2010/main" val="3365551511"/>
       </p:ext>
     </p:extLst>
   </p:cSld>
@@ -4038,7 +5500,7 @@
           <p:cNvPr id="2" name="Titel 1">
             <a:extLst>
               <a:ext uri="{FF2B5EF4-FFF2-40B4-BE49-F238E27FC236}">
-                <a16:creationId xmlns:a16="http://schemas.microsoft.com/office/drawing/2014/main" id="{EBCC7C61-0FF6-435E-03B3-006044BC66FD}"/>
+                <a16:creationId xmlns:a16="http://schemas.microsoft.com/office/drawing/2014/main" id="{E23C6DDA-DECD-843F-7AA9-8FD8030612EB}"/>
               </a:ext>
             </a:extLst>
           </p:cNvPr>
@@ -4055,62 +5517,307 @@
           <a:lstStyle/>
           <a:p>
             <a:r>
-              <a:rPr lang="de-DE" dirty="0"/>
-              <a:t>4. Vorteile</a:t>
-            </a:r>
-          </a:p>
-        </p:txBody>
-      </p:sp>
-      <p:sp>
-        <p:nvSpPr>
-          <p:cNvPr id="3" name="Inhaltsplatzhalter 2">
-            <a:extLst>
-              <a:ext uri="{FF2B5EF4-FFF2-40B4-BE49-F238E27FC236}">
-                <a16:creationId xmlns:a16="http://schemas.microsoft.com/office/drawing/2014/main" id="{6D8089A7-A452-BDC4-98DF-BB5C702BD459}"/>
-              </a:ext>
-            </a:extLst>
-          </p:cNvPr>
-          <p:cNvSpPr>
-            <a:spLocks noGrp="1"/>
-          </p:cNvSpPr>
+              <a:rPr lang="de-DE" sz="2000" b="1" dirty="0"/>
+              <a:t>Modellierung</a:t>
+            </a:r>
+            <a:br>
+              <a:rPr lang="de-DE" b="1" dirty="0"/>
+            </a:br>
+            <a:r>
+              <a:rPr lang="de-DE" b="1" dirty="0"/>
+              <a:t>3. Modellierungsarten</a:t>
+            </a:r>
+          </a:p>
+        </p:txBody>
+      </p:sp>
+      <p:graphicFrame>
+        <p:nvGraphicFramePr>
+          <p:cNvPr id="5" name="Inhaltsplatzhalter 4">
+            <a:extLst>
+              <a:ext uri="{FF2B5EF4-FFF2-40B4-BE49-F238E27FC236}">
+                <a16:creationId xmlns:a16="http://schemas.microsoft.com/office/drawing/2014/main" id="{125BE28E-C3BB-39E9-A2D2-EE63A0B03A16}"/>
+              </a:ext>
+            </a:extLst>
+          </p:cNvPr>
+          <p:cNvGraphicFramePr>
+            <a:graphicFrameLocks noGrp="1"/>
+          </p:cNvGraphicFramePr>
           <p:nvPr>
             <p:ph idx="1"/>
-          </p:nvPr>
-        </p:nvSpPr>
-        <p:spPr/>
-        <p:txBody>
-          <a:bodyPr/>
-          <a:lstStyle/>
-          <a:p>
-            <a:r>
-              <a:rPr lang="de-DE" dirty="0"/>
-              <a:t>Risikoarmes Testen von Szenarien</a:t>
-            </a:r>
-          </a:p>
-          <a:p>
-            <a:r>
-              <a:rPr lang="de-DE" dirty="0"/>
-              <a:t>Individuelle Patientenmodelle (Präzisionsmedizin)</a:t>
-            </a:r>
-          </a:p>
-          <a:p>
-            <a:r>
-              <a:rPr lang="de-DE" dirty="0"/>
-              <a:t>Kosten- und Zeiteffizienz</a:t>
-            </a:r>
-          </a:p>
-          <a:p>
-            <a:r>
-              <a:rPr lang="de-DE" dirty="0"/>
-              <a:t>Verbesserte Ausbildungsmöglichkeiten</a:t>
-            </a:r>
-          </a:p>
-        </p:txBody>
-      </p:sp>
+            <p:extLst>
+              <p:ext uri="{D42A27DB-BD31-4B8C-83A1-F6EECF244321}">
+                <p14:modId xmlns:p14="http://schemas.microsoft.com/office/powerpoint/2010/main" val="216998429"/>
+              </p:ext>
+            </p:extLst>
+          </p:nvPr>
+        </p:nvGraphicFramePr>
+        <p:xfrm>
+          <a:off x="838200" y="1825625"/>
+          <a:ext cx="10515600" cy="2865120"/>
+        </p:xfrm>
+        <a:graphic>
+          <a:graphicData uri="http://schemas.openxmlformats.org/drawingml/2006/table">
+            <a:tbl>
+              <a:tblPr firstRow="1" bandRow="1">
+                <a:tableStyleId>{5C22544A-7EE6-4342-B048-85BDC9FD1C3A}</a:tableStyleId>
+              </a:tblPr>
+              <a:tblGrid>
+                <a:gridCol w="5257800">
+                  <a:extLst>
+                    <a:ext uri="{9D8B030D-6E8A-4147-A177-3AD203B41FA5}">
+                      <a16:colId xmlns:a16="http://schemas.microsoft.com/office/drawing/2014/main" val="770568668"/>
+                    </a:ext>
+                  </a:extLst>
+                </a:gridCol>
+                <a:gridCol w="5257800">
+                  <a:extLst>
+                    <a:ext uri="{9D8B030D-6E8A-4147-A177-3AD203B41FA5}">
+                      <a16:colId xmlns:a16="http://schemas.microsoft.com/office/drawing/2014/main" val="430383261"/>
+                    </a:ext>
+                  </a:extLst>
+                </a:gridCol>
+              </a:tblGrid>
+              <a:tr h="370840">
+                <a:tc>
+                  <a:txBody>
+                    <a:bodyPr/>
+                    <a:lstStyle/>
+                    <a:p>
+                      <a:r>
+                        <a:rPr lang="de-DE" b="1" dirty="0"/>
+                        <a:t>Modelltyp</a:t>
+                      </a:r>
+                      <a:endParaRPr lang="de-DE" dirty="0"/>
+                    </a:p>
+                  </a:txBody>
+                  <a:tcPr anchor="ctr"/>
+                </a:tc>
+                <a:tc>
+                  <a:txBody>
+                    <a:bodyPr/>
+                    <a:lstStyle/>
+                    <a:p>
+                      <a:r>
+                        <a:rPr lang="de-DE" b="1" dirty="0"/>
+                        <a:t>Modelltyp</a:t>
+                      </a:r>
+                      <a:endParaRPr lang="de-DE" dirty="0"/>
+                    </a:p>
+                  </a:txBody>
+                  <a:tcPr anchor="ctr"/>
+                </a:tc>
+                <a:extLst>
+                  <a:ext uri="{0D108BD9-81ED-4DB2-BD59-A6C34878D82A}">
+                    <a16:rowId xmlns:a16="http://schemas.microsoft.com/office/drawing/2014/main" val="534199820"/>
+                  </a:ext>
+                </a:extLst>
+              </a:tr>
+              <a:tr h="370840">
+                <a:tc>
+                  <a:txBody>
+                    <a:bodyPr/>
+                    <a:lstStyle/>
+                    <a:p>
+                      <a:r>
+                        <a:rPr lang="de-DE" dirty="0"/>
+                        <a:t>Mathematische Modelle</a:t>
+                      </a:r>
+                    </a:p>
+                  </a:txBody>
+                  <a:tcPr anchor="ctr"/>
+                </a:tc>
+                <a:tc>
+                  <a:txBody>
+                    <a:bodyPr/>
+                    <a:lstStyle/>
+                    <a:p>
+                      <a:r>
+                        <a:rPr lang="de-DE" dirty="0"/>
+                        <a:t>Glukose-Insulin-Regelkreise bei Diabetes</a:t>
+                      </a:r>
+                    </a:p>
+                  </a:txBody>
+                  <a:tcPr/>
+                </a:tc>
+                <a:extLst>
+                  <a:ext uri="{0D108BD9-81ED-4DB2-BD59-A6C34878D82A}">
+                    <a16:rowId xmlns:a16="http://schemas.microsoft.com/office/drawing/2014/main" val="593614396"/>
+                  </a:ext>
+                </a:extLst>
+              </a:tr>
+              <a:tr h="370840">
+                <a:tc>
+                  <a:txBody>
+                    <a:bodyPr/>
+                    <a:lstStyle/>
+                    <a:p>
+                      <a:r>
+                        <a:rPr lang="de-DE" dirty="0"/>
+                        <a:t>Stochastische Modelle</a:t>
+                      </a:r>
+                    </a:p>
+                  </a:txBody>
+                  <a:tcPr/>
+                </a:tc>
+                <a:tc>
+                  <a:txBody>
+                    <a:bodyPr/>
+                    <a:lstStyle/>
+                    <a:p>
+                      <a:r>
+                        <a:rPr lang="de-DE" dirty="0"/>
+                        <a:t>Wahrscheinlichkeit des Wiederauftretens von Krebs</a:t>
+                      </a:r>
+                    </a:p>
+                  </a:txBody>
+                  <a:tcPr/>
+                </a:tc>
+                <a:extLst>
+                  <a:ext uri="{0D108BD9-81ED-4DB2-BD59-A6C34878D82A}">
+                    <a16:rowId xmlns:a16="http://schemas.microsoft.com/office/drawing/2014/main" val="3787963988"/>
+                  </a:ext>
+                </a:extLst>
+              </a:tr>
+              <a:tr h="370840">
+                <a:tc>
+                  <a:txBody>
+                    <a:bodyPr/>
+                    <a:lstStyle/>
+                    <a:p>
+                      <a:r>
+                        <a:rPr lang="de-DE" dirty="0"/>
+                        <a:t>Agentenbasierte Modelle</a:t>
+                      </a:r>
+                    </a:p>
+                  </a:txBody>
+                  <a:tcPr/>
+                </a:tc>
+                <a:tc>
+                  <a:txBody>
+                    <a:bodyPr/>
+                    <a:lstStyle/>
+                    <a:p>
+                      <a:r>
+                        <a:rPr lang="de-DE" dirty="0"/>
+                        <a:t>Verhalten einzelner Patienten in einem Krankenhausmodell</a:t>
+                      </a:r>
+                    </a:p>
+                  </a:txBody>
+                  <a:tcPr/>
+                </a:tc>
+                <a:extLst>
+                  <a:ext uri="{0D108BD9-81ED-4DB2-BD59-A6C34878D82A}">
+                    <a16:rowId xmlns:a16="http://schemas.microsoft.com/office/drawing/2014/main" val="806396540"/>
+                  </a:ext>
+                </a:extLst>
+              </a:tr>
+              <a:tr h="370840">
+                <a:tc>
+                  <a:txBody>
+                    <a:bodyPr/>
+                    <a:lstStyle/>
+                    <a:p>
+                      <a:r>
+                        <a:rPr lang="de-DE" dirty="0"/>
+                        <a:t>Strukturmodelle</a:t>
+                      </a:r>
+                    </a:p>
+                  </a:txBody>
+                  <a:tcPr/>
+                </a:tc>
+                <a:tc>
+                  <a:txBody>
+                    <a:bodyPr/>
+                    <a:lstStyle/>
+                    <a:p>
+                      <a:r>
+                        <a:rPr lang="de-DE" dirty="0"/>
+                        <a:t>Ontologien wie SNOMED CT oder HL7 RIM</a:t>
+                      </a:r>
+                    </a:p>
+                  </a:txBody>
+                  <a:tcPr/>
+                </a:tc>
+                <a:extLst>
+                  <a:ext uri="{0D108BD9-81ED-4DB2-BD59-A6C34878D82A}">
+                    <a16:rowId xmlns:a16="http://schemas.microsoft.com/office/drawing/2014/main" val="2936452805"/>
+                  </a:ext>
+                </a:extLst>
+              </a:tr>
+              <a:tr h="370840">
+                <a:tc>
+                  <a:txBody>
+                    <a:bodyPr/>
+                    <a:lstStyle/>
+                    <a:p>
+                      <a:r>
+                        <a:rPr lang="de-DE" dirty="0"/>
+                        <a:t>Datengetriebene Modelle (ML)</a:t>
+                      </a:r>
+                    </a:p>
+                  </a:txBody>
+                  <a:tcPr/>
+                </a:tc>
+                <a:tc>
+                  <a:txBody>
+                    <a:bodyPr/>
+                    <a:lstStyle/>
+                    <a:p>
+                      <a:r>
+                        <a:rPr lang="de-DE" dirty="0"/>
+                        <a:t>Diagnoseunterstützung durch neuronale Netze</a:t>
+                      </a:r>
+                    </a:p>
+                  </a:txBody>
+                  <a:tcPr/>
+                </a:tc>
+                <a:extLst>
+                  <a:ext uri="{0D108BD9-81ED-4DB2-BD59-A6C34878D82A}">
+                    <a16:rowId xmlns:a16="http://schemas.microsoft.com/office/drawing/2014/main" val="3413317151"/>
+                  </a:ext>
+                </a:extLst>
+              </a:tr>
+              <a:tr h="370840">
+                <a:tc>
+                  <a:txBody>
+                    <a:bodyPr/>
+                    <a:lstStyle/>
+                    <a:p>
+                      <a:r>
+                        <a:rPr lang="de-DE" dirty="0"/>
+                        <a:t>Entscheidungsmodelle</a:t>
+                      </a:r>
+                    </a:p>
+                  </a:txBody>
+                  <a:tcPr/>
+                </a:tc>
+                <a:tc>
+                  <a:txBody>
+                    <a:bodyPr/>
+                    <a:lstStyle/>
+                    <a:p>
+                      <a:r>
+                        <a:rPr lang="de-DE" dirty="0"/>
+                        <a:t>Entscheidungsbäume für Therapiepfade</a:t>
+                      </a:r>
+                    </a:p>
+                  </a:txBody>
+                  <a:tcPr/>
+                </a:tc>
+                <a:extLst>
+                  <a:ext uri="{0D108BD9-81ED-4DB2-BD59-A6C34878D82A}">
+                    <a16:rowId xmlns:a16="http://schemas.microsoft.com/office/drawing/2014/main" val="210873722"/>
+                  </a:ext>
+                </a:extLst>
+              </a:tr>
+            </a:tbl>
+          </a:graphicData>
+        </a:graphic>
+      </p:graphicFrame>
     </p:spTree>
     <p:extLst>
       <p:ext uri="{BB962C8B-B14F-4D97-AF65-F5344CB8AC3E}">
-        <p14:creationId xmlns:p14="http://schemas.microsoft.com/office/powerpoint/2010/main" val="2205259384"/>
+        <p14:creationId xmlns:p14="http://schemas.microsoft.com/office/powerpoint/2010/main" val="949772098"/>
       </p:ext>
     </p:extLst>
   </p:cSld>
@@ -4142,7 +5849,7 @@
           <p:cNvPr id="2" name="Titel 1">
             <a:extLst>
               <a:ext uri="{FF2B5EF4-FFF2-40B4-BE49-F238E27FC236}">
-                <a16:creationId xmlns:a16="http://schemas.microsoft.com/office/drawing/2014/main" id="{C97BB125-3D35-8BF0-60B3-E1526F0678AE}"/>
+                <a16:creationId xmlns:a16="http://schemas.microsoft.com/office/drawing/2014/main" id="{EBCC7C61-0FF6-435E-03B3-006044BC66FD}"/>
               </a:ext>
             </a:extLst>
           </p:cNvPr>
@@ -4159,8 +5866,15 @@
           <a:lstStyle/>
           <a:p>
             <a:r>
-              <a:rPr lang="de-DE" dirty="0"/>
-              <a:t>5. Herausforderungen</a:t>
+              <a:rPr lang="de-DE" sz="2000" b="1" dirty="0"/>
+              <a:t>Modellierung</a:t>
+            </a:r>
+            <a:br>
+              <a:rPr lang="de-DE" b="1" dirty="0"/>
+            </a:br>
+            <a:r>
+              <a:rPr lang="de-DE" b="1" dirty="0"/>
+              <a:t>4. Anwendungen</a:t>
             </a:r>
           </a:p>
         </p:txBody>
@@ -4170,7 +5884,7 @@
           <p:cNvPr id="3" name="Inhaltsplatzhalter 2">
             <a:extLst>
               <a:ext uri="{FF2B5EF4-FFF2-40B4-BE49-F238E27FC236}">
-                <a16:creationId xmlns:a16="http://schemas.microsoft.com/office/drawing/2014/main" id="{28B72842-B0AA-55BC-FCEE-48895BB4A19B}"/>
+                <a16:creationId xmlns:a16="http://schemas.microsoft.com/office/drawing/2014/main" id="{6D8089A7-A452-BDC4-98DF-BB5C702BD459}"/>
               </a:ext>
             </a:extLst>
           </p:cNvPr>
@@ -4183,40 +5897,38 @@
         </p:nvSpPr>
         <p:spPr/>
         <p:txBody>
-          <a:bodyPr/>
-          <a:lstStyle/>
-          <a:p>
-            <a:r>
-              <a:rPr lang="de-DE" dirty="0"/>
-              <a:t>Modellvalidierung und –</a:t>
-            </a:r>
-            <a:r>
-              <a:rPr lang="de-DE" dirty="0" err="1"/>
-              <a:t>verifikation</a:t>
-            </a:r>
-            <a:endParaRPr lang="de-DE" dirty="0"/>
-          </a:p>
-          <a:p>
-            <a:r>
-              <a:rPr lang="de-DE" dirty="0"/>
-              <a:t>Datenverfügbarkeit und –</a:t>
-            </a:r>
-            <a:r>
-              <a:rPr lang="de-DE" dirty="0" err="1"/>
-              <a:t>qualität</a:t>
-            </a:r>
-            <a:endParaRPr lang="de-DE" dirty="0"/>
-          </a:p>
-          <a:p>
-            <a:r>
-              <a:rPr lang="de-DE" dirty="0"/>
-              <a:t>Rechenaufwand und Komplexität</a:t>
-            </a:r>
-          </a:p>
-          <a:p>
-            <a:r>
-              <a:rPr lang="de-DE" dirty="0"/>
-              <a:t>Ethische und rechtliche Aspekte (z. B. bei patientenspezifischen Prognosen)</a:t>
+          <a:bodyPr>
+            <a:normAutofit/>
+          </a:bodyPr>
+          <a:lstStyle/>
+          <a:p>
+            <a:r>
+              <a:rPr lang="de-DE" sz="2400" dirty="0"/>
+              <a:t>Klinische Entscheidungsunterstützungssysteme (CDSS)</a:t>
+            </a:r>
+          </a:p>
+          <a:p>
+            <a:r>
+              <a:rPr lang="de-DE" sz="2400" dirty="0"/>
+              <a:t>Krankheitsmodellierung (z. B. Diabetes, Krebs, COVID-19)</a:t>
+            </a:r>
+          </a:p>
+          <a:p>
+            <a:r>
+              <a:rPr lang="de-DE" sz="2400" dirty="0"/>
+              <a:t>Operations- und Therapieplanung</a:t>
+            </a:r>
+          </a:p>
+          <a:p>
+            <a:r>
+              <a:rPr lang="de-DE" sz="2400" dirty="0"/>
+              <a:t>Prozessmodellierung in Krankenhäusern</a:t>
+            </a:r>
+          </a:p>
+          <a:p>
+            <a:r>
+              <a:rPr lang="de-DE" sz="2400" dirty="0"/>
+              <a:t>Personalisierte Medizin (Modelle mit Patientendaten)</a:t>
             </a:r>
           </a:p>
         </p:txBody>
@@ -4224,7 +5936,7 @@
     </p:spTree>
     <p:extLst>
       <p:ext uri="{BB962C8B-B14F-4D97-AF65-F5344CB8AC3E}">
-        <p14:creationId xmlns:p14="http://schemas.microsoft.com/office/powerpoint/2010/main" val="653735702"/>
+        <p14:creationId xmlns:p14="http://schemas.microsoft.com/office/powerpoint/2010/main" val="2205259384"/>
       </p:ext>
     </p:extLst>
   </p:cSld>
@@ -4256,7 +5968,7 @@
           <p:cNvPr id="2" name="Titel 1">
             <a:extLst>
               <a:ext uri="{FF2B5EF4-FFF2-40B4-BE49-F238E27FC236}">
-                <a16:creationId xmlns:a16="http://schemas.microsoft.com/office/drawing/2014/main" id="{101E245B-CAFE-3075-B233-9E756CCCD784}"/>
+                <a16:creationId xmlns:a16="http://schemas.microsoft.com/office/drawing/2014/main" id="{C97BB125-3D35-8BF0-60B3-E1526F0678AE}"/>
               </a:ext>
             </a:extLst>
           </p:cNvPr>
@@ -4273,8 +5985,15 @@
           <a:lstStyle/>
           <a:p>
             <a:r>
-              <a:rPr lang="de-DE" dirty="0"/>
-              <a:t>6. Zukunftsperspektiven</a:t>
+              <a:rPr lang="de-DE" sz="2000" b="1" dirty="0"/>
+              <a:t>Modellierung</a:t>
+            </a:r>
+            <a:br>
+              <a:rPr lang="de-DE" b="1" dirty="0"/>
+            </a:br>
+            <a:r>
+              <a:rPr lang="de-DE" b="1" dirty="0"/>
+              <a:t>5. Voraussetzungen</a:t>
             </a:r>
           </a:p>
         </p:txBody>
@@ -4284,7 +6003,7 @@
           <p:cNvPr id="3" name="Inhaltsplatzhalter 2">
             <a:extLst>
               <a:ext uri="{FF2B5EF4-FFF2-40B4-BE49-F238E27FC236}">
-                <a16:creationId xmlns:a16="http://schemas.microsoft.com/office/drawing/2014/main" id="{A800F038-17C7-5E14-8E24-89503EBE6532}"/>
+                <a16:creationId xmlns:a16="http://schemas.microsoft.com/office/drawing/2014/main" id="{28B72842-B0AA-55BC-FCEE-48895BB4A19B}"/>
               </a:ext>
             </a:extLst>
           </p:cNvPr>
@@ -4297,42 +6016,26 @@
         </p:nvSpPr>
         <p:spPr/>
         <p:txBody>
-          <a:bodyPr/>
-          <a:lstStyle/>
-          <a:p>
-            <a:r>
-              <a:rPr lang="de-DE" dirty="0"/>
-              <a:t>Integration mit </a:t>
-            </a:r>
-            <a:r>
-              <a:rPr lang="de-DE" b="1" dirty="0"/>
-              <a:t>digitalen Zwillingen</a:t>
-            </a:r>
-          </a:p>
-          <a:p>
-            <a:r>
-              <a:rPr lang="de-DE" dirty="0"/>
-              <a:t>Kombination mit </a:t>
-            </a:r>
-            <a:r>
-              <a:rPr lang="de-DE" b="1" dirty="0"/>
-              <a:t>Wearables und Echtzeitdaten</a:t>
-            </a:r>
-          </a:p>
-          <a:p>
-            <a:r>
-              <a:rPr lang="de-DE" b="1" dirty="0"/>
-              <a:t>Interdisziplinäre Forschung</a:t>
-            </a:r>
-            <a:r>
-              <a:rPr lang="de-DE" dirty="0"/>
-              <a:t> (Medizin, Informatik, Mathematik, Ingenieurwesen)</a:t>
-            </a:r>
-          </a:p>
-          <a:p>
-            <a:r>
-              <a:rPr lang="de-DE" dirty="0"/>
-              <a:t>KI-basierte adaptierende Modelle</a:t>
+          <a:bodyPr>
+            <a:normAutofit/>
+          </a:bodyPr>
+          <a:lstStyle/>
+          <a:p>
+            <a:r>
+              <a:rPr lang="de-DE" sz="2400" dirty="0"/>
+              <a:t>Verfügbarkeit hochwertiger, strukturierter medizinischer Daten</a:t>
+            </a:r>
+          </a:p>
+          <a:p>
+            <a:r>
+              <a:rPr lang="de-DE" sz="2400" dirty="0"/>
+              <a:t>Interdisziplinäre Zusammenarbeit (Medizin, Informatik, Mathematik)</a:t>
+            </a:r>
+          </a:p>
+          <a:p>
+            <a:r>
+              <a:rPr lang="de-DE" sz="2400" dirty="0"/>
+              <a:t>Validierung der Modelle anhand klinischer Studien oder Vergleichsdaten</a:t>
             </a:r>
           </a:p>
         </p:txBody>
@@ -4340,7 +6043,7 @@
     </p:spTree>
     <p:extLst>
       <p:ext uri="{BB962C8B-B14F-4D97-AF65-F5344CB8AC3E}">
-        <p14:creationId xmlns:p14="http://schemas.microsoft.com/office/powerpoint/2010/main" val="1191517970"/>
+        <p14:creationId xmlns:p14="http://schemas.microsoft.com/office/powerpoint/2010/main" val="653735702"/>
       </p:ext>
     </p:extLst>
   </p:cSld>
@@ -4372,7 +6075,7 @@
           <p:cNvPr id="2" name="Titel 1">
             <a:extLst>
               <a:ext uri="{FF2B5EF4-FFF2-40B4-BE49-F238E27FC236}">
-                <a16:creationId xmlns:a16="http://schemas.microsoft.com/office/drawing/2014/main" id="{6CC08FF9-252B-48DF-FAEF-9205D0350A36}"/>
+                <a16:creationId xmlns:a16="http://schemas.microsoft.com/office/drawing/2014/main" id="{101E245B-CAFE-3075-B233-9E756CCCD784}"/>
               </a:ext>
             </a:extLst>
           </p:cNvPr>
@@ -4389,8 +6092,15 @@
           <a:lstStyle/>
           <a:p>
             <a:r>
-              <a:rPr lang="de-DE" dirty="0"/>
-              <a:t>7. Fazit</a:t>
+              <a:rPr lang="de-DE" sz="2000" b="1" dirty="0"/>
+              <a:t>Modellierung</a:t>
+            </a:r>
+            <a:br>
+              <a:rPr lang="de-DE" b="1" dirty="0"/>
+            </a:br>
+            <a:r>
+              <a:rPr lang="de-DE" b="1" dirty="0"/>
+              <a:t>6. Herausforderungen</a:t>
             </a:r>
           </a:p>
         </p:txBody>
@@ -4400,7 +6110,7 @@
           <p:cNvPr id="3" name="Inhaltsplatzhalter 2">
             <a:extLst>
               <a:ext uri="{FF2B5EF4-FFF2-40B4-BE49-F238E27FC236}">
-                <a16:creationId xmlns:a16="http://schemas.microsoft.com/office/drawing/2014/main" id="{24205176-5B6D-011F-12F1-AF2B762A5249}"/>
+                <a16:creationId xmlns:a16="http://schemas.microsoft.com/office/drawing/2014/main" id="{A800F038-17C7-5E14-8E24-89503EBE6532}"/>
               </a:ext>
             </a:extLst>
           </p:cNvPr>
@@ -4413,15 +6123,32 @@
         </p:nvSpPr>
         <p:spPr/>
         <p:txBody>
-          <a:bodyPr/>
-          <a:lstStyle/>
-          <a:p>
-            <a:pPr marL="0" indent="0">
-              <a:buNone/>
-            </a:pPr>
-            <a:r>
-              <a:rPr lang="de-DE" dirty="0"/>
-              <a:t>Simulation und Modellierung sind zentrale Werkzeuge der modernen Medizininformatik, die sowohl in der Forschung, Klinik als auch in der Lehre entscheidende Beiträge leisten. Sie ermöglichen eine präzisere, effizientere und individualisierte Medizin.</a:t>
+          <a:bodyPr>
+            <a:normAutofit/>
+          </a:bodyPr>
+          <a:lstStyle/>
+          <a:p>
+            <a:r>
+              <a:rPr lang="de-DE" sz="2400" dirty="0"/>
+              <a:t>Hohe Komplexität biologischer Systeme</a:t>
+            </a:r>
+          </a:p>
+          <a:p>
+            <a:r>
+              <a:rPr lang="de-DE" sz="2400" dirty="0"/>
+              <a:t>Unsicherheit und Variabilität medizinischer Daten</a:t>
+            </a:r>
+          </a:p>
+          <a:p>
+            <a:r>
+              <a:rPr lang="de-DE" sz="2400" dirty="0"/>
+              <a:t>Interpretierbarkeit und Transparenz von Modellen (insbesondere bei KI)</a:t>
+            </a:r>
+          </a:p>
+          <a:p>
+            <a:r>
+              <a:rPr lang="de-DE" sz="2400" dirty="0"/>
+              <a:t>Datenschutz und ethische Fragen</a:t>
             </a:r>
           </a:p>
         </p:txBody>
@@ -4429,7 +6156,7 @@
     </p:spTree>
     <p:extLst>
       <p:ext uri="{BB962C8B-B14F-4D97-AF65-F5344CB8AC3E}">
-        <p14:creationId xmlns:p14="http://schemas.microsoft.com/office/powerpoint/2010/main" val="2636363178"/>
+        <p14:creationId xmlns:p14="http://schemas.microsoft.com/office/powerpoint/2010/main" val="1191517970"/>
       </p:ext>
     </p:extLst>
   </p:cSld>

--- a/Simulation und Modellierung in der Medizininformatik.pptx
+++ b/Simulation und Modellierung in der Medizininformatik.pptx
@@ -2,7 +2,7 @@
 <file path=ppt/presentation.xml><?xml version="1.0" encoding="utf-8"?>
 <p:presentation xmlns:a="http://schemas.openxmlformats.org/drawingml/2006/main" xmlns:r="http://schemas.openxmlformats.org/officeDocument/2006/relationships" xmlns:p="http://schemas.openxmlformats.org/presentationml/2006/main" saveSubsetFonts="1">
   <p:sldMasterIdLst>
-    <p:sldMasterId id="2147483648" r:id="rId1"/>
+    <p:sldMasterId id="2147483660" r:id="rId1"/>
   </p:sldMasterIdLst>
   <p:sldIdLst>
     <p:sldId id="256" r:id="rId2"/>
@@ -131,7 +131,7 @@
 </file>
 
 <file path=ppt/slideLayouts/slideLayout1.xml><?xml version="1.0" encoding="utf-8"?>
-<p:sldLayout xmlns:a="http://schemas.openxmlformats.org/drawingml/2006/main" xmlns:r="http://schemas.openxmlformats.org/officeDocument/2006/relationships" xmlns:p="http://schemas.openxmlformats.org/presentationml/2006/main" type="title" preserve="1">
+<p:sldLayout xmlns:a="http://schemas.openxmlformats.org/drawingml/2006/main" xmlns:r="http://schemas.openxmlformats.org/officeDocument/2006/relationships" xmlns:p="http://schemas.openxmlformats.org/presentationml/2006/main" showMasterSp="0" type="title" preserve="1">
   <p:cSld name="Titelfolie">
     <p:spTree>
       <p:nvGrpSpPr>
@@ -147,15 +147,539 @@
           <a:chExt cx="0" cy="0"/>
         </a:xfrm>
       </p:grpSpPr>
-      <p:sp>
-        <p:nvSpPr>
-          <p:cNvPr id="2" name="Titel 1">
-            <a:extLst>
-              <a:ext uri="{FF2B5EF4-FFF2-40B4-BE49-F238E27FC236}">
-                <a16:creationId xmlns:a16="http://schemas.microsoft.com/office/drawing/2014/main" id="{2CF93A88-B23E-84E2-A731-7C527FAE3620}"/>
-              </a:ext>
-            </a:extLst>
-          </p:cNvPr>
+      <p:grpSp>
+        <p:nvGrpSpPr>
+          <p:cNvPr id="7" name="Group 6"/>
+          <p:cNvGrpSpPr/>
+          <p:nvPr/>
+        </p:nvGrpSpPr>
+        <p:grpSpPr>
+          <a:xfrm>
+            <a:off x="0" y="-8467"/>
+            <a:ext cx="12192000" cy="6866467"/>
+            <a:chOff x="0" y="-8467"/>
+            <a:chExt cx="12192000" cy="6866467"/>
+          </a:xfrm>
+        </p:grpSpPr>
+        <p:cxnSp>
+          <p:nvCxnSpPr>
+            <p:cNvPr id="32" name="Straight Connector 31"/>
+            <p:cNvCxnSpPr/>
+            <p:nvPr/>
+          </p:nvCxnSpPr>
+          <p:spPr>
+            <a:xfrm>
+              <a:off x="9371012" y="0"/>
+              <a:ext cx="1219200" cy="6858000"/>
+            </a:xfrm>
+            <a:prstGeom prst="line">
+              <a:avLst/>
+            </a:prstGeom>
+            <a:ln w="9525">
+              <a:solidFill>
+                <a:schemeClr val="bg1">
+                  <a:lumMod val="75000"/>
+                </a:schemeClr>
+              </a:solidFill>
+            </a:ln>
+          </p:spPr>
+          <p:style>
+            <a:lnRef idx="2">
+              <a:schemeClr val="accent1"/>
+            </a:lnRef>
+            <a:fillRef idx="0">
+              <a:schemeClr val="accent1"/>
+            </a:fillRef>
+            <a:effectRef idx="1">
+              <a:schemeClr val="accent1"/>
+            </a:effectRef>
+            <a:fontRef idx="minor">
+              <a:schemeClr val="tx1"/>
+            </a:fontRef>
+          </p:style>
+        </p:cxnSp>
+        <p:cxnSp>
+          <p:nvCxnSpPr>
+            <p:cNvPr id="21" name="Straight Connector 20"/>
+            <p:cNvCxnSpPr/>
+            <p:nvPr/>
+          </p:nvCxnSpPr>
+          <p:spPr>
+            <a:xfrm flipH="1">
+              <a:off x="7425267" y="3681413"/>
+              <a:ext cx="4763558" cy="3176587"/>
+            </a:xfrm>
+            <a:prstGeom prst="line">
+              <a:avLst/>
+            </a:prstGeom>
+            <a:ln w="9525">
+              <a:solidFill>
+                <a:schemeClr val="bg1">
+                  <a:lumMod val="85000"/>
+                </a:schemeClr>
+              </a:solidFill>
+            </a:ln>
+          </p:spPr>
+          <p:style>
+            <a:lnRef idx="2">
+              <a:schemeClr val="accent1"/>
+            </a:lnRef>
+            <a:fillRef idx="0">
+              <a:schemeClr val="accent1"/>
+            </a:fillRef>
+            <a:effectRef idx="1">
+              <a:schemeClr val="accent1"/>
+            </a:effectRef>
+            <a:fontRef idx="minor">
+              <a:schemeClr val="tx1"/>
+            </a:fontRef>
+          </p:style>
+        </p:cxnSp>
+        <p:sp>
+          <p:nvSpPr>
+            <p:cNvPr id="24" name="Rectangle 23"/>
+            <p:cNvSpPr/>
+            <p:nvPr/>
+          </p:nvSpPr>
+          <p:spPr>
+            <a:xfrm>
+              <a:off x="9181476" y="-8467"/>
+              <a:ext cx="3007349" cy="6866467"/>
+            </a:xfrm>
+            <a:custGeom>
+              <a:avLst/>
+              <a:gdLst/>
+              <a:ahLst/>
+              <a:cxnLst/>
+              <a:rect l="l" t="t" r="r" b="b"/>
+              <a:pathLst>
+                <a:path w="3007349" h="6866467">
+                  <a:moveTo>
+                    <a:pt x="2045532" y="0"/>
+                  </a:moveTo>
+                  <a:lnTo>
+                    <a:pt x="3007349" y="0"/>
+                  </a:lnTo>
+                  <a:lnTo>
+                    <a:pt x="3007349" y="6866467"/>
+                  </a:lnTo>
+                  <a:lnTo>
+                    <a:pt x="0" y="6866467"/>
+                  </a:lnTo>
+                  <a:lnTo>
+                    <a:pt x="2045532" y="0"/>
+                  </a:lnTo>
+                  <a:close/>
+                </a:path>
+              </a:pathLst>
+            </a:custGeom>
+            <a:solidFill>
+              <a:schemeClr val="accent1">
+                <a:alpha val="30000"/>
+              </a:schemeClr>
+            </a:solidFill>
+            <a:ln>
+              <a:noFill/>
+            </a:ln>
+            <a:effectLst/>
+          </p:spPr>
+          <p:style>
+            <a:lnRef idx="1">
+              <a:schemeClr val="accent1"/>
+            </a:lnRef>
+            <a:fillRef idx="3">
+              <a:schemeClr val="accent1"/>
+            </a:fillRef>
+            <a:effectRef idx="2">
+              <a:schemeClr val="accent1"/>
+            </a:effectRef>
+            <a:fontRef idx="minor">
+              <a:schemeClr val="lt1"/>
+            </a:fontRef>
+          </p:style>
+        </p:sp>
+        <p:sp>
+          <p:nvSpPr>
+            <p:cNvPr id="26" name="Rectangle 25"/>
+            <p:cNvSpPr/>
+            <p:nvPr/>
+          </p:nvSpPr>
+          <p:spPr>
+            <a:xfrm>
+              <a:off x="9603442" y="-8467"/>
+              <a:ext cx="2588558" cy="6866467"/>
+            </a:xfrm>
+            <a:custGeom>
+              <a:avLst/>
+              <a:gdLst/>
+              <a:ahLst/>
+              <a:cxnLst/>
+              <a:rect l="l" t="t" r="r" b="b"/>
+              <a:pathLst>
+                <a:path w="2573311" h="6866467">
+                  <a:moveTo>
+                    <a:pt x="0" y="0"/>
+                  </a:moveTo>
+                  <a:lnTo>
+                    <a:pt x="2573311" y="0"/>
+                  </a:lnTo>
+                  <a:lnTo>
+                    <a:pt x="2573311" y="6866467"/>
+                  </a:lnTo>
+                  <a:lnTo>
+                    <a:pt x="1202336" y="6866467"/>
+                  </a:lnTo>
+                  <a:lnTo>
+                    <a:pt x="0" y="0"/>
+                  </a:lnTo>
+                  <a:close/>
+                </a:path>
+              </a:pathLst>
+            </a:custGeom>
+            <a:solidFill>
+              <a:schemeClr val="accent1">
+                <a:alpha val="20000"/>
+              </a:schemeClr>
+            </a:solidFill>
+            <a:ln>
+              <a:noFill/>
+            </a:ln>
+            <a:effectLst/>
+          </p:spPr>
+          <p:style>
+            <a:lnRef idx="1">
+              <a:schemeClr val="accent1"/>
+            </a:lnRef>
+            <a:fillRef idx="3">
+              <a:schemeClr val="accent1"/>
+            </a:fillRef>
+            <a:effectRef idx="2">
+              <a:schemeClr val="accent1"/>
+            </a:effectRef>
+            <a:fontRef idx="minor">
+              <a:schemeClr val="lt1"/>
+            </a:fontRef>
+          </p:style>
+        </p:sp>
+        <p:sp>
+          <p:nvSpPr>
+            <p:cNvPr id="27" name="Isosceles Triangle 26"/>
+            <p:cNvSpPr/>
+            <p:nvPr/>
+          </p:nvSpPr>
+          <p:spPr>
+            <a:xfrm>
+              <a:off x="8932333" y="3048000"/>
+              <a:ext cx="3259667" cy="3810000"/>
+            </a:xfrm>
+            <a:prstGeom prst="triangle">
+              <a:avLst>
+                <a:gd name="adj" fmla="val 100000"/>
+              </a:avLst>
+            </a:prstGeom>
+            <a:solidFill>
+              <a:schemeClr val="accent2">
+                <a:alpha val="72000"/>
+              </a:schemeClr>
+            </a:solidFill>
+            <a:ln>
+              <a:noFill/>
+            </a:ln>
+            <a:effectLst/>
+          </p:spPr>
+          <p:style>
+            <a:lnRef idx="1">
+              <a:schemeClr val="accent1"/>
+            </a:lnRef>
+            <a:fillRef idx="3">
+              <a:schemeClr val="accent1"/>
+            </a:fillRef>
+            <a:effectRef idx="2">
+              <a:schemeClr val="accent1"/>
+            </a:effectRef>
+            <a:fontRef idx="minor">
+              <a:schemeClr val="lt1"/>
+            </a:fontRef>
+          </p:style>
+        </p:sp>
+        <p:sp>
+          <p:nvSpPr>
+            <p:cNvPr id="28" name="Rectangle 27"/>
+            <p:cNvSpPr/>
+            <p:nvPr/>
+          </p:nvSpPr>
+          <p:spPr>
+            <a:xfrm>
+              <a:off x="9334500" y="-8467"/>
+              <a:ext cx="2854326" cy="6866467"/>
+            </a:xfrm>
+            <a:custGeom>
+              <a:avLst/>
+              <a:gdLst/>
+              <a:ahLst/>
+              <a:cxnLst/>
+              <a:rect l="l" t="t" r="r" b="b"/>
+              <a:pathLst>
+                <a:path w="2858013" h="6866467">
+                  <a:moveTo>
+                    <a:pt x="0" y="0"/>
+                  </a:moveTo>
+                  <a:lnTo>
+                    <a:pt x="2858013" y="0"/>
+                  </a:lnTo>
+                  <a:lnTo>
+                    <a:pt x="2858013" y="6866467"/>
+                  </a:lnTo>
+                  <a:lnTo>
+                    <a:pt x="2473942" y="6866467"/>
+                  </a:lnTo>
+                  <a:lnTo>
+                    <a:pt x="0" y="0"/>
+                  </a:lnTo>
+                  <a:close/>
+                </a:path>
+              </a:pathLst>
+            </a:custGeom>
+            <a:solidFill>
+              <a:schemeClr val="accent2">
+                <a:lumMod val="75000"/>
+                <a:alpha val="70000"/>
+              </a:schemeClr>
+            </a:solidFill>
+            <a:ln>
+              <a:noFill/>
+            </a:ln>
+            <a:effectLst/>
+          </p:spPr>
+          <p:style>
+            <a:lnRef idx="1">
+              <a:schemeClr val="accent1"/>
+            </a:lnRef>
+            <a:fillRef idx="3">
+              <a:schemeClr val="accent1"/>
+            </a:fillRef>
+            <a:effectRef idx="2">
+              <a:schemeClr val="accent1"/>
+            </a:effectRef>
+            <a:fontRef idx="minor">
+              <a:schemeClr val="lt1"/>
+            </a:fontRef>
+          </p:style>
+        </p:sp>
+        <p:sp>
+          <p:nvSpPr>
+            <p:cNvPr id="29" name="Rectangle 28"/>
+            <p:cNvSpPr/>
+            <p:nvPr/>
+          </p:nvSpPr>
+          <p:spPr>
+            <a:xfrm>
+              <a:off x="10898730" y="-8467"/>
+              <a:ext cx="1290094" cy="6866467"/>
+            </a:xfrm>
+            <a:custGeom>
+              <a:avLst/>
+              <a:gdLst/>
+              <a:ahLst/>
+              <a:cxnLst/>
+              <a:rect l="l" t="t" r="r" b="b"/>
+              <a:pathLst>
+                <a:path w="1290094" h="6858000">
+                  <a:moveTo>
+                    <a:pt x="1019735" y="0"/>
+                  </a:moveTo>
+                  <a:lnTo>
+                    <a:pt x="1290094" y="0"/>
+                  </a:lnTo>
+                  <a:lnTo>
+                    <a:pt x="1290094" y="6858000"/>
+                  </a:lnTo>
+                  <a:lnTo>
+                    <a:pt x="0" y="6858000"/>
+                  </a:lnTo>
+                  <a:lnTo>
+                    <a:pt x="1019735" y="0"/>
+                  </a:lnTo>
+                  <a:close/>
+                </a:path>
+              </a:pathLst>
+            </a:custGeom>
+            <a:solidFill>
+              <a:schemeClr val="accent1">
+                <a:lumMod val="60000"/>
+                <a:lumOff val="40000"/>
+                <a:alpha val="70000"/>
+              </a:schemeClr>
+            </a:solidFill>
+            <a:ln>
+              <a:noFill/>
+            </a:ln>
+            <a:effectLst/>
+          </p:spPr>
+          <p:style>
+            <a:lnRef idx="1">
+              <a:schemeClr val="accent1"/>
+            </a:lnRef>
+            <a:fillRef idx="3">
+              <a:schemeClr val="accent1"/>
+            </a:fillRef>
+            <a:effectRef idx="2">
+              <a:schemeClr val="accent1"/>
+            </a:effectRef>
+            <a:fontRef idx="minor">
+              <a:schemeClr val="lt1"/>
+            </a:fontRef>
+          </p:style>
+        </p:sp>
+        <p:sp>
+          <p:nvSpPr>
+            <p:cNvPr id="30" name="Rectangle 29"/>
+            <p:cNvSpPr/>
+            <p:nvPr/>
+          </p:nvSpPr>
+          <p:spPr>
+            <a:xfrm>
+              <a:off x="10938999" y="-8467"/>
+              <a:ext cx="1249825" cy="6866467"/>
+            </a:xfrm>
+            <a:custGeom>
+              <a:avLst/>
+              <a:gdLst/>
+              <a:ahLst/>
+              <a:cxnLst/>
+              <a:rect l="l" t="t" r="r" b="b"/>
+              <a:pathLst>
+                <a:path w="1249825" h="6858000">
+                  <a:moveTo>
+                    <a:pt x="0" y="0"/>
+                  </a:moveTo>
+                  <a:lnTo>
+                    <a:pt x="1249825" y="0"/>
+                  </a:lnTo>
+                  <a:lnTo>
+                    <a:pt x="1249825" y="6858000"/>
+                  </a:lnTo>
+                  <a:lnTo>
+                    <a:pt x="1109382" y="6858000"/>
+                  </a:lnTo>
+                  <a:lnTo>
+                    <a:pt x="0" y="0"/>
+                  </a:lnTo>
+                  <a:close/>
+                </a:path>
+              </a:pathLst>
+            </a:custGeom>
+            <a:solidFill>
+              <a:schemeClr val="accent1">
+                <a:alpha val="65000"/>
+              </a:schemeClr>
+            </a:solidFill>
+            <a:ln>
+              <a:noFill/>
+            </a:ln>
+            <a:effectLst/>
+          </p:spPr>
+          <p:style>
+            <a:lnRef idx="1">
+              <a:schemeClr val="accent1"/>
+            </a:lnRef>
+            <a:fillRef idx="3">
+              <a:schemeClr val="accent1"/>
+            </a:fillRef>
+            <a:effectRef idx="2">
+              <a:schemeClr val="accent1"/>
+            </a:effectRef>
+            <a:fontRef idx="minor">
+              <a:schemeClr val="lt1"/>
+            </a:fontRef>
+          </p:style>
+        </p:sp>
+        <p:sp>
+          <p:nvSpPr>
+            <p:cNvPr id="31" name="Isosceles Triangle 30"/>
+            <p:cNvSpPr/>
+            <p:nvPr/>
+          </p:nvSpPr>
+          <p:spPr>
+            <a:xfrm>
+              <a:off x="10371666" y="3589867"/>
+              <a:ext cx="1817159" cy="3268133"/>
+            </a:xfrm>
+            <a:prstGeom prst="triangle">
+              <a:avLst>
+                <a:gd name="adj" fmla="val 100000"/>
+              </a:avLst>
+            </a:prstGeom>
+            <a:solidFill>
+              <a:schemeClr val="accent1">
+                <a:alpha val="80000"/>
+              </a:schemeClr>
+            </a:solidFill>
+            <a:ln>
+              <a:noFill/>
+            </a:ln>
+            <a:effectLst/>
+          </p:spPr>
+          <p:style>
+            <a:lnRef idx="1">
+              <a:schemeClr val="accent1"/>
+            </a:lnRef>
+            <a:fillRef idx="3">
+              <a:schemeClr val="accent1"/>
+            </a:fillRef>
+            <a:effectRef idx="2">
+              <a:schemeClr val="accent1"/>
+            </a:effectRef>
+            <a:fontRef idx="minor">
+              <a:schemeClr val="lt1"/>
+            </a:fontRef>
+          </p:style>
+        </p:sp>
+        <p:sp>
+          <p:nvSpPr>
+            <p:cNvPr id="19" name="Isosceles Triangle 18"/>
+            <p:cNvSpPr/>
+            <p:nvPr/>
+          </p:nvSpPr>
+          <p:spPr>
+            <a:xfrm rot="10800000">
+              <a:off x="0" y="0"/>
+              <a:ext cx="842596" cy="5666154"/>
+            </a:xfrm>
+            <a:prstGeom prst="triangle">
+              <a:avLst>
+                <a:gd name="adj" fmla="val 100000"/>
+              </a:avLst>
+            </a:prstGeom>
+            <a:solidFill>
+              <a:schemeClr val="accent1">
+                <a:alpha val="85000"/>
+              </a:schemeClr>
+            </a:solidFill>
+            <a:ln>
+              <a:noFill/>
+            </a:ln>
+            <a:effectLst/>
+          </p:spPr>
+          <p:style>
+            <a:lnRef idx="1">
+              <a:schemeClr val="accent1"/>
+            </a:lnRef>
+            <a:fillRef idx="3">
+              <a:schemeClr val="accent1"/>
+            </a:fillRef>
+            <a:effectRef idx="2">
+              <a:schemeClr val="accent1"/>
+            </a:effectRef>
+            <a:fontRef idx="minor">
+              <a:schemeClr val="lt1"/>
+            </a:fontRef>
+          </p:style>
+        </p:sp>
+      </p:grpSp>
+      <p:sp>
+        <p:nvSpPr>
+          <p:cNvPr id="2" name="Title 1"/>
           <p:cNvSpPr>
             <a:spLocks noGrp="1"/>
           </p:cNvSpPr>
@@ -165,15 +689,21 @@
         </p:nvSpPr>
         <p:spPr>
           <a:xfrm>
-            <a:off x="1524000" y="1122363"/>
-            <a:ext cx="9144000" cy="2387600"/>
+            <a:off x="1507067" y="2404534"/>
+            <a:ext cx="7766936" cy="1646302"/>
           </a:xfrm>
         </p:spPr>
         <p:txBody>
-          <a:bodyPr anchor="b"/>
+          <a:bodyPr anchor="b">
+            <a:noAutofit/>
+          </a:bodyPr>
           <a:lstStyle>
-            <a:lvl1pPr algn="ctr">
-              <a:defRPr sz="6000"/>
+            <a:lvl1pPr algn="r">
+              <a:defRPr sz="5400">
+                <a:solidFill>
+                  <a:schemeClr val="accent1"/>
+                </a:solidFill>
+              </a:defRPr>
             </a:lvl1pPr>
           </a:lstStyle>
           <a:p>
@@ -181,18 +711,13 @@
               <a:rPr lang="de-DE"/>
               <a:t>Mastertitelformat bearbeiten</a:t>
             </a:r>
-          </a:p>
-        </p:txBody>
-      </p:sp>
-      <p:sp>
-        <p:nvSpPr>
-          <p:cNvPr id="3" name="Untertitel 2">
-            <a:extLst>
-              <a:ext uri="{FF2B5EF4-FFF2-40B4-BE49-F238E27FC236}">
-                <a16:creationId xmlns:a16="http://schemas.microsoft.com/office/drawing/2014/main" id="{87803A26-4E23-D820-C881-362B27B9F30C}"/>
-              </a:ext>
-            </a:extLst>
-          </p:cNvPr>
+            <a:endParaRPr lang="en-US" dirty="0"/>
+          </a:p>
+        </p:txBody>
+      </p:sp>
+      <p:sp>
+        <p:nvSpPr>
+          <p:cNvPr id="3" name="Subtitle 2"/>
           <p:cNvSpPr>
             <a:spLocks noGrp="1"/>
           </p:cNvSpPr>
@@ -202,48 +727,103 @@
         </p:nvSpPr>
         <p:spPr>
           <a:xfrm>
-            <a:off x="1524000" y="3602038"/>
-            <a:ext cx="9144000" cy="1655762"/>
+            <a:off x="1507067" y="4050833"/>
+            <a:ext cx="7766936" cy="1096899"/>
           </a:xfrm>
         </p:spPr>
         <p:txBody>
-          <a:bodyPr/>
+          <a:bodyPr anchor="t"/>
           <a:lstStyle>
-            <a:lvl1pPr marL="0" indent="0" algn="ctr">
-              <a:buNone/>
-              <a:defRPr sz="2400"/>
+            <a:lvl1pPr marL="0" indent="0" algn="r">
+              <a:buNone/>
+              <a:defRPr>
+                <a:solidFill>
+                  <a:schemeClr val="tx1">
+                    <a:lumMod val="50000"/>
+                    <a:lumOff val="50000"/>
+                  </a:schemeClr>
+                </a:solidFill>
+              </a:defRPr>
             </a:lvl1pPr>
             <a:lvl2pPr marL="457200" indent="0" algn="ctr">
               <a:buNone/>
-              <a:defRPr sz="2000"/>
+              <a:defRPr>
+                <a:solidFill>
+                  <a:schemeClr val="tx1">
+                    <a:tint val="75000"/>
+                  </a:schemeClr>
+                </a:solidFill>
+              </a:defRPr>
             </a:lvl2pPr>
             <a:lvl3pPr marL="914400" indent="0" algn="ctr">
               <a:buNone/>
-              <a:defRPr sz="1800"/>
+              <a:defRPr>
+                <a:solidFill>
+                  <a:schemeClr val="tx1">
+                    <a:tint val="75000"/>
+                  </a:schemeClr>
+                </a:solidFill>
+              </a:defRPr>
             </a:lvl3pPr>
             <a:lvl4pPr marL="1371600" indent="0" algn="ctr">
               <a:buNone/>
-              <a:defRPr sz="1600"/>
+              <a:defRPr>
+                <a:solidFill>
+                  <a:schemeClr val="tx1">
+                    <a:tint val="75000"/>
+                  </a:schemeClr>
+                </a:solidFill>
+              </a:defRPr>
             </a:lvl4pPr>
             <a:lvl5pPr marL="1828800" indent="0" algn="ctr">
               <a:buNone/>
-              <a:defRPr sz="1600"/>
+              <a:defRPr>
+                <a:solidFill>
+                  <a:schemeClr val="tx1">
+                    <a:tint val="75000"/>
+                  </a:schemeClr>
+                </a:solidFill>
+              </a:defRPr>
             </a:lvl5pPr>
             <a:lvl6pPr marL="2286000" indent="0" algn="ctr">
               <a:buNone/>
-              <a:defRPr sz="1600"/>
+              <a:defRPr>
+                <a:solidFill>
+                  <a:schemeClr val="tx1">
+                    <a:tint val="75000"/>
+                  </a:schemeClr>
+                </a:solidFill>
+              </a:defRPr>
             </a:lvl6pPr>
             <a:lvl7pPr marL="2743200" indent="0" algn="ctr">
               <a:buNone/>
-              <a:defRPr sz="1600"/>
+              <a:defRPr>
+                <a:solidFill>
+                  <a:schemeClr val="tx1">
+                    <a:tint val="75000"/>
+                  </a:schemeClr>
+                </a:solidFill>
+              </a:defRPr>
             </a:lvl7pPr>
             <a:lvl8pPr marL="3200400" indent="0" algn="ctr">
               <a:buNone/>
-              <a:defRPr sz="1600"/>
+              <a:defRPr>
+                <a:solidFill>
+                  <a:schemeClr val="tx1">
+                    <a:tint val="75000"/>
+                  </a:schemeClr>
+                </a:solidFill>
+              </a:defRPr>
             </a:lvl8pPr>
             <a:lvl9pPr marL="3657600" indent="0" algn="ctr">
               <a:buNone/>
-              <a:defRPr sz="1600"/>
+              <a:defRPr>
+                <a:solidFill>
+                  <a:schemeClr val="tx1">
+                    <a:tint val="75000"/>
+                  </a:schemeClr>
+                </a:solidFill>
+              </a:defRPr>
             </a:lvl9pPr>
           </a:lstStyle>
           <a:p>
@@ -251,18 +831,13 @@
               <a:rPr lang="de-DE"/>
               <a:t>Master-Untertitelformat bearbeiten</a:t>
             </a:r>
-          </a:p>
-        </p:txBody>
-      </p:sp>
-      <p:sp>
-        <p:nvSpPr>
-          <p:cNvPr id="4" name="Datumsplatzhalter 3">
-            <a:extLst>
-              <a:ext uri="{FF2B5EF4-FFF2-40B4-BE49-F238E27FC236}">
-                <a16:creationId xmlns:a16="http://schemas.microsoft.com/office/drawing/2014/main" id="{D07A1016-2A1B-9429-4177-0DFC913DC6BF}"/>
-              </a:ext>
-            </a:extLst>
-          </p:cNvPr>
+            <a:endParaRPr lang="en-US" dirty="0"/>
+          </a:p>
+        </p:txBody>
+      </p:sp>
+      <p:sp>
+        <p:nvSpPr>
+          <p:cNvPr id="4" name="Date Placeholder 3"/>
           <p:cNvSpPr>
             <a:spLocks noGrp="1"/>
           </p:cNvSpPr>
@@ -277,7 +852,7 @@
           <a:p>
             <a:fld id="{83AB6A7A-760E-487F-B824-C8AF509EACC5}" type="datetimeFigureOut">
               <a:rPr lang="de-DE" smtClean="0"/>
-              <a:t>11.06.2025</a:t>
+              <a:t>12.06.2025</a:t>
             </a:fld>
             <a:endParaRPr lang="de-DE"/>
           </a:p>
@@ -285,13 +860,7 @@
       </p:sp>
       <p:sp>
         <p:nvSpPr>
-          <p:cNvPr id="5" name="Fußzeilenplatzhalter 4">
-            <a:extLst>
-              <a:ext uri="{FF2B5EF4-FFF2-40B4-BE49-F238E27FC236}">
-                <a16:creationId xmlns:a16="http://schemas.microsoft.com/office/drawing/2014/main" id="{304771E5-2449-1576-DD2C-E311AC237E92}"/>
-              </a:ext>
-            </a:extLst>
-          </p:cNvPr>
+          <p:cNvPr id="5" name="Footer Placeholder 4"/>
           <p:cNvSpPr>
             <a:spLocks noGrp="1"/>
           </p:cNvSpPr>
@@ -310,13 +879,7 @@
       </p:sp>
       <p:sp>
         <p:nvSpPr>
-          <p:cNvPr id="6" name="Foliennummernplatzhalter 5">
-            <a:extLst>
-              <a:ext uri="{FF2B5EF4-FFF2-40B4-BE49-F238E27FC236}">
-                <a16:creationId xmlns:a16="http://schemas.microsoft.com/office/drawing/2014/main" id="{25B9BF6A-4E4D-C82C-EC83-20517A0BD48F}"/>
-              </a:ext>
-            </a:extLst>
-          </p:cNvPr>
+          <p:cNvPr id="6" name="Slide Number Placeholder 5"/>
           <p:cNvSpPr>
             <a:spLocks noGrp="1"/>
           </p:cNvSpPr>
@@ -340,7 +903,7 @@
     </p:spTree>
     <p:extLst>
       <p:ext uri="{BB962C8B-B14F-4D97-AF65-F5344CB8AC3E}">
-        <p14:creationId xmlns:p14="http://schemas.microsoft.com/office/powerpoint/2010/main" val="1593775016"/>
+        <p14:creationId xmlns:p14="http://schemas.microsoft.com/office/powerpoint/2010/main" val="2233119145"/>
       </p:ext>
     </p:extLst>
   </p:cSld>
@@ -351,6 +914,1619 @@
 </file>
 
 <file path=ppt/slideLayouts/slideLayout10.xml><?xml version="1.0" encoding="utf-8"?>
+<p:sldLayout xmlns:a="http://schemas.openxmlformats.org/drawingml/2006/main" xmlns:r="http://schemas.openxmlformats.org/officeDocument/2006/relationships" xmlns:p="http://schemas.openxmlformats.org/presentationml/2006/main" preserve="1">
+  <p:cSld name="Titel und Beschriftung">
+    <p:spTree>
+      <p:nvGrpSpPr>
+        <p:cNvPr id="1" name=""/>
+        <p:cNvGrpSpPr/>
+        <p:nvPr/>
+      </p:nvGrpSpPr>
+      <p:grpSpPr>
+        <a:xfrm>
+          <a:off x="0" y="0"/>
+          <a:ext cx="0" cy="0"/>
+          <a:chOff x="0" y="0"/>
+          <a:chExt cx="0" cy="0"/>
+        </a:xfrm>
+      </p:grpSpPr>
+      <p:sp>
+        <p:nvSpPr>
+          <p:cNvPr id="2" name="Title 1"/>
+          <p:cNvSpPr>
+            <a:spLocks noGrp="1"/>
+          </p:cNvSpPr>
+          <p:nvPr>
+            <p:ph type="title"/>
+          </p:nvPr>
+        </p:nvSpPr>
+        <p:spPr>
+          <a:xfrm>
+            <a:off x="677335" y="609600"/>
+            <a:ext cx="8596668" cy="3403600"/>
+          </a:xfrm>
+        </p:spPr>
+        <p:txBody>
+          <a:bodyPr anchor="ctr">
+            <a:normAutofit/>
+          </a:bodyPr>
+          <a:lstStyle>
+            <a:lvl1pPr algn="l">
+              <a:defRPr sz="4400" b="0" cap="none"/>
+            </a:lvl1pPr>
+          </a:lstStyle>
+          <a:p>
+            <a:r>
+              <a:rPr lang="de-DE"/>
+              <a:t>Mastertitelformat bearbeiten</a:t>
+            </a:r>
+            <a:endParaRPr lang="en-US" dirty="0"/>
+          </a:p>
+        </p:txBody>
+      </p:sp>
+      <p:sp>
+        <p:nvSpPr>
+          <p:cNvPr id="3" name="Text Placeholder 2"/>
+          <p:cNvSpPr>
+            <a:spLocks noGrp="1"/>
+          </p:cNvSpPr>
+          <p:nvPr>
+            <p:ph type="body" idx="1"/>
+          </p:nvPr>
+        </p:nvSpPr>
+        <p:spPr>
+          <a:xfrm>
+            <a:off x="677335" y="4470400"/>
+            <a:ext cx="8596668" cy="1570962"/>
+          </a:xfrm>
+        </p:spPr>
+        <p:txBody>
+          <a:bodyPr anchor="ctr">
+            <a:normAutofit/>
+          </a:bodyPr>
+          <a:lstStyle>
+            <a:lvl1pPr marL="0" indent="0" algn="l">
+              <a:buNone/>
+              <a:defRPr sz="1800">
+                <a:solidFill>
+                  <a:schemeClr val="tx1">
+                    <a:lumMod val="75000"/>
+                    <a:lumOff val="25000"/>
+                  </a:schemeClr>
+                </a:solidFill>
+              </a:defRPr>
+            </a:lvl1pPr>
+            <a:lvl2pPr marL="457200" indent="0">
+              <a:buNone/>
+              <a:defRPr sz="1800">
+                <a:solidFill>
+                  <a:schemeClr val="tx1">
+                    <a:tint val="75000"/>
+                  </a:schemeClr>
+                </a:solidFill>
+              </a:defRPr>
+            </a:lvl2pPr>
+            <a:lvl3pPr marL="914400" indent="0">
+              <a:buNone/>
+              <a:defRPr sz="1600">
+                <a:solidFill>
+                  <a:schemeClr val="tx1">
+                    <a:tint val="75000"/>
+                  </a:schemeClr>
+                </a:solidFill>
+              </a:defRPr>
+            </a:lvl3pPr>
+            <a:lvl4pPr marL="1371600" indent="0">
+              <a:buNone/>
+              <a:defRPr sz="1400">
+                <a:solidFill>
+                  <a:schemeClr val="tx1">
+                    <a:tint val="75000"/>
+                  </a:schemeClr>
+                </a:solidFill>
+              </a:defRPr>
+            </a:lvl4pPr>
+            <a:lvl5pPr marL="1828800" indent="0">
+              <a:buNone/>
+              <a:defRPr sz="1400">
+                <a:solidFill>
+                  <a:schemeClr val="tx1">
+                    <a:tint val="75000"/>
+                  </a:schemeClr>
+                </a:solidFill>
+              </a:defRPr>
+            </a:lvl5pPr>
+            <a:lvl6pPr marL="2286000" indent="0">
+              <a:buNone/>
+              <a:defRPr sz="1400">
+                <a:solidFill>
+                  <a:schemeClr val="tx1">
+                    <a:tint val="75000"/>
+                  </a:schemeClr>
+                </a:solidFill>
+              </a:defRPr>
+            </a:lvl6pPr>
+            <a:lvl7pPr marL="2743200" indent="0">
+              <a:buNone/>
+              <a:defRPr sz="1400">
+                <a:solidFill>
+                  <a:schemeClr val="tx1">
+                    <a:tint val="75000"/>
+                  </a:schemeClr>
+                </a:solidFill>
+              </a:defRPr>
+            </a:lvl7pPr>
+            <a:lvl8pPr marL="3200400" indent="0">
+              <a:buNone/>
+              <a:defRPr sz="1400">
+                <a:solidFill>
+                  <a:schemeClr val="tx1">
+                    <a:tint val="75000"/>
+                  </a:schemeClr>
+                </a:solidFill>
+              </a:defRPr>
+            </a:lvl8pPr>
+            <a:lvl9pPr marL="3657600" indent="0">
+              <a:buNone/>
+              <a:defRPr sz="1400">
+                <a:solidFill>
+                  <a:schemeClr val="tx1">
+                    <a:tint val="75000"/>
+                  </a:schemeClr>
+                </a:solidFill>
+              </a:defRPr>
+            </a:lvl9pPr>
+          </a:lstStyle>
+          <a:p>
+            <a:pPr lvl="0"/>
+            <a:r>
+              <a:rPr lang="de-DE"/>
+              <a:t>Mastertextformat bearbeiten</a:t>
+            </a:r>
+          </a:p>
+        </p:txBody>
+      </p:sp>
+      <p:sp>
+        <p:nvSpPr>
+          <p:cNvPr id="4" name="Date Placeholder 3"/>
+          <p:cNvSpPr>
+            <a:spLocks noGrp="1"/>
+          </p:cNvSpPr>
+          <p:nvPr>
+            <p:ph type="dt" sz="half" idx="10"/>
+          </p:nvPr>
+        </p:nvSpPr>
+        <p:spPr/>
+        <p:txBody>
+          <a:bodyPr/>
+          <a:lstStyle/>
+          <a:p>
+            <a:fld id="{83AB6A7A-760E-487F-B824-C8AF509EACC5}" type="datetimeFigureOut">
+              <a:rPr lang="de-DE" smtClean="0"/>
+              <a:t>12.06.2025</a:t>
+            </a:fld>
+            <a:endParaRPr lang="de-DE"/>
+          </a:p>
+        </p:txBody>
+      </p:sp>
+      <p:sp>
+        <p:nvSpPr>
+          <p:cNvPr id="5" name="Footer Placeholder 4"/>
+          <p:cNvSpPr>
+            <a:spLocks noGrp="1"/>
+          </p:cNvSpPr>
+          <p:nvPr>
+            <p:ph type="ftr" sz="quarter" idx="11"/>
+          </p:nvPr>
+        </p:nvSpPr>
+        <p:spPr/>
+        <p:txBody>
+          <a:bodyPr/>
+          <a:lstStyle/>
+          <a:p>
+            <a:endParaRPr lang="de-DE"/>
+          </a:p>
+        </p:txBody>
+      </p:sp>
+      <p:sp>
+        <p:nvSpPr>
+          <p:cNvPr id="6" name="Slide Number Placeholder 5"/>
+          <p:cNvSpPr>
+            <a:spLocks noGrp="1"/>
+          </p:cNvSpPr>
+          <p:nvPr>
+            <p:ph type="sldNum" sz="quarter" idx="12"/>
+          </p:nvPr>
+        </p:nvSpPr>
+        <p:spPr/>
+        <p:txBody>
+          <a:bodyPr/>
+          <a:lstStyle/>
+          <a:p>
+            <a:fld id="{8101D1D9-AD58-41E5-B572-7B1DDD62E7B4}" type="slidenum">
+              <a:rPr lang="de-DE" smtClean="0"/>
+              <a:t>‹Nr.›</a:t>
+            </a:fld>
+            <a:endParaRPr lang="de-DE"/>
+          </a:p>
+        </p:txBody>
+      </p:sp>
+    </p:spTree>
+    <p:extLst>
+      <p:ext uri="{BB962C8B-B14F-4D97-AF65-F5344CB8AC3E}">
+        <p14:creationId xmlns:p14="http://schemas.microsoft.com/office/powerpoint/2010/main" val="2597906866"/>
+      </p:ext>
+    </p:extLst>
+  </p:cSld>
+  <p:clrMapOvr>
+    <a:masterClrMapping/>
+  </p:clrMapOvr>
+</p:sldLayout>
+</file>
+
+<file path=ppt/slideLayouts/slideLayout11.xml><?xml version="1.0" encoding="utf-8"?>
+<p:sldLayout xmlns:a="http://schemas.openxmlformats.org/drawingml/2006/main" xmlns:r="http://schemas.openxmlformats.org/officeDocument/2006/relationships" xmlns:p="http://schemas.openxmlformats.org/presentationml/2006/main" preserve="1">
+  <p:cSld name="Zitat mit Beschriftung">
+    <p:spTree>
+      <p:nvGrpSpPr>
+        <p:cNvPr id="1" name=""/>
+        <p:cNvGrpSpPr/>
+        <p:nvPr/>
+      </p:nvGrpSpPr>
+      <p:grpSpPr>
+        <a:xfrm>
+          <a:off x="0" y="0"/>
+          <a:ext cx="0" cy="0"/>
+          <a:chOff x="0" y="0"/>
+          <a:chExt cx="0" cy="0"/>
+        </a:xfrm>
+      </p:grpSpPr>
+      <p:sp>
+        <p:nvSpPr>
+          <p:cNvPr id="2" name="Title 1"/>
+          <p:cNvSpPr>
+            <a:spLocks noGrp="1"/>
+          </p:cNvSpPr>
+          <p:nvPr>
+            <p:ph type="title"/>
+          </p:nvPr>
+        </p:nvSpPr>
+        <p:spPr>
+          <a:xfrm>
+            <a:off x="931334" y="609600"/>
+            <a:ext cx="8094134" cy="3022600"/>
+          </a:xfrm>
+        </p:spPr>
+        <p:txBody>
+          <a:bodyPr anchor="ctr">
+            <a:normAutofit/>
+          </a:bodyPr>
+          <a:lstStyle>
+            <a:lvl1pPr algn="l">
+              <a:defRPr sz="4400" b="0" cap="none"/>
+            </a:lvl1pPr>
+          </a:lstStyle>
+          <a:p>
+            <a:r>
+              <a:rPr lang="de-DE"/>
+              <a:t>Mastertitelformat bearbeiten</a:t>
+            </a:r>
+            <a:endParaRPr lang="en-US" dirty="0"/>
+          </a:p>
+        </p:txBody>
+      </p:sp>
+      <p:sp>
+        <p:nvSpPr>
+          <p:cNvPr id="23" name="Text Placeholder 9"/>
+          <p:cNvSpPr>
+            <a:spLocks noGrp="1"/>
+          </p:cNvSpPr>
+          <p:nvPr>
+            <p:ph type="body" sz="quarter" idx="13"/>
+          </p:nvPr>
+        </p:nvSpPr>
+        <p:spPr>
+          <a:xfrm>
+            <a:off x="1366139" y="3632200"/>
+            <a:ext cx="7224524" cy="381000"/>
+          </a:xfrm>
+        </p:spPr>
+        <p:txBody>
+          <a:bodyPr anchor="ctr">
+            <a:noAutofit/>
+          </a:bodyPr>
+          <a:lstStyle>
+            <a:lvl1pPr marL="0" indent="0">
+              <a:buFontTx/>
+              <a:buNone/>
+              <a:defRPr sz="1600">
+                <a:solidFill>
+                  <a:schemeClr val="tx1">
+                    <a:lumMod val="50000"/>
+                    <a:lumOff val="50000"/>
+                  </a:schemeClr>
+                </a:solidFill>
+              </a:defRPr>
+            </a:lvl1pPr>
+            <a:lvl2pPr marL="457200" indent="0">
+              <a:buFontTx/>
+              <a:buNone/>
+              <a:defRPr/>
+            </a:lvl2pPr>
+            <a:lvl3pPr marL="914400" indent="0">
+              <a:buFontTx/>
+              <a:buNone/>
+              <a:defRPr/>
+            </a:lvl3pPr>
+            <a:lvl4pPr marL="1371600" indent="0">
+              <a:buFontTx/>
+              <a:buNone/>
+              <a:defRPr/>
+            </a:lvl4pPr>
+            <a:lvl5pPr marL="1828800" indent="0">
+              <a:buFontTx/>
+              <a:buNone/>
+              <a:defRPr/>
+            </a:lvl5pPr>
+          </a:lstStyle>
+          <a:p>
+            <a:pPr lvl="0"/>
+            <a:r>
+              <a:rPr lang="de-DE"/>
+              <a:t>Mastertextformat bearbeiten</a:t>
+            </a:r>
+          </a:p>
+        </p:txBody>
+      </p:sp>
+      <p:sp>
+        <p:nvSpPr>
+          <p:cNvPr id="3" name="Text Placeholder 2"/>
+          <p:cNvSpPr>
+            <a:spLocks noGrp="1"/>
+          </p:cNvSpPr>
+          <p:nvPr>
+            <p:ph type="body" idx="1"/>
+          </p:nvPr>
+        </p:nvSpPr>
+        <p:spPr>
+          <a:xfrm>
+            <a:off x="677335" y="4470400"/>
+            <a:ext cx="8596668" cy="1570962"/>
+          </a:xfrm>
+        </p:spPr>
+        <p:txBody>
+          <a:bodyPr anchor="ctr">
+            <a:normAutofit/>
+          </a:bodyPr>
+          <a:lstStyle>
+            <a:lvl1pPr marL="0" indent="0" algn="l">
+              <a:buNone/>
+              <a:defRPr sz="1800">
+                <a:solidFill>
+                  <a:schemeClr val="tx1">
+                    <a:lumMod val="75000"/>
+                    <a:lumOff val="25000"/>
+                  </a:schemeClr>
+                </a:solidFill>
+              </a:defRPr>
+            </a:lvl1pPr>
+            <a:lvl2pPr marL="457200" indent="0">
+              <a:buNone/>
+              <a:defRPr sz="1800">
+                <a:solidFill>
+                  <a:schemeClr val="tx1">
+                    <a:tint val="75000"/>
+                  </a:schemeClr>
+                </a:solidFill>
+              </a:defRPr>
+            </a:lvl2pPr>
+            <a:lvl3pPr marL="914400" indent="0">
+              <a:buNone/>
+              <a:defRPr sz="1600">
+                <a:solidFill>
+                  <a:schemeClr val="tx1">
+                    <a:tint val="75000"/>
+                  </a:schemeClr>
+                </a:solidFill>
+              </a:defRPr>
+            </a:lvl3pPr>
+            <a:lvl4pPr marL="1371600" indent="0">
+              <a:buNone/>
+              <a:defRPr sz="1400">
+                <a:solidFill>
+                  <a:schemeClr val="tx1">
+                    <a:tint val="75000"/>
+                  </a:schemeClr>
+                </a:solidFill>
+              </a:defRPr>
+            </a:lvl4pPr>
+            <a:lvl5pPr marL="1828800" indent="0">
+              <a:buNone/>
+              <a:defRPr sz="1400">
+                <a:solidFill>
+                  <a:schemeClr val="tx1">
+                    <a:tint val="75000"/>
+                  </a:schemeClr>
+                </a:solidFill>
+              </a:defRPr>
+            </a:lvl5pPr>
+            <a:lvl6pPr marL="2286000" indent="0">
+              <a:buNone/>
+              <a:defRPr sz="1400">
+                <a:solidFill>
+                  <a:schemeClr val="tx1">
+                    <a:tint val="75000"/>
+                  </a:schemeClr>
+                </a:solidFill>
+              </a:defRPr>
+            </a:lvl6pPr>
+            <a:lvl7pPr marL="2743200" indent="0">
+              <a:buNone/>
+              <a:defRPr sz="1400">
+                <a:solidFill>
+                  <a:schemeClr val="tx1">
+                    <a:tint val="75000"/>
+                  </a:schemeClr>
+                </a:solidFill>
+              </a:defRPr>
+            </a:lvl7pPr>
+            <a:lvl8pPr marL="3200400" indent="0">
+              <a:buNone/>
+              <a:defRPr sz="1400">
+                <a:solidFill>
+                  <a:schemeClr val="tx1">
+                    <a:tint val="75000"/>
+                  </a:schemeClr>
+                </a:solidFill>
+              </a:defRPr>
+            </a:lvl8pPr>
+            <a:lvl9pPr marL="3657600" indent="0">
+              <a:buNone/>
+              <a:defRPr sz="1400">
+                <a:solidFill>
+                  <a:schemeClr val="tx1">
+                    <a:tint val="75000"/>
+                  </a:schemeClr>
+                </a:solidFill>
+              </a:defRPr>
+            </a:lvl9pPr>
+          </a:lstStyle>
+          <a:p>
+            <a:pPr lvl="0"/>
+            <a:r>
+              <a:rPr lang="de-DE"/>
+              <a:t>Mastertextformat bearbeiten</a:t>
+            </a:r>
+          </a:p>
+        </p:txBody>
+      </p:sp>
+      <p:sp>
+        <p:nvSpPr>
+          <p:cNvPr id="4" name="Date Placeholder 3"/>
+          <p:cNvSpPr>
+            <a:spLocks noGrp="1"/>
+          </p:cNvSpPr>
+          <p:nvPr>
+            <p:ph type="dt" sz="half" idx="10"/>
+          </p:nvPr>
+        </p:nvSpPr>
+        <p:spPr/>
+        <p:txBody>
+          <a:bodyPr/>
+          <a:lstStyle/>
+          <a:p>
+            <a:fld id="{83AB6A7A-760E-487F-B824-C8AF509EACC5}" type="datetimeFigureOut">
+              <a:rPr lang="de-DE" smtClean="0"/>
+              <a:t>12.06.2025</a:t>
+            </a:fld>
+            <a:endParaRPr lang="de-DE"/>
+          </a:p>
+        </p:txBody>
+      </p:sp>
+      <p:sp>
+        <p:nvSpPr>
+          <p:cNvPr id="5" name="Footer Placeholder 4"/>
+          <p:cNvSpPr>
+            <a:spLocks noGrp="1"/>
+          </p:cNvSpPr>
+          <p:nvPr>
+            <p:ph type="ftr" sz="quarter" idx="11"/>
+          </p:nvPr>
+        </p:nvSpPr>
+        <p:spPr/>
+        <p:txBody>
+          <a:bodyPr/>
+          <a:lstStyle/>
+          <a:p>
+            <a:endParaRPr lang="de-DE"/>
+          </a:p>
+        </p:txBody>
+      </p:sp>
+      <p:sp>
+        <p:nvSpPr>
+          <p:cNvPr id="6" name="Slide Number Placeholder 5"/>
+          <p:cNvSpPr>
+            <a:spLocks noGrp="1"/>
+          </p:cNvSpPr>
+          <p:nvPr>
+            <p:ph type="sldNum" sz="quarter" idx="12"/>
+          </p:nvPr>
+        </p:nvSpPr>
+        <p:spPr/>
+        <p:txBody>
+          <a:bodyPr/>
+          <a:lstStyle/>
+          <a:p>
+            <a:fld id="{8101D1D9-AD58-41E5-B572-7B1DDD62E7B4}" type="slidenum">
+              <a:rPr lang="de-DE" smtClean="0"/>
+              <a:t>‹Nr.›</a:t>
+            </a:fld>
+            <a:endParaRPr lang="de-DE"/>
+          </a:p>
+        </p:txBody>
+      </p:sp>
+      <p:sp>
+        <p:nvSpPr>
+          <p:cNvPr id="20" name="TextBox 19"/>
+          <p:cNvSpPr txBox="1"/>
+          <p:nvPr/>
+        </p:nvSpPr>
+        <p:spPr>
+          <a:xfrm>
+            <a:off x="541870" y="790378"/>
+            <a:ext cx="609600" cy="584776"/>
+          </a:xfrm>
+          <a:prstGeom prst="rect">
+            <a:avLst/>
+          </a:prstGeom>
+        </p:spPr>
+        <p:txBody>
+          <a:bodyPr vert="horz" lIns="91440" tIns="45720" rIns="91440" bIns="45720" rtlCol="0" anchor="ctr">
+            <a:noAutofit/>
+          </a:bodyPr>
+          <a:lstStyle/>
+          <a:p>
+            <a:pPr lvl="0"/>
+            <a:r>
+              <a:rPr lang="en-US" sz="8000" baseline="0" dirty="0">
+                <a:ln w="3175" cmpd="sng">
+                  <a:noFill/>
+                </a:ln>
+                <a:solidFill>
+                  <a:schemeClr val="accent1">
+                    <a:lumMod val="60000"/>
+                    <a:lumOff val="40000"/>
+                  </a:schemeClr>
+                </a:solidFill>
+                <a:effectLst/>
+                <a:latin typeface="Arial"/>
+              </a:rPr>
+              <a:t>“</a:t>
+            </a:r>
+          </a:p>
+        </p:txBody>
+      </p:sp>
+      <p:sp>
+        <p:nvSpPr>
+          <p:cNvPr id="22" name="TextBox 21"/>
+          <p:cNvSpPr txBox="1"/>
+          <p:nvPr/>
+        </p:nvSpPr>
+        <p:spPr>
+          <a:xfrm>
+            <a:off x="8893011" y="2886556"/>
+            <a:ext cx="609600" cy="584776"/>
+          </a:xfrm>
+          <a:prstGeom prst="rect">
+            <a:avLst/>
+          </a:prstGeom>
+        </p:spPr>
+        <p:txBody>
+          <a:bodyPr vert="horz" lIns="91440" tIns="45720" rIns="91440" bIns="45720" rtlCol="0" anchor="ctr">
+            <a:noAutofit/>
+          </a:bodyPr>
+          <a:lstStyle/>
+          <a:p>
+            <a:pPr lvl="0"/>
+            <a:r>
+              <a:rPr lang="en-US" sz="8000" baseline="0" dirty="0">
+                <a:ln w="3175" cmpd="sng">
+                  <a:noFill/>
+                </a:ln>
+                <a:solidFill>
+                  <a:schemeClr val="accent1">
+                    <a:lumMod val="60000"/>
+                    <a:lumOff val="40000"/>
+                  </a:schemeClr>
+                </a:solidFill>
+                <a:latin typeface="Arial"/>
+              </a:rPr>
+              <a:t>”</a:t>
+            </a:r>
+            <a:endParaRPr lang="en-US" dirty="0">
+              <a:solidFill>
+                <a:schemeClr val="accent1">
+                  <a:lumMod val="60000"/>
+                  <a:lumOff val="40000"/>
+                </a:schemeClr>
+              </a:solidFill>
+              <a:latin typeface="Arial"/>
+            </a:endParaRPr>
+          </a:p>
+        </p:txBody>
+      </p:sp>
+    </p:spTree>
+    <p:extLst>
+      <p:ext uri="{BB962C8B-B14F-4D97-AF65-F5344CB8AC3E}">
+        <p14:creationId xmlns:p14="http://schemas.microsoft.com/office/powerpoint/2010/main" val="198342151"/>
+      </p:ext>
+    </p:extLst>
+  </p:cSld>
+  <p:clrMapOvr>
+    <a:masterClrMapping/>
+  </p:clrMapOvr>
+</p:sldLayout>
+</file>
+
+<file path=ppt/slideLayouts/slideLayout12.xml><?xml version="1.0" encoding="utf-8"?>
+<p:sldLayout xmlns:a="http://schemas.openxmlformats.org/drawingml/2006/main" xmlns:r="http://schemas.openxmlformats.org/officeDocument/2006/relationships" xmlns:p="http://schemas.openxmlformats.org/presentationml/2006/main" preserve="1">
+  <p:cSld name="Namenskarte">
+    <p:spTree>
+      <p:nvGrpSpPr>
+        <p:cNvPr id="1" name=""/>
+        <p:cNvGrpSpPr/>
+        <p:nvPr/>
+      </p:nvGrpSpPr>
+      <p:grpSpPr>
+        <a:xfrm>
+          <a:off x="0" y="0"/>
+          <a:ext cx="0" cy="0"/>
+          <a:chOff x="0" y="0"/>
+          <a:chExt cx="0" cy="0"/>
+        </a:xfrm>
+      </p:grpSpPr>
+      <p:sp>
+        <p:nvSpPr>
+          <p:cNvPr id="2" name="Title 1"/>
+          <p:cNvSpPr>
+            <a:spLocks noGrp="1"/>
+          </p:cNvSpPr>
+          <p:nvPr>
+            <p:ph type="title"/>
+          </p:nvPr>
+        </p:nvSpPr>
+        <p:spPr>
+          <a:xfrm>
+            <a:off x="677335" y="1931988"/>
+            <a:ext cx="8596668" cy="2595460"/>
+          </a:xfrm>
+        </p:spPr>
+        <p:txBody>
+          <a:bodyPr anchor="b">
+            <a:normAutofit/>
+          </a:bodyPr>
+          <a:lstStyle>
+            <a:lvl1pPr algn="l">
+              <a:defRPr sz="4400" b="0" cap="none"/>
+            </a:lvl1pPr>
+          </a:lstStyle>
+          <a:p>
+            <a:r>
+              <a:rPr lang="de-DE"/>
+              <a:t>Mastertitelformat bearbeiten</a:t>
+            </a:r>
+            <a:endParaRPr lang="en-US" dirty="0"/>
+          </a:p>
+        </p:txBody>
+      </p:sp>
+      <p:sp>
+        <p:nvSpPr>
+          <p:cNvPr id="3" name="Text Placeholder 2"/>
+          <p:cNvSpPr>
+            <a:spLocks noGrp="1"/>
+          </p:cNvSpPr>
+          <p:nvPr>
+            <p:ph type="body" idx="1"/>
+          </p:nvPr>
+        </p:nvSpPr>
+        <p:spPr>
+          <a:xfrm>
+            <a:off x="677335" y="4527448"/>
+            <a:ext cx="8596668" cy="1513914"/>
+          </a:xfrm>
+        </p:spPr>
+        <p:txBody>
+          <a:bodyPr anchor="t">
+            <a:normAutofit/>
+          </a:bodyPr>
+          <a:lstStyle>
+            <a:lvl1pPr marL="0" indent="0" algn="l">
+              <a:buNone/>
+              <a:defRPr sz="1800">
+                <a:solidFill>
+                  <a:schemeClr val="tx1">
+                    <a:lumMod val="75000"/>
+                    <a:lumOff val="25000"/>
+                  </a:schemeClr>
+                </a:solidFill>
+              </a:defRPr>
+            </a:lvl1pPr>
+            <a:lvl2pPr marL="457200" indent="0">
+              <a:buNone/>
+              <a:defRPr sz="1800">
+                <a:solidFill>
+                  <a:schemeClr val="tx1">
+                    <a:tint val="75000"/>
+                  </a:schemeClr>
+                </a:solidFill>
+              </a:defRPr>
+            </a:lvl2pPr>
+            <a:lvl3pPr marL="914400" indent="0">
+              <a:buNone/>
+              <a:defRPr sz="1600">
+                <a:solidFill>
+                  <a:schemeClr val="tx1">
+                    <a:tint val="75000"/>
+                  </a:schemeClr>
+                </a:solidFill>
+              </a:defRPr>
+            </a:lvl3pPr>
+            <a:lvl4pPr marL="1371600" indent="0">
+              <a:buNone/>
+              <a:defRPr sz="1400">
+                <a:solidFill>
+                  <a:schemeClr val="tx1">
+                    <a:tint val="75000"/>
+                  </a:schemeClr>
+                </a:solidFill>
+              </a:defRPr>
+            </a:lvl4pPr>
+            <a:lvl5pPr marL="1828800" indent="0">
+              <a:buNone/>
+              <a:defRPr sz="1400">
+                <a:solidFill>
+                  <a:schemeClr val="tx1">
+                    <a:tint val="75000"/>
+                  </a:schemeClr>
+                </a:solidFill>
+              </a:defRPr>
+            </a:lvl5pPr>
+            <a:lvl6pPr marL="2286000" indent="0">
+              <a:buNone/>
+              <a:defRPr sz="1400">
+                <a:solidFill>
+                  <a:schemeClr val="tx1">
+                    <a:tint val="75000"/>
+                  </a:schemeClr>
+                </a:solidFill>
+              </a:defRPr>
+            </a:lvl6pPr>
+            <a:lvl7pPr marL="2743200" indent="0">
+              <a:buNone/>
+              <a:defRPr sz="1400">
+                <a:solidFill>
+                  <a:schemeClr val="tx1">
+                    <a:tint val="75000"/>
+                  </a:schemeClr>
+                </a:solidFill>
+              </a:defRPr>
+            </a:lvl7pPr>
+            <a:lvl8pPr marL="3200400" indent="0">
+              <a:buNone/>
+              <a:defRPr sz="1400">
+                <a:solidFill>
+                  <a:schemeClr val="tx1">
+                    <a:tint val="75000"/>
+                  </a:schemeClr>
+                </a:solidFill>
+              </a:defRPr>
+            </a:lvl8pPr>
+            <a:lvl9pPr marL="3657600" indent="0">
+              <a:buNone/>
+              <a:defRPr sz="1400">
+                <a:solidFill>
+                  <a:schemeClr val="tx1">
+                    <a:tint val="75000"/>
+                  </a:schemeClr>
+                </a:solidFill>
+              </a:defRPr>
+            </a:lvl9pPr>
+          </a:lstStyle>
+          <a:p>
+            <a:pPr lvl="0"/>
+            <a:r>
+              <a:rPr lang="de-DE"/>
+              <a:t>Mastertextformat bearbeiten</a:t>
+            </a:r>
+          </a:p>
+        </p:txBody>
+      </p:sp>
+      <p:sp>
+        <p:nvSpPr>
+          <p:cNvPr id="4" name="Date Placeholder 3"/>
+          <p:cNvSpPr>
+            <a:spLocks noGrp="1"/>
+          </p:cNvSpPr>
+          <p:nvPr>
+            <p:ph type="dt" sz="half" idx="10"/>
+          </p:nvPr>
+        </p:nvSpPr>
+        <p:spPr/>
+        <p:txBody>
+          <a:bodyPr/>
+          <a:lstStyle/>
+          <a:p>
+            <a:fld id="{83AB6A7A-760E-487F-B824-C8AF509EACC5}" type="datetimeFigureOut">
+              <a:rPr lang="de-DE" smtClean="0"/>
+              <a:t>12.06.2025</a:t>
+            </a:fld>
+            <a:endParaRPr lang="de-DE"/>
+          </a:p>
+        </p:txBody>
+      </p:sp>
+      <p:sp>
+        <p:nvSpPr>
+          <p:cNvPr id="5" name="Footer Placeholder 4"/>
+          <p:cNvSpPr>
+            <a:spLocks noGrp="1"/>
+          </p:cNvSpPr>
+          <p:nvPr>
+            <p:ph type="ftr" sz="quarter" idx="11"/>
+          </p:nvPr>
+        </p:nvSpPr>
+        <p:spPr/>
+        <p:txBody>
+          <a:bodyPr/>
+          <a:lstStyle/>
+          <a:p>
+            <a:endParaRPr lang="de-DE"/>
+          </a:p>
+        </p:txBody>
+      </p:sp>
+      <p:sp>
+        <p:nvSpPr>
+          <p:cNvPr id="6" name="Slide Number Placeholder 5"/>
+          <p:cNvSpPr>
+            <a:spLocks noGrp="1"/>
+          </p:cNvSpPr>
+          <p:nvPr>
+            <p:ph type="sldNum" sz="quarter" idx="12"/>
+          </p:nvPr>
+        </p:nvSpPr>
+        <p:spPr/>
+        <p:txBody>
+          <a:bodyPr/>
+          <a:lstStyle/>
+          <a:p>
+            <a:fld id="{8101D1D9-AD58-41E5-B572-7B1DDD62E7B4}" type="slidenum">
+              <a:rPr lang="de-DE" smtClean="0"/>
+              <a:t>‹Nr.›</a:t>
+            </a:fld>
+            <a:endParaRPr lang="de-DE"/>
+          </a:p>
+        </p:txBody>
+      </p:sp>
+    </p:spTree>
+    <p:extLst>
+      <p:ext uri="{BB962C8B-B14F-4D97-AF65-F5344CB8AC3E}">
+        <p14:creationId xmlns:p14="http://schemas.microsoft.com/office/powerpoint/2010/main" val="2699991076"/>
+      </p:ext>
+    </p:extLst>
+  </p:cSld>
+  <p:clrMapOvr>
+    <a:masterClrMapping/>
+  </p:clrMapOvr>
+</p:sldLayout>
+</file>
+
+<file path=ppt/slideLayouts/slideLayout13.xml><?xml version="1.0" encoding="utf-8"?>
+<p:sldLayout xmlns:a="http://schemas.openxmlformats.org/drawingml/2006/main" xmlns:r="http://schemas.openxmlformats.org/officeDocument/2006/relationships" xmlns:p="http://schemas.openxmlformats.org/presentationml/2006/main" preserve="1">
+  <p:cSld name="Namenskarte für Zitat">
+    <p:spTree>
+      <p:nvGrpSpPr>
+        <p:cNvPr id="1" name=""/>
+        <p:cNvGrpSpPr/>
+        <p:nvPr/>
+      </p:nvGrpSpPr>
+      <p:grpSpPr>
+        <a:xfrm>
+          <a:off x="0" y="0"/>
+          <a:ext cx="0" cy="0"/>
+          <a:chOff x="0" y="0"/>
+          <a:chExt cx="0" cy="0"/>
+        </a:xfrm>
+      </p:grpSpPr>
+      <p:sp>
+        <p:nvSpPr>
+          <p:cNvPr id="2" name="Title 1"/>
+          <p:cNvSpPr>
+            <a:spLocks noGrp="1"/>
+          </p:cNvSpPr>
+          <p:nvPr>
+            <p:ph type="title"/>
+          </p:nvPr>
+        </p:nvSpPr>
+        <p:spPr>
+          <a:xfrm>
+            <a:off x="931334" y="609600"/>
+            <a:ext cx="8094134" cy="3022600"/>
+          </a:xfrm>
+        </p:spPr>
+        <p:txBody>
+          <a:bodyPr anchor="ctr">
+            <a:normAutofit/>
+          </a:bodyPr>
+          <a:lstStyle>
+            <a:lvl1pPr algn="l">
+              <a:defRPr sz="4400" b="0" cap="none"/>
+            </a:lvl1pPr>
+          </a:lstStyle>
+          <a:p>
+            <a:r>
+              <a:rPr lang="de-DE"/>
+              <a:t>Mastertitelformat bearbeiten</a:t>
+            </a:r>
+            <a:endParaRPr lang="en-US" dirty="0"/>
+          </a:p>
+        </p:txBody>
+      </p:sp>
+      <p:sp>
+        <p:nvSpPr>
+          <p:cNvPr id="23" name="Text Placeholder 9"/>
+          <p:cNvSpPr>
+            <a:spLocks noGrp="1"/>
+          </p:cNvSpPr>
+          <p:nvPr>
+            <p:ph type="body" sz="quarter" idx="13"/>
+          </p:nvPr>
+        </p:nvSpPr>
+        <p:spPr>
+          <a:xfrm>
+            <a:off x="677332" y="4013200"/>
+            <a:ext cx="8596669" cy="514248"/>
+          </a:xfrm>
+        </p:spPr>
+        <p:txBody>
+          <a:bodyPr anchor="b">
+            <a:noAutofit/>
+          </a:bodyPr>
+          <a:lstStyle>
+            <a:lvl1pPr marL="0" indent="0">
+              <a:buFontTx/>
+              <a:buNone/>
+              <a:defRPr sz="2400">
+                <a:solidFill>
+                  <a:schemeClr val="tx1">
+                    <a:lumMod val="75000"/>
+                    <a:lumOff val="25000"/>
+                  </a:schemeClr>
+                </a:solidFill>
+              </a:defRPr>
+            </a:lvl1pPr>
+            <a:lvl2pPr marL="457200" indent="0">
+              <a:buFontTx/>
+              <a:buNone/>
+              <a:defRPr/>
+            </a:lvl2pPr>
+            <a:lvl3pPr marL="914400" indent="0">
+              <a:buFontTx/>
+              <a:buNone/>
+              <a:defRPr/>
+            </a:lvl3pPr>
+            <a:lvl4pPr marL="1371600" indent="0">
+              <a:buFontTx/>
+              <a:buNone/>
+              <a:defRPr/>
+            </a:lvl4pPr>
+            <a:lvl5pPr marL="1828800" indent="0">
+              <a:buFontTx/>
+              <a:buNone/>
+              <a:defRPr/>
+            </a:lvl5pPr>
+          </a:lstStyle>
+          <a:p>
+            <a:pPr lvl="0"/>
+            <a:r>
+              <a:rPr lang="de-DE"/>
+              <a:t>Mastertextformat bearbeiten</a:t>
+            </a:r>
+          </a:p>
+        </p:txBody>
+      </p:sp>
+      <p:sp>
+        <p:nvSpPr>
+          <p:cNvPr id="3" name="Text Placeholder 2"/>
+          <p:cNvSpPr>
+            <a:spLocks noGrp="1"/>
+          </p:cNvSpPr>
+          <p:nvPr>
+            <p:ph type="body" idx="1"/>
+          </p:nvPr>
+        </p:nvSpPr>
+        <p:spPr>
+          <a:xfrm>
+            <a:off x="677335" y="4527448"/>
+            <a:ext cx="8596668" cy="1513914"/>
+          </a:xfrm>
+        </p:spPr>
+        <p:txBody>
+          <a:bodyPr anchor="t">
+            <a:normAutofit/>
+          </a:bodyPr>
+          <a:lstStyle>
+            <a:lvl1pPr marL="0" indent="0" algn="l">
+              <a:buNone/>
+              <a:defRPr sz="1800">
+                <a:solidFill>
+                  <a:schemeClr val="tx1">
+                    <a:lumMod val="50000"/>
+                    <a:lumOff val="50000"/>
+                  </a:schemeClr>
+                </a:solidFill>
+              </a:defRPr>
+            </a:lvl1pPr>
+            <a:lvl2pPr marL="457200" indent="0">
+              <a:buNone/>
+              <a:defRPr sz="1800">
+                <a:solidFill>
+                  <a:schemeClr val="tx1">
+                    <a:tint val="75000"/>
+                  </a:schemeClr>
+                </a:solidFill>
+              </a:defRPr>
+            </a:lvl2pPr>
+            <a:lvl3pPr marL="914400" indent="0">
+              <a:buNone/>
+              <a:defRPr sz="1600">
+                <a:solidFill>
+                  <a:schemeClr val="tx1">
+                    <a:tint val="75000"/>
+                  </a:schemeClr>
+                </a:solidFill>
+              </a:defRPr>
+            </a:lvl3pPr>
+            <a:lvl4pPr marL="1371600" indent="0">
+              <a:buNone/>
+              <a:defRPr sz="1400">
+                <a:solidFill>
+                  <a:schemeClr val="tx1">
+                    <a:tint val="75000"/>
+                  </a:schemeClr>
+                </a:solidFill>
+              </a:defRPr>
+            </a:lvl4pPr>
+            <a:lvl5pPr marL="1828800" indent="0">
+              <a:buNone/>
+              <a:defRPr sz="1400">
+                <a:solidFill>
+                  <a:schemeClr val="tx1">
+                    <a:tint val="75000"/>
+                  </a:schemeClr>
+                </a:solidFill>
+              </a:defRPr>
+            </a:lvl5pPr>
+            <a:lvl6pPr marL="2286000" indent="0">
+              <a:buNone/>
+              <a:defRPr sz="1400">
+                <a:solidFill>
+                  <a:schemeClr val="tx1">
+                    <a:tint val="75000"/>
+                  </a:schemeClr>
+                </a:solidFill>
+              </a:defRPr>
+            </a:lvl6pPr>
+            <a:lvl7pPr marL="2743200" indent="0">
+              <a:buNone/>
+              <a:defRPr sz="1400">
+                <a:solidFill>
+                  <a:schemeClr val="tx1">
+                    <a:tint val="75000"/>
+                  </a:schemeClr>
+                </a:solidFill>
+              </a:defRPr>
+            </a:lvl7pPr>
+            <a:lvl8pPr marL="3200400" indent="0">
+              <a:buNone/>
+              <a:defRPr sz="1400">
+                <a:solidFill>
+                  <a:schemeClr val="tx1">
+                    <a:tint val="75000"/>
+                  </a:schemeClr>
+                </a:solidFill>
+              </a:defRPr>
+            </a:lvl8pPr>
+            <a:lvl9pPr marL="3657600" indent="0">
+              <a:buNone/>
+              <a:defRPr sz="1400">
+                <a:solidFill>
+                  <a:schemeClr val="tx1">
+                    <a:tint val="75000"/>
+                  </a:schemeClr>
+                </a:solidFill>
+              </a:defRPr>
+            </a:lvl9pPr>
+          </a:lstStyle>
+          <a:p>
+            <a:pPr lvl="0"/>
+            <a:r>
+              <a:rPr lang="de-DE"/>
+              <a:t>Mastertextformat bearbeiten</a:t>
+            </a:r>
+          </a:p>
+        </p:txBody>
+      </p:sp>
+      <p:sp>
+        <p:nvSpPr>
+          <p:cNvPr id="4" name="Date Placeholder 3"/>
+          <p:cNvSpPr>
+            <a:spLocks noGrp="1"/>
+          </p:cNvSpPr>
+          <p:nvPr>
+            <p:ph type="dt" sz="half" idx="10"/>
+          </p:nvPr>
+        </p:nvSpPr>
+        <p:spPr/>
+        <p:txBody>
+          <a:bodyPr/>
+          <a:lstStyle/>
+          <a:p>
+            <a:fld id="{83AB6A7A-760E-487F-B824-C8AF509EACC5}" type="datetimeFigureOut">
+              <a:rPr lang="de-DE" smtClean="0"/>
+              <a:t>12.06.2025</a:t>
+            </a:fld>
+            <a:endParaRPr lang="de-DE"/>
+          </a:p>
+        </p:txBody>
+      </p:sp>
+      <p:sp>
+        <p:nvSpPr>
+          <p:cNvPr id="5" name="Footer Placeholder 4"/>
+          <p:cNvSpPr>
+            <a:spLocks noGrp="1"/>
+          </p:cNvSpPr>
+          <p:nvPr>
+            <p:ph type="ftr" sz="quarter" idx="11"/>
+          </p:nvPr>
+        </p:nvSpPr>
+        <p:spPr/>
+        <p:txBody>
+          <a:bodyPr/>
+          <a:lstStyle/>
+          <a:p>
+            <a:endParaRPr lang="de-DE"/>
+          </a:p>
+        </p:txBody>
+      </p:sp>
+      <p:sp>
+        <p:nvSpPr>
+          <p:cNvPr id="6" name="Slide Number Placeholder 5"/>
+          <p:cNvSpPr>
+            <a:spLocks noGrp="1"/>
+          </p:cNvSpPr>
+          <p:nvPr>
+            <p:ph type="sldNum" sz="quarter" idx="12"/>
+          </p:nvPr>
+        </p:nvSpPr>
+        <p:spPr/>
+        <p:txBody>
+          <a:bodyPr/>
+          <a:lstStyle/>
+          <a:p>
+            <a:fld id="{8101D1D9-AD58-41E5-B572-7B1DDD62E7B4}" type="slidenum">
+              <a:rPr lang="de-DE" smtClean="0"/>
+              <a:t>‹Nr.›</a:t>
+            </a:fld>
+            <a:endParaRPr lang="de-DE"/>
+          </a:p>
+        </p:txBody>
+      </p:sp>
+      <p:sp>
+        <p:nvSpPr>
+          <p:cNvPr id="24" name="TextBox 23"/>
+          <p:cNvSpPr txBox="1"/>
+          <p:nvPr/>
+        </p:nvSpPr>
+        <p:spPr>
+          <a:xfrm>
+            <a:off x="541870" y="790378"/>
+            <a:ext cx="609600" cy="584776"/>
+          </a:xfrm>
+          <a:prstGeom prst="rect">
+            <a:avLst/>
+          </a:prstGeom>
+        </p:spPr>
+        <p:txBody>
+          <a:bodyPr vert="horz" lIns="91440" tIns="45720" rIns="91440" bIns="45720" rtlCol="0" anchor="ctr">
+            <a:noAutofit/>
+          </a:bodyPr>
+          <a:lstStyle/>
+          <a:p>
+            <a:pPr lvl="0"/>
+            <a:r>
+              <a:rPr lang="en-US" sz="8000" baseline="0" dirty="0">
+                <a:ln w="3175" cmpd="sng">
+                  <a:noFill/>
+                </a:ln>
+                <a:solidFill>
+                  <a:schemeClr val="accent1">
+                    <a:lumMod val="60000"/>
+                    <a:lumOff val="40000"/>
+                  </a:schemeClr>
+                </a:solidFill>
+                <a:effectLst/>
+                <a:latin typeface="Arial"/>
+              </a:rPr>
+              <a:t>“</a:t>
+            </a:r>
+          </a:p>
+        </p:txBody>
+      </p:sp>
+      <p:sp>
+        <p:nvSpPr>
+          <p:cNvPr id="25" name="TextBox 24"/>
+          <p:cNvSpPr txBox="1"/>
+          <p:nvPr/>
+        </p:nvSpPr>
+        <p:spPr>
+          <a:xfrm>
+            <a:off x="8893011" y="2886556"/>
+            <a:ext cx="609600" cy="584776"/>
+          </a:xfrm>
+          <a:prstGeom prst="rect">
+            <a:avLst/>
+          </a:prstGeom>
+        </p:spPr>
+        <p:txBody>
+          <a:bodyPr vert="horz" lIns="91440" tIns="45720" rIns="91440" bIns="45720" rtlCol="0" anchor="ctr">
+            <a:noAutofit/>
+          </a:bodyPr>
+          <a:lstStyle/>
+          <a:p>
+            <a:pPr lvl="0"/>
+            <a:r>
+              <a:rPr lang="en-US" sz="8000" baseline="0" dirty="0">
+                <a:ln w="3175" cmpd="sng">
+                  <a:noFill/>
+                </a:ln>
+                <a:solidFill>
+                  <a:schemeClr val="accent1">
+                    <a:lumMod val="60000"/>
+                    <a:lumOff val="40000"/>
+                  </a:schemeClr>
+                </a:solidFill>
+                <a:effectLst/>
+                <a:latin typeface="Arial"/>
+              </a:rPr>
+              <a:t>”</a:t>
+            </a:r>
+          </a:p>
+        </p:txBody>
+      </p:sp>
+    </p:spTree>
+    <p:extLst>
+      <p:ext uri="{BB962C8B-B14F-4D97-AF65-F5344CB8AC3E}">
+        <p14:creationId xmlns:p14="http://schemas.microsoft.com/office/powerpoint/2010/main" val="3618000348"/>
+      </p:ext>
+    </p:extLst>
+  </p:cSld>
+  <p:clrMapOvr>
+    <a:masterClrMapping/>
+  </p:clrMapOvr>
+</p:sldLayout>
+</file>
+
+<file path=ppt/slideLayouts/slideLayout14.xml><?xml version="1.0" encoding="utf-8"?>
+<p:sldLayout xmlns:a="http://schemas.openxmlformats.org/drawingml/2006/main" xmlns:r="http://schemas.openxmlformats.org/officeDocument/2006/relationships" xmlns:p="http://schemas.openxmlformats.org/presentationml/2006/main" preserve="1">
+  <p:cSld name="Wahr oder Falsch">
+    <p:spTree>
+      <p:nvGrpSpPr>
+        <p:cNvPr id="1" name=""/>
+        <p:cNvGrpSpPr/>
+        <p:nvPr/>
+      </p:nvGrpSpPr>
+      <p:grpSpPr>
+        <a:xfrm>
+          <a:off x="0" y="0"/>
+          <a:ext cx="0" cy="0"/>
+          <a:chOff x="0" y="0"/>
+          <a:chExt cx="0" cy="0"/>
+        </a:xfrm>
+      </p:grpSpPr>
+      <p:sp>
+        <p:nvSpPr>
+          <p:cNvPr id="2" name="Title 1"/>
+          <p:cNvSpPr>
+            <a:spLocks noGrp="1"/>
+          </p:cNvSpPr>
+          <p:nvPr>
+            <p:ph type="title"/>
+          </p:nvPr>
+        </p:nvSpPr>
+        <p:spPr>
+          <a:xfrm>
+            <a:off x="685799" y="609600"/>
+            <a:ext cx="8588203" cy="3022600"/>
+          </a:xfrm>
+        </p:spPr>
+        <p:txBody>
+          <a:bodyPr anchor="ctr">
+            <a:normAutofit/>
+          </a:bodyPr>
+          <a:lstStyle>
+            <a:lvl1pPr algn="l">
+              <a:defRPr sz="4400" b="0" cap="none"/>
+            </a:lvl1pPr>
+          </a:lstStyle>
+          <a:p>
+            <a:r>
+              <a:rPr lang="de-DE"/>
+              <a:t>Mastertitelformat bearbeiten</a:t>
+            </a:r>
+            <a:endParaRPr lang="en-US" dirty="0"/>
+          </a:p>
+        </p:txBody>
+      </p:sp>
+      <p:sp>
+        <p:nvSpPr>
+          <p:cNvPr id="23" name="Text Placeholder 9"/>
+          <p:cNvSpPr>
+            <a:spLocks noGrp="1"/>
+          </p:cNvSpPr>
+          <p:nvPr>
+            <p:ph type="body" sz="quarter" idx="13"/>
+          </p:nvPr>
+        </p:nvSpPr>
+        <p:spPr>
+          <a:xfrm>
+            <a:off x="677332" y="4013200"/>
+            <a:ext cx="8596669" cy="514248"/>
+          </a:xfrm>
+        </p:spPr>
+        <p:txBody>
+          <a:bodyPr anchor="b">
+            <a:noAutofit/>
+          </a:bodyPr>
+          <a:lstStyle>
+            <a:lvl1pPr marL="0" indent="0">
+              <a:buFontTx/>
+              <a:buNone/>
+              <a:defRPr sz="2400">
+                <a:solidFill>
+                  <a:schemeClr val="accent1"/>
+                </a:solidFill>
+              </a:defRPr>
+            </a:lvl1pPr>
+            <a:lvl2pPr marL="457200" indent="0">
+              <a:buFontTx/>
+              <a:buNone/>
+              <a:defRPr/>
+            </a:lvl2pPr>
+            <a:lvl3pPr marL="914400" indent="0">
+              <a:buFontTx/>
+              <a:buNone/>
+              <a:defRPr/>
+            </a:lvl3pPr>
+            <a:lvl4pPr marL="1371600" indent="0">
+              <a:buFontTx/>
+              <a:buNone/>
+              <a:defRPr/>
+            </a:lvl4pPr>
+            <a:lvl5pPr marL="1828800" indent="0">
+              <a:buFontTx/>
+              <a:buNone/>
+              <a:defRPr/>
+            </a:lvl5pPr>
+          </a:lstStyle>
+          <a:p>
+            <a:pPr lvl="0"/>
+            <a:r>
+              <a:rPr lang="de-DE"/>
+              <a:t>Mastertextformat bearbeiten</a:t>
+            </a:r>
+          </a:p>
+        </p:txBody>
+      </p:sp>
+      <p:sp>
+        <p:nvSpPr>
+          <p:cNvPr id="3" name="Text Placeholder 2"/>
+          <p:cNvSpPr>
+            <a:spLocks noGrp="1"/>
+          </p:cNvSpPr>
+          <p:nvPr>
+            <p:ph type="body" idx="1"/>
+          </p:nvPr>
+        </p:nvSpPr>
+        <p:spPr>
+          <a:xfrm>
+            <a:off x="677335" y="4527448"/>
+            <a:ext cx="8596668" cy="1513914"/>
+          </a:xfrm>
+        </p:spPr>
+        <p:txBody>
+          <a:bodyPr anchor="t">
+            <a:normAutofit/>
+          </a:bodyPr>
+          <a:lstStyle>
+            <a:lvl1pPr marL="0" indent="0" algn="l">
+              <a:buNone/>
+              <a:defRPr sz="1800">
+                <a:solidFill>
+                  <a:schemeClr val="tx1">
+                    <a:lumMod val="50000"/>
+                    <a:lumOff val="50000"/>
+                  </a:schemeClr>
+                </a:solidFill>
+              </a:defRPr>
+            </a:lvl1pPr>
+            <a:lvl2pPr marL="457200" indent="0">
+              <a:buNone/>
+              <a:defRPr sz="1800">
+                <a:solidFill>
+                  <a:schemeClr val="tx1">
+                    <a:tint val="75000"/>
+                  </a:schemeClr>
+                </a:solidFill>
+              </a:defRPr>
+            </a:lvl2pPr>
+            <a:lvl3pPr marL="914400" indent="0">
+              <a:buNone/>
+              <a:defRPr sz="1600">
+                <a:solidFill>
+                  <a:schemeClr val="tx1">
+                    <a:tint val="75000"/>
+                  </a:schemeClr>
+                </a:solidFill>
+              </a:defRPr>
+            </a:lvl3pPr>
+            <a:lvl4pPr marL="1371600" indent="0">
+              <a:buNone/>
+              <a:defRPr sz="1400">
+                <a:solidFill>
+                  <a:schemeClr val="tx1">
+                    <a:tint val="75000"/>
+                  </a:schemeClr>
+                </a:solidFill>
+              </a:defRPr>
+            </a:lvl4pPr>
+            <a:lvl5pPr marL="1828800" indent="0">
+              <a:buNone/>
+              <a:defRPr sz="1400">
+                <a:solidFill>
+                  <a:schemeClr val="tx1">
+                    <a:tint val="75000"/>
+                  </a:schemeClr>
+                </a:solidFill>
+              </a:defRPr>
+            </a:lvl5pPr>
+            <a:lvl6pPr marL="2286000" indent="0">
+              <a:buNone/>
+              <a:defRPr sz="1400">
+                <a:solidFill>
+                  <a:schemeClr val="tx1">
+                    <a:tint val="75000"/>
+                  </a:schemeClr>
+                </a:solidFill>
+              </a:defRPr>
+            </a:lvl6pPr>
+            <a:lvl7pPr marL="2743200" indent="0">
+              <a:buNone/>
+              <a:defRPr sz="1400">
+                <a:solidFill>
+                  <a:schemeClr val="tx1">
+                    <a:tint val="75000"/>
+                  </a:schemeClr>
+                </a:solidFill>
+              </a:defRPr>
+            </a:lvl7pPr>
+            <a:lvl8pPr marL="3200400" indent="0">
+              <a:buNone/>
+              <a:defRPr sz="1400">
+                <a:solidFill>
+                  <a:schemeClr val="tx1">
+                    <a:tint val="75000"/>
+                  </a:schemeClr>
+                </a:solidFill>
+              </a:defRPr>
+            </a:lvl8pPr>
+            <a:lvl9pPr marL="3657600" indent="0">
+              <a:buNone/>
+              <a:defRPr sz="1400">
+                <a:solidFill>
+                  <a:schemeClr val="tx1">
+                    <a:tint val="75000"/>
+                  </a:schemeClr>
+                </a:solidFill>
+              </a:defRPr>
+            </a:lvl9pPr>
+          </a:lstStyle>
+          <a:p>
+            <a:pPr lvl="0"/>
+            <a:r>
+              <a:rPr lang="de-DE"/>
+              <a:t>Mastertextformat bearbeiten</a:t>
+            </a:r>
+          </a:p>
+        </p:txBody>
+      </p:sp>
+      <p:sp>
+        <p:nvSpPr>
+          <p:cNvPr id="4" name="Date Placeholder 3"/>
+          <p:cNvSpPr>
+            <a:spLocks noGrp="1"/>
+          </p:cNvSpPr>
+          <p:nvPr>
+            <p:ph type="dt" sz="half" idx="10"/>
+          </p:nvPr>
+        </p:nvSpPr>
+        <p:spPr/>
+        <p:txBody>
+          <a:bodyPr/>
+          <a:lstStyle/>
+          <a:p>
+            <a:fld id="{83AB6A7A-760E-487F-B824-C8AF509EACC5}" type="datetimeFigureOut">
+              <a:rPr lang="de-DE" smtClean="0"/>
+              <a:t>12.06.2025</a:t>
+            </a:fld>
+            <a:endParaRPr lang="de-DE"/>
+          </a:p>
+        </p:txBody>
+      </p:sp>
+      <p:sp>
+        <p:nvSpPr>
+          <p:cNvPr id="5" name="Footer Placeholder 4"/>
+          <p:cNvSpPr>
+            <a:spLocks noGrp="1"/>
+          </p:cNvSpPr>
+          <p:nvPr>
+            <p:ph type="ftr" sz="quarter" idx="11"/>
+          </p:nvPr>
+        </p:nvSpPr>
+        <p:spPr/>
+        <p:txBody>
+          <a:bodyPr/>
+          <a:lstStyle/>
+          <a:p>
+            <a:endParaRPr lang="de-DE"/>
+          </a:p>
+        </p:txBody>
+      </p:sp>
+      <p:sp>
+        <p:nvSpPr>
+          <p:cNvPr id="6" name="Slide Number Placeholder 5"/>
+          <p:cNvSpPr>
+            <a:spLocks noGrp="1"/>
+          </p:cNvSpPr>
+          <p:nvPr>
+            <p:ph type="sldNum" sz="quarter" idx="12"/>
+          </p:nvPr>
+        </p:nvSpPr>
+        <p:spPr/>
+        <p:txBody>
+          <a:bodyPr/>
+          <a:lstStyle/>
+          <a:p>
+            <a:fld id="{8101D1D9-AD58-41E5-B572-7B1DDD62E7B4}" type="slidenum">
+              <a:rPr lang="de-DE" smtClean="0"/>
+              <a:t>‹Nr.›</a:t>
+            </a:fld>
+            <a:endParaRPr lang="de-DE"/>
+          </a:p>
+        </p:txBody>
+      </p:sp>
+    </p:spTree>
+    <p:extLst>
+      <p:ext uri="{BB962C8B-B14F-4D97-AF65-F5344CB8AC3E}">
+        <p14:creationId xmlns:p14="http://schemas.microsoft.com/office/powerpoint/2010/main" val="1916956963"/>
+      </p:ext>
+    </p:extLst>
+  </p:cSld>
+  <p:clrMapOvr>
+    <a:masterClrMapping/>
+  </p:clrMapOvr>
+</p:sldLayout>
+</file>
+
+<file path=ppt/slideLayouts/slideLayout15.xml><?xml version="1.0" encoding="utf-8"?>
 <p:sldLayout xmlns:a="http://schemas.openxmlformats.org/drawingml/2006/main" xmlns:r="http://schemas.openxmlformats.org/officeDocument/2006/relationships" xmlns:p="http://schemas.openxmlformats.org/presentationml/2006/main" type="vertTx" preserve="1">
   <p:cSld name="Titel und vertikaler Text">
     <p:spTree>
@@ -369,13 +2545,7 @@
       </p:grpSpPr>
       <p:sp>
         <p:nvSpPr>
-          <p:cNvPr id="2" name="Titel 1">
-            <a:extLst>
-              <a:ext uri="{FF2B5EF4-FFF2-40B4-BE49-F238E27FC236}">
-                <a16:creationId xmlns:a16="http://schemas.microsoft.com/office/drawing/2014/main" id="{1CF11906-FC51-FE6D-8B91-7F254071E2B4}"/>
-              </a:ext>
-            </a:extLst>
-          </p:cNvPr>
+          <p:cNvPr id="2" name="Title 1"/>
           <p:cNvSpPr>
             <a:spLocks noGrp="1"/>
           </p:cNvSpPr>
@@ -392,18 +2562,13 @@
               <a:rPr lang="de-DE"/>
               <a:t>Mastertitelformat bearbeiten</a:t>
             </a:r>
-          </a:p>
-        </p:txBody>
-      </p:sp>
-      <p:sp>
-        <p:nvSpPr>
-          <p:cNvPr id="3" name="Vertikaler Textplatzhalter 2">
-            <a:extLst>
-              <a:ext uri="{FF2B5EF4-FFF2-40B4-BE49-F238E27FC236}">
-                <a16:creationId xmlns:a16="http://schemas.microsoft.com/office/drawing/2014/main" id="{A6A636EF-E2D0-365B-37D1-A84859E1BA41}"/>
-              </a:ext>
-            </a:extLst>
-          </p:cNvPr>
+            <a:endParaRPr lang="en-US" dirty="0"/>
+          </a:p>
+        </p:txBody>
+      </p:sp>
+      <p:sp>
+        <p:nvSpPr>
+          <p:cNvPr id="3" name="Vertical Text Placeholder 2"/>
           <p:cNvSpPr>
             <a:spLocks noGrp="1"/>
           </p:cNvSpPr>
@@ -449,18 +2614,13 @@
               <a:rPr lang="de-DE"/>
               <a:t>Fünfte Ebene</a:t>
             </a:r>
-          </a:p>
-        </p:txBody>
-      </p:sp>
-      <p:sp>
-        <p:nvSpPr>
-          <p:cNvPr id="4" name="Datumsplatzhalter 3">
-            <a:extLst>
-              <a:ext uri="{FF2B5EF4-FFF2-40B4-BE49-F238E27FC236}">
-                <a16:creationId xmlns:a16="http://schemas.microsoft.com/office/drawing/2014/main" id="{9F6C3316-AC6C-B609-C8F3-F4A5E2B46BFE}"/>
-              </a:ext>
-            </a:extLst>
-          </p:cNvPr>
+            <a:endParaRPr lang="en-US" dirty="0"/>
+          </a:p>
+        </p:txBody>
+      </p:sp>
+      <p:sp>
+        <p:nvSpPr>
+          <p:cNvPr id="4" name="Date Placeholder 3"/>
           <p:cNvSpPr>
             <a:spLocks noGrp="1"/>
           </p:cNvSpPr>
@@ -475,7 +2635,7 @@
           <a:p>
             <a:fld id="{83AB6A7A-760E-487F-B824-C8AF509EACC5}" type="datetimeFigureOut">
               <a:rPr lang="de-DE" smtClean="0"/>
-              <a:t>11.06.2025</a:t>
+              <a:t>12.06.2025</a:t>
             </a:fld>
             <a:endParaRPr lang="de-DE"/>
           </a:p>
@@ -483,13 +2643,7 @@
       </p:sp>
       <p:sp>
         <p:nvSpPr>
-          <p:cNvPr id="5" name="Fußzeilenplatzhalter 4">
-            <a:extLst>
-              <a:ext uri="{FF2B5EF4-FFF2-40B4-BE49-F238E27FC236}">
-                <a16:creationId xmlns:a16="http://schemas.microsoft.com/office/drawing/2014/main" id="{6A23B369-DE1B-988C-21F2-6BC71A9044C7}"/>
-              </a:ext>
-            </a:extLst>
-          </p:cNvPr>
+          <p:cNvPr id="5" name="Footer Placeholder 4"/>
           <p:cNvSpPr>
             <a:spLocks noGrp="1"/>
           </p:cNvSpPr>
@@ -508,13 +2662,7 @@
       </p:sp>
       <p:sp>
         <p:nvSpPr>
-          <p:cNvPr id="6" name="Foliennummernplatzhalter 5">
-            <a:extLst>
-              <a:ext uri="{FF2B5EF4-FFF2-40B4-BE49-F238E27FC236}">
-                <a16:creationId xmlns:a16="http://schemas.microsoft.com/office/drawing/2014/main" id="{BB22899F-7B20-0E62-16DD-1DD93787CC56}"/>
-              </a:ext>
-            </a:extLst>
-          </p:cNvPr>
+          <p:cNvPr id="6" name="Slide Number Placeholder 5"/>
           <p:cNvSpPr>
             <a:spLocks noGrp="1"/>
           </p:cNvSpPr>
@@ -538,7 +2686,7 @@
     </p:spTree>
     <p:extLst>
       <p:ext uri="{BB962C8B-B14F-4D97-AF65-F5344CB8AC3E}">
-        <p14:creationId xmlns:p14="http://schemas.microsoft.com/office/powerpoint/2010/main" val="32089356"/>
+        <p14:creationId xmlns:p14="http://schemas.microsoft.com/office/powerpoint/2010/main" val="2446300093"/>
       </p:ext>
     </p:extLst>
   </p:cSld>
@@ -548,7 +2696,7 @@
 </p:sldLayout>
 </file>
 
-<file path=ppt/slideLayouts/slideLayout11.xml><?xml version="1.0" encoding="utf-8"?>
+<file path=ppt/slideLayouts/slideLayout16.xml><?xml version="1.0" encoding="utf-8"?>
 <p:sldLayout xmlns:a="http://schemas.openxmlformats.org/drawingml/2006/main" xmlns:r="http://schemas.openxmlformats.org/officeDocument/2006/relationships" xmlns:p="http://schemas.openxmlformats.org/presentationml/2006/main" type="vertTitleAndTx" preserve="1">
   <p:cSld name="Vertikaler Titel und Text">
     <p:spTree>
@@ -567,13 +2715,7 @@
       </p:grpSpPr>
       <p:sp>
         <p:nvSpPr>
-          <p:cNvPr id="2" name="Vertikaler Titel 1">
-            <a:extLst>
-              <a:ext uri="{FF2B5EF4-FFF2-40B4-BE49-F238E27FC236}">
-                <a16:creationId xmlns:a16="http://schemas.microsoft.com/office/drawing/2014/main" id="{ECC6DECE-8210-31C3-DC27-11E6DDB2CF7D}"/>
-              </a:ext>
-            </a:extLst>
-          </p:cNvPr>
+          <p:cNvPr id="2" name="Vertical Title 1"/>
           <p:cNvSpPr>
             <a:spLocks noGrp="1"/>
           </p:cNvSpPr>
@@ -583,30 +2725,25 @@
         </p:nvSpPr>
         <p:spPr>
           <a:xfrm>
-            <a:off x="8724900" y="365125"/>
-            <a:ext cx="2628900" cy="5811838"/>
+            <a:off x="7967673" y="609599"/>
+            <a:ext cx="1304743" cy="5251451"/>
           </a:xfrm>
         </p:spPr>
         <p:txBody>
-          <a:bodyPr vert="eaVert"/>
+          <a:bodyPr vert="eaVert" anchor="ctr"/>
           <a:lstStyle/>
           <a:p>
             <a:r>
               <a:rPr lang="de-DE"/>
               <a:t>Mastertitelformat bearbeiten</a:t>
             </a:r>
-          </a:p>
-        </p:txBody>
-      </p:sp>
-      <p:sp>
-        <p:nvSpPr>
-          <p:cNvPr id="3" name="Vertikaler Textplatzhalter 2">
-            <a:extLst>
-              <a:ext uri="{FF2B5EF4-FFF2-40B4-BE49-F238E27FC236}">
-                <a16:creationId xmlns:a16="http://schemas.microsoft.com/office/drawing/2014/main" id="{D3CE6D9E-E386-CDEC-DDE9-9D0ED1AA0628}"/>
-              </a:ext>
-            </a:extLst>
-          </p:cNvPr>
+            <a:endParaRPr lang="en-US" dirty="0"/>
+          </a:p>
+        </p:txBody>
+      </p:sp>
+      <p:sp>
+        <p:nvSpPr>
+          <p:cNvPr id="3" name="Vertical Text Placeholder 2"/>
           <p:cNvSpPr>
             <a:spLocks noGrp="1"/>
           </p:cNvSpPr>
@@ -616,8 +2753,8 @@
         </p:nvSpPr>
         <p:spPr>
           <a:xfrm>
-            <a:off x="838200" y="365125"/>
-            <a:ext cx="7734300" cy="5811838"/>
+            <a:off x="677335" y="609600"/>
+            <a:ext cx="7060150" cy="5251450"/>
           </a:xfrm>
         </p:spPr>
         <p:txBody>
@@ -657,18 +2794,13 @@
               <a:rPr lang="de-DE"/>
               <a:t>Fünfte Ebene</a:t>
             </a:r>
-          </a:p>
-        </p:txBody>
-      </p:sp>
-      <p:sp>
-        <p:nvSpPr>
-          <p:cNvPr id="4" name="Datumsplatzhalter 3">
-            <a:extLst>
-              <a:ext uri="{FF2B5EF4-FFF2-40B4-BE49-F238E27FC236}">
-                <a16:creationId xmlns:a16="http://schemas.microsoft.com/office/drawing/2014/main" id="{6453721E-CF5E-3C68-02F6-F072F8FF2C13}"/>
-              </a:ext>
-            </a:extLst>
-          </p:cNvPr>
+            <a:endParaRPr lang="en-US" dirty="0"/>
+          </a:p>
+        </p:txBody>
+      </p:sp>
+      <p:sp>
+        <p:nvSpPr>
+          <p:cNvPr id="4" name="Date Placeholder 3"/>
           <p:cNvSpPr>
             <a:spLocks noGrp="1"/>
           </p:cNvSpPr>
@@ -683,7 +2815,7 @@
           <a:p>
             <a:fld id="{83AB6A7A-760E-487F-B824-C8AF509EACC5}" type="datetimeFigureOut">
               <a:rPr lang="de-DE" smtClean="0"/>
-              <a:t>11.06.2025</a:t>
+              <a:t>12.06.2025</a:t>
             </a:fld>
             <a:endParaRPr lang="de-DE"/>
           </a:p>
@@ -691,13 +2823,7 @@
       </p:sp>
       <p:sp>
         <p:nvSpPr>
-          <p:cNvPr id="5" name="Fußzeilenplatzhalter 4">
-            <a:extLst>
-              <a:ext uri="{FF2B5EF4-FFF2-40B4-BE49-F238E27FC236}">
-                <a16:creationId xmlns:a16="http://schemas.microsoft.com/office/drawing/2014/main" id="{2FB63E10-1932-9B48-C0C1-3D5E14D36484}"/>
-              </a:ext>
-            </a:extLst>
-          </p:cNvPr>
+          <p:cNvPr id="5" name="Footer Placeholder 4"/>
           <p:cNvSpPr>
             <a:spLocks noGrp="1"/>
           </p:cNvSpPr>
@@ -716,13 +2842,7 @@
       </p:sp>
       <p:sp>
         <p:nvSpPr>
-          <p:cNvPr id="6" name="Foliennummernplatzhalter 5">
-            <a:extLst>
-              <a:ext uri="{FF2B5EF4-FFF2-40B4-BE49-F238E27FC236}">
-                <a16:creationId xmlns:a16="http://schemas.microsoft.com/office/drawing/2014/main" id="{7ACA2D77-82C0-51F1-1E46-FF1182F992C0}"/>
-              </a:ext>
-            </a:extLst>
-          </p:cNvPr>
+          <p:cNvPr id="6" name="Slide Number Placeholder 5"/>
           <p:cNvSpPr>
             <a:spLocks noGrp="1"/>
           </p:cNvSpPr>
@@ -746,7 +2866,7 @@
     </p:spTree>
     <p:extLst>
       <p:ext uri="{BB962C8B-B14F-4D97-AF65-F5344CB8AC3E}">
-        <p14:creationId xmlns:p14="http://schemas.microsoft.com/office/powerpoint/2010/main" val="1833545788"/>
+        <p14:creationId xmlns:p14="http://schemas.microsoft.com/office/powerpoint/2010/main" val="2033371967"/>
       </p:ext>
     </p:extLst>
   </p:cSld>
@@ -775,13 +2895,7 @@
       </p:grpSpPr>
       <p:sp>
         <p:nvSpPr>
-          <p:cNvPr id="2" name="Titel 1">
-            <a:extLst>
-              <a:ext uri="{FF2B5EF4-FFF2-40B4-BE49-F238E27FC236}">
-                <a16:creationId xmlns:a16="http://schemas.microsoft.com/office/drawing/2014/main" id="{C8FDA427-D81A-AC41-B534-A2E0D9830F97}"/>
-              </a:ext>
-            </a:extLst>
-          </p:cNvPr>
+          <p:cNvPr id="2" name="Title 1"/>
           <p:cNvSpPr>
             <a:spLocks noGrp="1"/>
           </p:cNvSpPr>
@@ -791,25 +2905,26 @@
         </p:nvSpPr>
         <p:spPr/>
         <p:txBody>
-          <a:bodyPr/>
-          <a:lstStyle/>
+          <a:bodyPr>
+            <a:normAutofit/>
+          </a:bodyPr>
+          <a:lstStyle>
+            <a:lvl1pPr>
+              <a:defRPr sz="3600"/>
+            </a:lvl1pPr>
+          </a:lstStyle>
           <a:p>
             <a:r>
               <a:rPr lang="de-DE"/>
               <a:t>Mastertitelformat bearbeiten</a:t>
             </a:r>
-          </a:p>
-        </p:txBody>
-      </p:sp>
-      <p:sp>
-        <p:nvSpPr>
-          <p:cNvPr id="3" name="Inhaltsplatzhalter 2">
-            <a:extLst>
-              <a:ext uri="{FF2B5EF4-FFF2-40B4-BE49-F238E27FC236}">
-                <a16:creationId xmlns:a16="http://schemas.microsoft.com/office/drawing/2014/main" id="{59A10F9B-BC8D-7B43-1F37-DFCDA439D57C}"/>
-              </a:ext>
-            </a:extLst>
-          </p:cNvPr>
+            <a:endParaRPr lang="en-US" dirty="0"/>
+          </a:p>
+        </p:txBody>
+      </p:sp>
+      <p:sp>
+        <p:nvSpPr>
+          <p:cNvPr id="3" name="Content Placeholder 2"/>
           <p:cNvSpPr>
             <a:spLocks noGrp="1"/>
           </p:cNvSpPr>
@@ -855,18 +2970,13 @@
               <a:rPr lang="de-DE"/>
               <a:t>Fünfte Ebene</a:t>
             </a:r>
-          </a:p>
-        </p:txBody>
-      </p:sp>
-      <p:sp>
-        <p:nvSpPr>
-          <p:cNvPr id="4" name="Datumsplatzhalter 3">
-            <a:extLst>
-              <a:ext uri="{FF2B5EF4-FFF2-40B4-BE49-F238E27FC236}">
-                <a16:creationId xmlns:a16="http://schemas.microsoft.com/office/drawing/2014/main" id="{74838729-9244-C910-EF88-B34AB257F133}"/>
-              </a:ext>
-            </a:extLst>
-          </p:cNvPr>
+            <a:endParaRPr lang="en-US" dirty="0"/>
+          </a:p>
+        </p:txBody>
+      </p:sp>
+      <p:sp>
+        <p:nvSpPr>
+          <p:cNvPr id="4" name="Date Placeholder 3"/>
           <p:cNvSpPr>
             <a:spLocks noGrp="1"/>
           </p:cNvSpPr>
@@ -881,7 +2991,7 @@
           <a:p>
             <a:fld id="{83AB6A7A-760E-487F-B824-C8AF509EACC5}" type="datetimeFigureOut">
               <a:rPr lang="de-DE" smtClean="0"/>
-              <a:t>11.06.2025</a:t>
+              <a:t>12.06.2025</a:t>
             </a:fld>
             <a:endParaRPr lang="de-DE"/>
           </a:p>
@@ -889,13 +2999,7 @@
       </p:sp>
       <p:sp>
         <p:nvSpPr>
-          <p:cNvPr id="5" name="Fußzeilenplatzhalter 4">
-            <a:extLst>
-              <a:ext uri="{FF2B5EF4-FFF2-40B4-BE49-F238E27FC236}">
-                <a16:creationId xmlns:a16="http://schemas.microsoft.com/office/drawing/2014/main" id="{1D5FF4BA-7C42-2634-9F3B-642270BF1990}"/>
-              </a:ext>
-            </a:extLst>
-          </p:cNvPr>
+          <p:cNvPr id="5" name="Footer Placeholder 4"/>
           <p:cNvSpPr>
             <a:spLocks noGrp="1"/>
           </p:cNvSpPr>
@@ -914,13 +3018,7 @@
       </p:sp>
       <p:sp>
         <p:nvSpPr>
-          <p:cNvPr id="6" name="Foliennummernplatzhalter 5">
-            <a:extLst>
-              <a:ext uri="{FF2B5EF4-FFF2-40B4-BE49-F238E27FC236}">
-                <a16:creationId xmlns:a16="http://schemas.microsoft.com/office/drawing/2014/main" id="{51325293-3C79-E9C6-B299-8E5FE2B7280C}"/>
-              </a:ext>
-            </a:extLst>
-          </p:cNvPr>
+          <p:cNvPr id="6" name="Slide Number Placeholder 5"/>
           <p:cNvSpPr>
             <a:spLocks noGrp="1"/>
           </p:cNvSpPr>
@@ -944,7 +3042,7 @@
     </p:spTree>
     <p:extLst>
       <p:ext uri="{BB962C8B-B14F-4D97-AF65-F5344CB8AC3E}">
-        <p14:creationId xmlns:p14="http://schemas.microsoft.com/office/powerpoint/2010/main" val="3695188580"/>
+        <p14:creationId xmlns:p14="http://schemas.microsoft.com/office/powerpoint/2010/main" val="3876622227"/>
       </p:ext>
     </p:extLst>
   </p:cSld>
@@ -973,13 +3071,7 @@
       </p:grpSpPr>
       <p:sp>
         <p:nvSpPr>
-          <p:cNvPr id="2" name="Titel 1">
-            <a:extLst>
-              <a:ext uri="{FF2B5EF4-FFF2-40B4-BE49-F238E27FC236}">
-                <a16:creationId xmlns:a16="http://schemas.microsoft.com/office/drawing/2014/main" id="{082B9021-F91C-C4D6-4D98-52F464356C0C}"/>
-              </a:ext>
-            </a:extLst>
-          </p:cNvPr>
+          <p:cNvPr id="2" name="Title 1"/>
           <p:cNvSpPr>
             <a:spLocks noGrp="1"/>
           </p:cNvSpPr>
@@ -989,15 +3081,15 @@
         </p:nvSpPr>
         <p:spPr>
           <a:xfrm>
-            <a:off x="831850" y="1709738"/>
-            <a:ext cx="10515600" cy="2852737"/>
+            <a:off x="677335" y="2700867"/>
+            <a:ext cx="8596668" cy="1826581"/>
           </a:xfrm>
         </p:spPr>
         <p:txBody>
           <a:bodyPr anchor="b"/>
           <a:lstStyle>
-            <a:lvl1pPr>
-              <a:defRPr sz="6000"/>
+            <a:lvl1pPr algn="l">
+              <a:defRPr sz="4000" b="0" cap="none"/>
             </a:lvl1pPr>
           </a:lstStyle>
           <a:p>
@@ -1005,18 +3097,13 @@
               <a:rPr lang="de-DE"/>
               <a:t>Mastertitelformat bearbeiten</a:t>
             </a:r>
-          </a:p>
-        </p:txBody>
-      </p:sp>
-      <p:sp>
-        <p:nvSpPr>
-          <p:cNvPr id="3" name="Textplatzhalter 2">
-            <a:extLst>
-              <a:ext uri="{FF2B5EF4-FFF2-40B4-BE49-F238E27FC236}">
-                <a16:creationId xmlns:a16="http://schemas.microsoft.com/office/drawing/2014/main" id="{3F7E38BD-5AF8-87FC-9D86-7F0FE7DF92C3}"/>
-              </a:ext>
-            </a:extLst>
-          </p:cNvPr>
+            <a:endParaRPr lang="en-US" dirty="0"/>
+          </a:p>
+        </p:txBody>
+      </p:sp>
+      <p:sp>
+        <p:nvSpPr>
+          <p:cNvPr id="3" name="Text Placeholder 2"/>
           <p:cNvSpPr>
             <a:spLocks noGrp="1"/>
           </p:cNvSpPr>
@@ -1026,99 +3113,100 @@
         </p:nvSpPr>
         <p:spPr>
           <a:xfrm>
-            <a:off x="831850" y="4589463"/>
-            <a:ext cx="10515600" cy="1500187"/>
+            <a:off x="677335" y="4527448"/>
+            <a:ext cx="8596668" cy="860400"/>
           </a:xfrm>
         </p:spPr>
         <p:txBody>
-          <a:bodyPr/>
+          <a:bodyPr anchor="t"/>
           <a:lstStyle>
-            <a:lvl1pPr marL="0" indent="0">
-              <a:buNone/>
-              <a:defRPr sz="2400">
+            <a:lvl1pPr marL="0" indent="0" algn="l">
+              <a:buNone/>
+              <a:defRPr sz="2000">
                 <a:solidFill>
                   <a:schemeClr val="tx1">
-                    <a:tint val="82000"/>
+                    <a:lumMod val="50000"/>
+                    <a:lumOff val="50000"/>
                   </a:schemeClr>
                 </a:solidFill>
               </a:defRPr>
             </a:lvl1pPr>
             <a:lvl2pPr marL="457200" indent="0">
               <a:buNone/>
-              <a:defRPr sz="2000">
+              <a:defRPr sz="1800">
                 <a:solidFill>
                   <a:schemeClr val="tx1">
-                    <a:tint val="82000"/>
+                    <a:tint val="75000"/>
                   </a:schemeClr>
                 </a:solidFill>
               </a:defRPr>
             </a:lvl2pPr>
             <a:lvl3pPr marL="914400" indent="0">
               <a:buNone/>
-              <a:defRPr sz="1800">
+              <a:defRPr sz="1600">
                 <a:solidFill>
                   <a:schemeClr val="tx1">
-                    <a:tint val="82000"/>
+                    <a:tint val="75000"/>
                   </a:schemeClr>
                 </a:solidFill>
               </a:defRPr>
             </a:lvl3pPr>
             <a:lvl4pPr marL="1371600" indent="0">
               <a:buNone/>
-              <a:defRPr sz="1600">
+              <a:defRPr sz="1400">
                 <a:solidFill>
                   <a:schemeClr val="tx1">
-                    <a:tint val="82000"/>
+                    <a:tint val="75000"/>
                   </a:schemeClr>
                 </a:solidFill>
               </a:defRPr>
             </a:lvl4pPr>
             <a:lvl5pPr marL="1828800" indent="0">
               <a:buNone/>
-              <a:defRPr sz="1600">
+              <a:defRPr sz="1400">
                 <a:solidFill>
                   <a:schemeClr val="tx1">
-                    <a:tint val="82000"/>
+                    <a:tint val="75000"/>
                   </a:schemeClr>
                 </a:solidFill>
               </a:defRPr>
             </a:lvl5pPr>
             <a:lvl6pPr marL="2286000" indent="0">
               <a:buNone/>
-              <a:defRPr sz="1600">
+              <a:defRPr sz="1400">
                 <a:solidFill>
                   <a:schemeClr val="tx1">
-                    <a:tint val="82000"/>
+                    <a:tint val="75000"/>
                   </a:schemeClr>
                 </a:solidFill>
               </a:defRPr>
             </a:lvl6pPr>
             <a:lvl7pPr marL="2743200" indent="0">
               <a:buNone/>
-              <a:defRPr sz="1600">
+              <a:defRPr sz="1400">
                 <a:solidFill>
                   <a:schemeClr val="tx1">
-                    <a:tint val="82000"/>
+                    <a:tint val="75000"/>
                   </a:schemeClr>
                 </a:solidFill>
               </a:defRPr>
             </a:lvl7pPr>
             <a:lvl8pPr marL="3200400" indent="0">
               <a:buNone/>
-              <a:defRPr sz="1600">
+              <a:defRPr sz="1400">
                 <a:solidFill>
                   <a:schemeClr val="tx1">
-                    <a:tint val="82000"/>
+                    <a:tint val="75000"/>
                   </a:schemeClr>
                 </a:solidFill>
               </a:defRPr>
             </a:lvl8pPr>
             <a:lvl9pPr marL="3657600" indent="0">
               <a:buNone/>
-              <a:defRPr sz="1600">
+              <a:defRPr sz="1400">
                 <a:solidFill>
                   <a:schemeClr val="tx1">
-                    <a:tint val="82000"/>
+                    <a:tint val="75000"/>
                   </a:schemeClr>
                 </a:solidFill>
               </a:defRPr>
@@ -1135,13 +3223,7 @@
       </p:sp>
       <p:sp>
         <p:nvSpPr>
-          <p:cNvPr id="4" name="Datumsplatzhalter 3">
-            <a:extLst>
-              <a:ext uri="{FF2B5EF4-FFF2-40B4-BE49-F238E27FC236}">
-                <a16:creationId xmlns:a16="http://schemas.microsoft.com/office/drawing/2014/main" id="{3B6F660C-3AB1-FF36-7866-EFB57DCE43B2}"/>
-              </a:ext>
-            </a:extLst>
-          </p:cNvPr>
+          <p:cNvPr id="4" name="Date Placeholder 3"/>
           <p:cNvSpPr>
             <a:spLocks noGrp="1"/>
           </p:cNvSpPr>
@@ -1156,7 +3238,7 @@
           <a:p>
             <a:fld id="{83AB6A7A-760E-487F-B824-C8AF509EACC5}" type="datetimeFigureOut">
               <a:rPr lang="de-DE" smtClean="0"/>
-              <a:t>11.06.2025</a:t>
+              <a:t>12.06.2025</a:t>
             </a:fld>
             <a:endParaRPr lang="de-DE"/>
           </a:p>
@@ -1164,13 +3246,7 @@
       </p:sp>
       <p:sp>
         <p:nvSpPr>
-          <p:cNvPr id="5" name="Fußzeilenplatzhalter 4">
-            <a:extLst>
-              <a:ext uri="{FF2B5EF4-FFF2-40B4-BE49-F238E27FC236}">
-                <a16:creationId xmlns:a16="http://schemas.microsoft.com/office/drawing/2014/main" id="{0A3955E4-851B-BB60-76AC-4D2160501D94}"/>
-              </a:ext>
-            </a:extLst>
-          </p:cNvPr>
+          <p:cNvPr id="5" name="Footer Placeholder 4"/>
           <p:cNvSpPr>
             <a:spLocks noGrp="1"/>
           </p:cNvSpPr>
@@ -1189,13 +3265,7 @@
       </p:sp>
       <p:sp>
         <p:nvSpPr>
-          <p:cNvPr id="6" name="Foliennummernplatzhalter 5">
-            <a:extLst>
-              <a:ext uri="{FF2B5EF4-FFF2-40B4-BE49-F238E27FC236}">
-                <a16:creationId xmlns:a16="http://schemas.microsoft.com/office/drawing/2014/main" id="{E1728D51-C2D5-896B-E81C-B882B48C1E43}"/>
-              </a:ext>
-            </a:extLst>
-          </p:cNvPr>
+          <p:cNvPr id="6" name="Slide Number Placeholder 5"/>
           <p:cNvSpPr>
             <a:spLocks noGrp="1"/>
           </p:cNvSpPr>
@@ -1219,7 +3289,7 @@
     </p:spTree>
     <p:extLst>
       <p:ext uri="{BB962C8B-B14F-4D97-AF65-F5344CB8AC3E}">
-        <p14:creationId xmlns:p14="http://schemas.microsoft.com/office/powerpoint/2010/main" val="2883935684"/>
+        <p14:creationId xmlns:p14="http://schemas.microsoft.com/office/powerpoint/2010/main" val="343670311"/>
       </p:ext>
     </p:extLst>
   </p:cSld>
@@ -1248,13 +3318,7 @@
       </p:grpSpPr>
       <p:sp>
         <p:nvSpPr>
-          <p:cNvPr id="2" name="Titel 1">
-            <a:extLst>
-              <a:ext uri="{FF2B5EF4-FFF2-40B4-BE49-F238E27FC236}">
-                <a16:creationId xmlns:a16="http://schemas.microsoft.com/office/drawing/2014/main" id="{A8ABD49A-856E-0A5D-60C0-06CA9F63F285}"/>
-              </a:ext>
-            </a:extLst>
-          </p:cNvPr>
+          <p:cNvPr id="2" name="Title 1"/>
           <p:cNvSpPr>
             <a:spLocks noGrp="1"/>
           </p:cNvSpPr>
@@ -1271,18 +3335,13 @@
               <a:rPr lang="de-DE"/>
               <a:t>Mastertitelformat bearbeiten</a:t>
             </a:r>
-          </a:p>
-        </p:txBody>
-      </p:sp>
-      <p:sp>
-        <p:nvSpPr>
-          <p:cNvPr id="3" name="Inhaltsplatzhalter 2">
-            <a:extLst>
-              <a:ext uri="{FF2B5EF4-FFF2-40B4-BE49-F238E27FC236}">
-                <a16:creationId xmlns:a16="http://schemas.microsoft.com/office/drawing/2014/main" id="{25360C8C-5549-D787-F9E1-55823D6F0F0A}"/>
-              </a:ext>
-            </a:extLst>
-          </p:cNvPr>
+            <a:endParaRPr lang="en-US" dirty="0"/>
+          </a:p>
+        </p:txBody>
+      </p:sp>
+      <p:sp>
+        <p:nvSpPr>
+          <p:cNvPr id="3" name="Content Placeholder 2"/>
           <p:cNvSpPr>
             <a:spLocks noGrp="1"/>
           </p:cNvSpPr>
@@ -1292,8 +3351,8 @@
         </p:nvSpPr>
         <p:spPr>
           <a:xfrm>
-            <a:off x="838200" y="1825625"/>
-            <a:ext cx="5181600" cy="4351338"/>
+            <a:off x="677334" y="2160589"/>
+            <a:ext cx="4184035" cy="3880772"/>
           </a:xfrm>
         </p:spPr>
         <p:txBody>
@@ -1333,18 +3392,13 @@
               <a:rPr lang="de-DE"/>
               <a:t>Fünfte Ebene</a:t>
             </a:r>
-          </a:p>
-        </p:txBody>
-      </p:sp>
-      <p:sp>
-        <p:nvSpPr>
-          <p:cNvPr id="4" name="Inhaltsplatzhalter 3">
-            <a:extLst>
-              <a:ext uri="{FF2B5EF4-FFF2-40B4-BE49-F238E27FC236}">
-                <a16:creationId xmlns:a16="http://schemas.microsoft.com/office/drawing/2014/main" id="{B0EBD40D-B508-DC47-9501-8B6D74FBB78E}"/>
-              </a:ext>
-            </a:extLst>
-          </p:cNvPr>
+            <a:endParaRPr lang="en-US" dirty="0"/>
+          </a:p>
+        </p:txBody>
+      </p:sp>
+      <p:sp>
+        <p:nvSpPr>
+          <p:cNvPr id="4" name="Content Placeholder 3"/>
           <p:cNvSpPr>
             <a:spLocks noGrp="1"/>
           </p:cNvSpPr>
@@ -1354,8 +3408,8 @@
         </p:nvSpPr>
         <p:spPr>
           <a:xfrm>
-            <a:off x="6172200" y="1825625"/>
-            <a:ext cx="5181600" cy="4351338"/>
+            <a:off x="5089970" y="2160589"/>
+            <a:ext cx="4184034" cy="3880773"/>
           </a:xfrm>
         </p:spPr>
         <p:txBody>
@@ -1395,18 +3449,13 @@
               <a:rPr lang="de-DE"/>
               <a:t>Fünfte Ebene</a:t>
             </a:r>
-          </a:p>
-        </p:txBody>
-      </p:sp>
-      <p:sp>
-        <p:nvSpPr>
-          <p:cNvPr id="5" name="Datumsplatzhalter 4">
-            <a:extLst>
-              <a:ext uri="{FF2B5EF4-FFF2-40B4-BE49-F238E27FC236}">
-                <a16:creationId xmlns:a16="http://schemas.microsoft.com/office/drawing/2014/main" id="{E092F275-7F7E-BAB2-2700-7F95A35EE5F9}"/>
-              </a:ext>
-            </a:extLst>
-          </p:cNvPr>
+            <a:endParaRPr lang="en-US" dirty="0"/>
+          </a:p>
+        </p:txBody>
+      </p:sp>
+      <p:sp>
+        <p:nvSpPr>
+          <p:cNvPr id="5" name="Date Placeholder 4"/>
           <p:cNvSpPr>
             <a:spLocks noGrp="1"/>
           </p:cNvSpPr>
@@ -1421,7 +3470,7 @@
           <a:p>
             <a:fld id="{83AB6A7A-760E-487F-B824-C8AF509EACC5}" type="datetimeFigureOut">
               <a:rPr lang="de-DE" smtClean="0"/>
-              <a:t>11.06.2025</a:t>
+              <a:t>12.06.2025</a:t>
             </a:fld>
             <a:endParaRPr lang="de-DE"/>
           </a:p>
@@ -1429,13 +3478,7 @@
       </p:sp>
       <p:sp>
         <p:nvSpPr>
-          <p:cNvPr id="6" name="Fußzeilenplatzhalter 5">
-            <a:extLst>
-              <a:ext uri="{FF2B5EF4-FFF2-40B4-BE49-F238E27FC236}">
-                <a16:creationId xmlns:a16="http://schemas.microsoft.com/office/drawing/2014/main" id="{3D1D7285-048F-7EE7-BDB8-DC4390710B98}"/>
-              </a:ext>
-            </a:extLst>
-          </p:cNvPr>
+          <p:cNvPr id="6" name="Footer Placeholder 5"/>
           <p:cNvSpPr>
             <a:spLocks noGrp="1"/>
           </p:cNvSpPr>
@@ -1454,13 +3497,7 @@
       </p:sp>
       <p:sp>
         <p:nvSpPr>
-          <p:cNvPr id="7" name="Foliennummernplatzhalter 6">
-            <a:extLst>
-              <a:ext uri="{FF2B5EF4-FFF2-40B4-BE49-F238E27FC236}">
-                <a16:creationId xmlns:a16="http://schemas.microsoft.com/office/drawing/2014/main" id="{A2CB9C17-83E1-7C20-6067-5A15FED1D2CF}"/>
-              </a:ext>
-            </a:extLst>
-          </p:cNvPr>
+          <p:cNvPr id="7" name="Slide Number Placeholder 6"/>
           <p:cNvSpPr>
             <a:spLocks noGrp="1"/>
           </p:cNvSpPr>
@@ -1484,7 +3521,7 @@
     </p:spTree>
     <p:extLst>
       <p:ext uri="{BB962C8B-B14F-4D97-AF65-F5344CB8AC3E}">
-        <p14:creationId xmlns:p14="http://schemas.microsoft.com/office/powerpoint/2010/main" val="1262128842"/>
+        <p14:creationId xmlns:p14="http://schemas.microsoft.com/office/powerpoint/2010/main" val="2144860107"/>
       </p:ext>
     </p:extLst>
   </p:cSld>
@@ -1513,65 +3550,55 @@
       </p:grpSpPr>
       <p:sp>
         <p:nvSpPr>
-          <p:cNvPr id="2" name="Titel 1">
-            <a:extLst>
-              <a:ext uri="{FF2B5EF4-FFF2-40B4-BE49-F238E27FC236}">
-                <a16:creationId xmlns:a16="http://schemas.microsoft.com/office/drawing/2014/main" id="{1D3D55A0-354F-B318-0A86-DB045446EB49}"/>
-              </a:ext>
-            </a:extLst>
-          </p:cNvPr>
+          <p:cNvPr id="2" name="Title 1"/>
           <p:cNvSpPr>
             <a:spLocks noGrp="1"/>
           </p:cNvSpPr>
           <p:nvPr>
             <p:ph type="title"/>
+          </p:nvPr>
+        </p:nvSpPr>
+        <p:spPr/>
+        <p:txBody>
+          <a:bodyPr/>
+          <a:lstStyle>
+            <a:lvl1pPr>
+              <a:defRPr/>
+            </a:lvl1pPr>
+          </a:lstStyle>
+          <a:p>
+            <a:r>
+              <a:rPr lang="de-DE"/>
+              <a:t>Mastertitelformat bearbeiten</a:t>
+            </a:r>
+            <a:endParaRPr lang="en-US" dirty="0"/>
+          </a:p>
+        </p:txBody>
+      </p:sp>
+      <p:sp>
+        <p:nvSpPr>
+          <p:cNvPr id="3" name="Text Placeholder 2"/>
+          <p:cNvSpPr>
+            <a:spLocks noGrp="1"/>
+          </p:cNvSpPr>
+          <p:nvPr>
+            <p:ph type="body" idx="1"/>
           </p:nvPr>
         </p:nvSpPr>
         <p:spPr>
           <a:xfrm>
-            <a:off x="839788" y="365125"/>
-            <a:ext cx="10515600" cy="1325563"/>
+            <a:off x="675745" y="2160983"/>
+            <a:ext cx="4185623" cy="576262"/>
           </a:xfrm>
         </p:spPr>
         <p:txBody>
-          <a:bodyPr/>
-          <a:lstStyle/>
-          <a:p>
-            <a:r>
-              <a:rPr lang="de-DE"/>
-              <a:t>Mastertitelformat bearbeiten</a:t>
-            </a:r>
-          </a:p>
-        </p:txBody>
-      </p:sp>
-      <p:sp>
-        <p:nvSpPr>
-          <p:cNvPr id="3" name="Textplatzhalter 2">
-            <a:extLst>
-              <a:ext uri="{FF2B5EF4-FFF2-40B4-BE49-F238E27FC236}">
-                <a16:creationId xmlns:a16="http://schemas.microsoft.com/office/drawing/2014/main" id="{3DDB8B9C-1B6C-AED8-3CDD-B334D46CEDFC}"/>
-              </a:ext>
-            </a:extLst>
-          </p:cNvPr>
-          <p:cNvSpPr>
-            <a:spLocks noGrp="1"/>
-          </p:cNvSpPr>
-          <p:nvPr>
-            <p:ph type="body" idx="1"/>
-          </p:nvPr>
-        </p:nvSpPr>
-        <p:spPr>
-          <a:xfrm>
-            <a:off x="839788" y="1681163"/>
-            <a:ext cx="5157787" cy="823912"/>
-          </a:xfrm>
-        </p:spPr>
-        <p:txBody>
-          <a:bodyPr anchor="b"/>
+          <a:bodyPr anchor="b">
+            <a:noAutofit/>
+          </a:bodyPr>
           <a:lstStyle>
             <a:lvl1pPr marL="0" indent="0">
               <a:buNone/>
-              <a:defRPr sz="2400" b="1"/>
+              <a:defRPr sz="2400" b="0"/>
             </a:lvl1pPr>
             <a:lvl2pPr marL="457200" indent="0">
               <a:buNone/>
@@ -1617,13 +3644,7 @@
       </p:sp>
       <p:sp>
         <p:nvSpPr>
-          <p:cNvPr id="4" name="Inhaltsplatzhalter 3">
-            <a:extLst>
-              <a:ext uri="{FF2B5EF4-FFF2-40B4-BE49-F238E27FC236}">
-                <a16:creationId xmlns:a16="http://schemas.microsoft.com/office/drawing/2014/main" id="{652BAC94-865C-0AFA-C310-4F1DBBB25FD2}"/>
-              </a:ext>
-            </a:extLst>
-          </p:cNvPr>
+          <p:cNvPr id="4" name="Content Placeholder 3"/>
           <p:cNvSpPr>
             <a:spLocks noGrp="1"/>
           </p:cNvSpPr>
@@ -1633,12 +3654,14 @@
         </p:nvSpPr>
         <p:spPr>
           <a:xfrm>
-            <a:off x="839788" y="2505075"/>
-            <a:ext cx="5157787" cy="3684588"/>
+            <a:off x="675745" y="2737245"/>
+            <a:ext cx="4185623" cy="3304117"/>
           </a:xfrm>
         </p:spPr>
         <p:txBody>
-          <a:bodyPr/>
+          <a:bodyPr>
+            <a:normAutofit/>
+          </a:bodyPr>
           <a:lstStyle/>
           <a:p>
             <a:pPr lvl="0"/>
@@ -1674,18 +3697,13 @@
               <a:rPr lang="de-DE"/>
               <a:t>Fünfte Ebene</a:t>
             </a:r>
-          </a:p>
-        </p:txBody>
-      </p:sp>
-      <p:sp>
-        <p:nvSpPr>
-          <p:cNvPr id="5" name="Textplatzhalter 4">
-            <a:extLst>
-              <a:ext uri="{FF2B5EF4-FFF2-40B4-BE49-F238E27FC236}">
-                <a16:creationId xmlns:a16="http://schemas.microsoft.com/office/drawing/2014/main" id="{DE5A7248-7FDF-0064-F171-A877ACBB2DD7}"/>
-              </a:ext>
-            </a:extLst>
-          </p:cNvPr>
+            <a:endParaRPr lang="en-US" dirty="0"/>
+          </a:p>
+        </p:txBody>
+      </p:sp>
+      <p:sp>
+        <p:nvSpPr>
+          <p:cNvPr id="5" name="Text Placeholder 4"/>
           <p:cNvSpPr>
             <a:spLocks noGrp="1"/>
           </p:cNvSpPr>
@@ -1695,16 +3713,18 @@
         </p:nvSpPr>
         <p:spPr>
           <a:xfrm>
-            <a:off x="6172200" y="1681163"/>
-            <a:ext cx="5183188" cy="823912"/>
+            <a:off x="5088383" y="2160983"/>
+            <a:ext cx="4185618" cy="576262"/>
           </a:xfrm>
         </p:spPr>
         <p:txBody>
-          <a:bodyPr anchor="b"/>
+          <a:bodyPr anchor="b">
+            <a:noAutofit/>
+          </a:bodyPr>
           <a:lstStyle>
             <a:lvl1pPr marL="0" indent="0">
               <a:buNone/>
-              <a:defRPr sz="2400" b="1"/>
+              <a:defRPr sz="2400" b="0"/>
             </a:lvl1pPr>
             <a:lvl2pPr marL="457200" indent="0">
               <a:buNone/>
@@ -1750,13 +3770,7 @@
       </p:sp>
       <p:sp>
         <p:nvSpPr>
-          <p:cNvPr id="6" name="Inhaltsplatzhalter 5">
-            <a:extLst>
-              <a:ext uri="{FF2B5EF4-FFF2-40B4-BE49-F238E27FC236}">
-                <a16:creationId xmlns:a16="http://schemas.microsoft.com/office/drawing/2014/main" id="{833A4578-D338-2AB2-4EBC-4AAB8B442D96}"/>
-              </a:ext>
-            </a:extLst>
-          </p:cNvPr>
+          <p:cNvPr id="6" name="Content Placeholder 5"/>
           <p:cNvSpPr>
             <a:spLocks noGrp="1"/>
           </p:cNvSpPr>
@@ -1766,12 +3780,14 @@
         </p:nvSpPr>
         <p:spPr>
           <a:xfrm>
-            <a:off x="6172200" y="2505075"/>
-            <a:ext cx="5183188" cy="3684588"/>
+            <a:off x="5088384" y="2737245"/>
+            <a:ext cx="4185617" cy="3304117"/>
           </a:xfrm>
         </p:spPr>
         <p:txBody>
-          <a:bodyPr/>
+          <a:bodyPr>
+            <a:normAutofit/>
+          </a:bodyPr>
           <a:lstStyle/>
           <a:p>
             <a:pPr lvl="0"/>
@@ -1807,18 +3823,13 @@
               <a:rPr lang="de-DE"/>
               <a:t>Fünfte Ebene</a:t>
             </a:r>
-          </a:p>
-        </p:txBody>
-      </p:sp>
-      <p:sp>
-        <p:nvSpPr>
-          <p:cNvPr id="7" name="Datumsplatzhalter 6">
-            <a:extLst>
-              <a:ext uri="{FF2B5EF4-FFF2-40B4-BE49-F238E27FC236}">
-                <a16:creationId xmlns:a16="http://schemas.microsoft.com/office/drawing/2014/main" id="{BC4CA6E0-9039-9901-D89E-B0904B6BB42F}"/>
-              </a:ext>
-            </a:extLst>
-          </p:cNvPr>
+            <a:endParaRPr lang="en-US" dirty="0"/>
+          </a:p>
+        </p:txBody>
+      </p:sp>
+      <p:sp>
+        <p:nvSpPr>
+          <p:cNvPr id="7" name="Date Placeholder 6"/>
           <p:cNvSpPr>
             <a:spLocks noGrp="1"/>
           </p:cNvSpPr>
@@ -1833,7 +3844,7 @@
           <a:p>
             <a:fld id="{83AB6A7A-760E-487F-B824-C8AF509EACC5}" type="datetimeFigureOut">
               <a:rPr lang="de-DE" smtClean="0"/>
-              <a:t>11.06.2025</a:t>
+              <a:t>12.06.2025</a:t>
             </a:fld>
             <a:endParaRPr lang="de-DE"/>
           </a:p>
@@ -1841,13 +3852,7 @@
       </p:sp>
       <p:sp>
         <p:nvSpPr>
-          <p:cNvPr id="8" name="Fußzeilenplatzhalter 7">
-            <a:extLst>
-              <a:ext uri="{FF2B5EF4-FFF2-40B4-BE49-F238E27FC236}">
-                <a16:creationId xmlns:a16="http://schemas.microsoft.com/office/drawing/2014/main" id="{FEF355A7-BD2D-C60A-58DD-0F5AD5047E07}"/>
-              </a:ext>
-            </a:extLst>
-          </p:cNvPr>
+          <p:cNvPr id="8" name="Footer Placeholder 7"/>
           <p:cNvSpPr>
             <a:spLocks noGrp="1"/>
           </p:cNvSpPr>
@@ -1866,13 +3871,7 @@
       </p:sp>
       <p:sp>
         <p:nvSpPr>
-          <p:cNvPr id="9" name="Foliennummernplatzhalter 8">
-            <a:extLst>
-              <a:ext uri="{FF2B5EF4-FFF2-40B4-BE49-F238E27FC236}">
-                <a16:creationId xmlns:a16="http://schemas.microsoft.com/office/drawing/2014/main" id="{19B2834D-AD91-0A2C-4574-5ABF206177A7}"/>
-              </a:ext>
-            </a:extLst>
-          </p:cNvPr>
+          <p:cNvPr id="9" name="Slide Number Placeholder 8"/>
           <p:cNvSpPr>
             <a:spLocks noGrp="1"/>
           </p:cNvSpPr>
@@ -1896,7 +3895,7 @@
     </p:spTree>
     <p:extLst>
       <p:ext uri="{BB962C8B-B14F-4D97-AF65-F5344CB8AC3E}">
-        <p14:creationId xmlns:p14="http://schemas.microsoft.com/office/powerpoint/2010/main" val="734866662"/>
+        <p14:creationId xmlns:p14="http://schemas.microsoft.com/office/powerpoint/2010/main" val="328252674"/>
       </p:ext>
     </p:extLst>
   </p:cSld>
@@ -1925,13 +3924,7 @@
       </p:grpSpPr>
       <p:sp>
         <p:nvSpPr>
-          <p:cNvPr id="2" name="Titel 1">
-            <a:extLst>
-              <a:ext uri="{FF2B5EF4-FFF2-40B4-BE49-F238E27FC236}">
-                <a16:creationId xmlns:a16="http://schemas.microsoft.com/office/drawing/2014/main" id="{A8697C9D-41A1-EA10-CE62-18F35CB42CAC}"/>
-              </a:ext>
-            </a:extLst>
-          </p:cNvPr>
+          <p:cNvPr id="2" name="Title 1"/>
           <p:cNvSpPr>
             <a:spLocks noGrp="1"/>
           </p:cNvSpPr>
@@ -1939,7 +3932,12 @@
             <p:ph type="title"/>
           </p:nvPr>
         </p:nvSpPr>
-        <p:spPr/>
+        <p:spPr>
+          <a:xfrm>
+            <a:off x="677334" y="609600"/>
+            <a:ext cx="8596668" cy="1320800"/>
+          </a:xfrm>
+        </p:spPr>
         <p:txBody>
           <a:bodyPr/>
           <a:lstStyle/>
@@ -1948,18 +3946,13 @@
               <a:rPr lang="de-DE"/>
               <a:t>Mastertitelformat bearbeiten</a:t>
             </a:r>
-          </a:p>
-        </p:txBody>
-      </p:sp>
-      <p:sp>
-        <p:nvSpPr>
-          <p:cNvPr id="3" name="Datumsplatzhalter 2">
-            <a:extLst>
-              <a:ext uri="{FF2B5EF4-FFF2-40B4-BE49-F238E27FC236}">
-                <a16:creationId xmlns:a16="http://schemas.microsoft.com/office/drawing/2014/main" id="{4268FBB2-F97C-A840-5C68-137CCC875875}"/>
-              </a:ext>
-            </a:extLst>
-          </p:cNvPr>
+            <a:endParaRPr lang="en-US" dirty="0"/>
+          </a:p>
+        </p:txBody>
+      </p:sp>
+      <p:sp>
+        <p:nvSpPr>
+          <p:cNvPr id="3" name="Date Placeholder 2"/>
           <p:cNvSpPr>
             <a:spLocks noGrp="1"/>
           </p:cNvSpPr>
@@ -1974,7 +3967,7 @@
           <a:p>
             <a:fld id="{83AB6A7A-760E-487F-B824-C8AF509EACC5}" type="datetimeFigureOut">
               <a:rPr lang="de-DE" smtClean="0"/>
-              <a:t>11.06.2025</a:t>
+              <a:t>12.06.2025</a:t>
             </a:fld>
             <a:endParaRPr lang="de-DE"/>
           </a:p>
@@ -1982,13 +3975,7 @@
       </p:sp>
       <p:sp>
         <p:nvSpPr>
-          <p:cNvPr id="4" name="Fußzeilenplatzhalter 3">
-            <a:extLst>
-              <a:ext uri="{FF2B5EF4-FFF2-40B4-BE49-F238E27FC236}">
-                <a16:creationId xmlns:a16="http://schemas.microsoft.com/office/drawing/2014/main" id="{A5048591-F56F-F5CB-4807-5FD39192CA09}"/>
-              </a:ext>
-            </a:extLst>
-          </p:cNvPr>
+          <p:cNvPr id="4" name="Footer Placeholder 3"/>
           <p:cNvSpPr>
             <a:spLocks noGrp="1"/>
           </p:cNvSpPr>
@@ -2007,13 +3994,7 @@
       </p:sp>
       <p:sp>
         <p:nvSpPr>
-          <p:cNvPr id="5" name="Foliennummernplatzhalter 4">
-            <a:extLst>
-              <a:ext uri="{FF2B5EF4-FFF2-40B4-BE49-F238E27FC236}">
-                <a16:creationId xmlns:a16="http://schemas.microsoft.com/office/drawing/2014/main" id="{CBA81390-BEED-50B1-4682-351AE5BF72AF}"/>
-              </a:ext>
-            </a:extLst>
-          </p:cNvPr>
+          <p:cNvPr id="5" name="Slide Number Placeholder 4"/>
           <p:cNvSpPr>
             <a:spLocks noGrp="1"/>
           </p:cNvSpPr>
@@ -2037,7 +4018,7 @@
     </p:spTree>
     <p:extLst>
       <p:ext uri="{BB962C8B-B14F-4D97-AF65-F5344CB8AC3E}">
-        <p14:creationId xmlns:p14="http://schemas.microsoft.com/office/powerpoint/2010/main" val="1012590400"/>
+        <p14:creationId xmlns:p14="http://schemas.microsoft.com/office/powerpoint/2010/main" val="3755133481"/>
       </p:ext>
     </p:extLst>
   </p:cSld>
@@ -2066,13 +4047,7 @@
       </p:grpSpPr>
       <p:sp>
         <p:nvSpPr>
-          <p:cNvPr id="2" name="Datumsplatzhalter 1">
-            <a:extLst>
-              <a:ext uri="{FF2B5EF4-FFF2-40B4-BE49-F238E27FC236}">
-                <a16:creationId xmlns:a16="http://schemas.microsoft.com/office/drawing/2014/main" id="{85128603-4B62-B6BF-39C5-3AD8A70F8211}"/>
-              </a:ext>
-            </a:extLst>
-          </p:cNvPr>
+          <p:cNvPr id="2" name="Date Placeholder 1"/>
           <p:cNvSpPr>
             <a:spLocks noGrp="1"/>
           </p:cNvSpPr>
@@ -2087,7 +4062,7 @@
           <a:p>
             <a:fld id="{83AB6A7A-760E-487F-B824-C8AF509EACC5}" type="datetimeFigureOut">
               <a:rPr lang="de-DE" smtClean="0"/>
-              <a:t>11.06.2025</a:t>
+              <a:t>12.06.2025</a:t>
             </a:fld>
             <a:endParaRPr lang="de-DE"/>
           </a:p>
@@ -2095,13 +4070,7 @@
       </p:sp>
       <p:sp>
         <p:nvSpPr>
-          <p:cNvPr id="3" name="Fußzeilenplatzhalter 2">
-            <a:extLst>
-              <a:ext uri="{FF2B5EF4-FFF2-40B4-BE49-F238E27FC236}">
-                <a16:creationId xmlns:a16="http://schemas.microsoft.com/office/drawing/2014/main" id="{FC349498-5405-C8EF-0C27-3BE2A8F891B9}"/>
-              </a:ext>
-            </a:extLst>
-          </p:cNvPr>
+          <p:cNvPr id="3" name="Footer Placeholder 2"/>
           <p:cNvSpPr>
             <a:spLocks noGrp="1"/>
           </p:cNvSpPr>
@@ -2120,13 +4089,7 @@
       </p:sp>
       <p:sp>
         <p:nvSpPr>
-          <p:cNvPr id="4" name="Foliennummernplatzhalter 3">
-            <a:extLst>
-              <a:ext uri="{FF2B5EF4-FFF2-40B4-BE49-F238E27FC236}">
-                <a16:creationId xmlns:a16="http://schemas.microsoft.com/office/drawing/2014/main" id="{AC3B0477-74CA-0123-09EF-57B450151DF2}"/>
-              </a:ext>
-            </a:extLst>
-          </p:cNvPr>
+          <p:cNvPr id="4" name="Slide Number Placeholder 3"/>
           <p:cNvSpPr>
             <a:spLocks noGrp="1"/>
           </p:cNvSpPr>
@@ -2150,7 +4113,7 @@
     </p:spTree>
     <p:extLst>
       <p:ext uri="{BB962C8B-B14F-4D97-AF65-F5344CB8AC3E}">
-        <p14:creationId xmlns:p14="http://schemas.microsoft.com/office/powerpoint/2010/main" val="787136915"/>
+        <p14:creationId xmlns:p14="http://schemas.microsoft.com/office/powerpoint/2010/main" val="3816495985"/>
       </p:ext>
     </p:extLst>
   </p:cSld>
@@ -2179,13 +4142,7 @@
       </p:grpSpPr>
       <p:sp>
         <p:nvSpPr>
-          <p:cNvPr id="2" name="Titel 1">
-            <a:extLst>
-              <a:ext uri="{FF2B5EF4-FFF2-40B4-BE49-F238E27FC236}">
-                <a16:creationId xmlns:a16="http://schemas.microsoft.com/office/drawing/2014/main" id="{24D1A577-8B3D-C096-D3AD-D843C5E52BE3}"/>
-              </a:ext>
-            </a:extLst>
-          </p:cNvPr>
+          <p:cNvPr id="2" name="Title 1"/>
           <p:cNvSpPr>
             <a:spLocks noGrp="1"/>
           </p:cNvSpPr>
@@ -2195,15 +4152,17 @@
         </p:nvSpPr>
         <p:spPr>
           <a:xfrm>
-            <a:off x="839788" y="457200"/>
-            <a:ext cx="3932237" cy="1600200"/>
+            <a:off x="677334" y="1498604"/>
+            <a:ext cx="3854528" cy="1278466"/>
           </a:xfrm>
         </p:spPr>
         <p:txBody>
-          <a:bodyPr anchor="b"/>
+          <a:bodyPr anchor="b">
+            <a:normAutofit/>
+          </a:bodyPr>
           <a:lstStyle>
             <a:lvl1pPr>
-              <a:defRPr sz="3200"/>
+              <a:defRPr sz="2000"/>
             </a:lvl1pPr>
           </a:lstStyle>
           <a:p>
@@ -2211,18 +4170,13 @@
               <a:rPr lang="de-DE"/>
               <a:t>Mastertitelformat bearbeiten</a:t>
             </a:r>
-          </a:p>
-        </p:txBody>
-      </p:sp>
-      <p:sp>
-        <p:nvSpPr>
-          <p:cNvPr id="3" name="Inhaltsplatzhalter 2">
-            <a:extLst>
-              <a:ext uri="{FF2B5EF4-FFF2-40B4-BE49-F238E27FC236}">
-                <a16:creationId xmlns:a16="http://schemas.microsoft.com/office/drawing/2014/main" id="{5A622043-F212-54B9-6887-D64F72144A28}"/>
-              </a:ext>
-            </a:extLst>
-          </p:cNvPr>
+            <a:endParaRPr lang="en-US" dirty="0"/>
+          </a:p>
+        </p:txBody>
+      </p:sp>
+      <p:sp>
+        <p:nvSpPr>
+          <p:cNvPr id="3" name="Content Placeholder 2"/>
           <p:cNvSpPr>
             <a:spLocks noGrp="1"/>
           </p:cNvSpPr>
@@ -2232,41 +4186,15 @@
         </p:nvSpPr>
         <p:spPr>
           <a:xfrm>
-            <a:off x="5183188" y="987425"/>
-            <a:ext cx="6172200" cy="4873625"/>
+            <a:off x="4760461" y="514924"/>
+            <a:ext cx="4513541" cy="5526437"/>
           </a:xfrm>
         </p:spPr>
         <p:txBody>
-          <a:bodyPr/>
-          <a:lstStyle>
-            <a:lvl1pPr>
-              <a:defRPr sz="3200"/>
-            </a:lvl1pPr>
-            <a:lvl2pPr>
-              <a:defRPr sz="2800"/>
-            </a:lvl2pPr>
-            <a:lvl3pPr>
-              <a:defRPr sz="2400"/>
-            </a:lvl3pPr>
-            <a:lvl4pPr>
-              <a:defRPr sz="2000"/>
-            </a:lvl4pPr>
-            <a:lvl5pPr>
-              <a:defRPr sz="2000"/>
-            </a:lvl5pPr>
-            <a:lvl6pPr>
-              <a:defRPr sz="2000"/>
-            </a:lvl6pPr>
-            <a:lvl7pPr>
-              <a:defRPr sz="2000"/>
-            </a:lvl7pPr>
-            <a:lvl8pPr>
-              <a:defRPr sz="2000"/>
-            </a:lvl8pPr>
-            <a:lvl9pPr>
-              <a:defRPr sz="2000"/>
-            </a:lvl9pPr>
-          </a:lstStyle>
+          <a:bodyPr>
+            <a:normAutofit/>
+          </a:bodyPr>
+          <a:lstStyle/>
           <a:p>
             <a:pPr lvl="0"/>
             <a:r>
@@ -2301,18 +4229,13 @@
               <a:rPr lang="de-DE"/>
               <a:t>Fünfte Ebene</a:t>
             </a:r>
-          </a:p>
-        </p:txBody>
-      </p:sp>
-      <p:sp>
-        <p:nvSpPr>
-          <p:cNvPr id="4" name="Textplatzhalter 3">
-            <a:extLst>
-              <a:ext uri="{FF2B5EF4-FFF2-40B4-BE49-F238E27FC236}">
-                <a16:creationId xmlns:a16="http://schemas.microsoft.com/office/drawing/2014/main" id="{4F908A75-C7AC-1EF4-E654-3B66C3CCF398}"/>
-              </a:ext>
-            </a:extLst>
-          </p:cNvPr>
+            <a:endParaRPr lang="en-US" dirty="0"/>
+          </a:p>
+        </p:txBody>
+      </p:sp>
+      <p:sp>
+        <p:nvSpPr>
+          <p:cNvPr id="4" name="Text Placeholder 3"/>
           <p:cNvSpPr>
             <a:spLocks noGrp="1"/>
           </p:cNvSpPr>
@@ -2322,46 +4245,48 @@
         </p:nvSpPr>
         <p:spPr>
           <a:xfrm>
-            <a:off x="839788" y="2057400"/>
-            <a:ext cx="3932237" cy="3811588"/>
+            <a:off x="677334" y="2777069"/>
+            <a:ext cx="3854528" cy="2584449"/>
           </a:xfrm>
         </p:spPr>
         <p:txBody>
-          <a:bodyPr/>
+          <a:bodyPr>
+            <a:normAutofit/>
+          </a:bodyPr>
           <a:lstStyle>
             <a:lvl1pPr marL="0" indent="0">
               <a:buNone/>
-              <a:defRPr sz="1600"/>
+              <a:defRPr sz="1400"/>
             </a:lvl1pPr>
-            <a:lvl2pPr marL="457200" indent="0">
+            <a:lvl2pPr marL="457063" indent="0">
               <a:buNone/>
               <a:defRPr sz="1400"/>
             </a:lvl2pPr>
-            <a:lvl3pPr marL="914400" indent="0">
+            <a:lvl3pPr marL="914126" indent="0">
               <a:buNone/>
               <a:defRPr sz="1200"/>
             </a:lvl3pPr>
-            <a:lvl4pPr marL="1371600" indent="0">
+            <a:lvl4pPr marL="1371189" indent="0">
               <a:buNone/>
               <a:defRPr sz="1000"/>
             </a:lvl4pPr>
-            <a:lvl5pPr marL="1828800" indent="0">
+            <a:lvl5pPr marL="1828251" indent="0">
               <a:buNone/>
               <a:defRPr sz="1000"/>
             </a:lvl5pPr>
-            <a:lvl6pPr marL="2286000" indent="0">
+            <a:lvl6pPr marL="2285314" indent="0">
               <a:buNone/>
               <a:defRPr sz="1000"/>
             </a:lvl6pPr>
-            <a:lvl7pPr marL="2743200" indent="0">
+            <a:lvl7pPr marL="2742377" indent="0">
               <a:buNone/>
               <a:defRPr sz="1000"/>
             </a:lvl7pPr>
-            <a:lvl8pPr marL="3200400" indent="0">
+            <a:lvl8pPr marL="3199440" indent="0">
               <a:buNone/>
               <a:defRPr sz="1000"/>
             </a:lvl8pPr>
-            <a:lvl9pPr marL="3657600" indent="0">
+            <a:lvl9pPr marL="3656503" indent="0">
               <a:buNone/>
               <a:defRPr sz="1000"/>
             </a:lvl9pPr>
@@ -2377,13 +4302,7 @@
       </p:sp>
       <p:sp>
         <p:nvSpPr>
-          <p:cNvPr id="5" name="Datumsplatzhalter 4">
-            <a:extLst>
-              <a:ext uri="{FF2B5EF4-FFF2-40B4-BE49-F238E27FC236}">
-                <a16:creationId xmlns:a16="http://schemas.microsoft.com/office/drawing/2014/main" id="{A878E6B7-325B-3430-DAE0-BB5CE7A67F7E}"/>
-              </a:ext>
-            </a:extLst>
-          </p:cNvPr>
+          <p:cNvPr id="5" name="Date Placeholder 4"/>
           <p:cNvSpPr>
             <a:spLocks noGrp="1"/>
           </p:cNvSpPr>
@@ -2398,7 +4317,7 @@
           <a:p>
             <a:fld id="{83AB6A7A-760E-487F-B824-C8AF509EACC5}" type="datetimeFigureOut">
               <a:rPr lang="de-DE" smtClean="0"/>
-              <a:t>11.06.2025</a:t>
+              <a:t>12.06.2025</a:t>
             </a:fld>
             <a:endParaRPr lang="de-DE"/>
           </a:p>
@@ -2406,13 +4325,7 @@
       </p:sp>
       <p:sp>
         <p:nvSpPr>
-          <p:cNvPr id="6" name="Fußzeilenplatzhalter 5">
-            <a:extLst>
-              <a:ext uri="{FF2B5EF4-FFF2-40B4-BE49-F238E27FC236}">
-                <a16:creationId xmlns:a16="http://schemas.microsoft.com/office/drawing/2014/main" id="{A185F3CB-C41D-DD98-8FE0-2E48DC0661F7}"/>
-              </a:ext>
-            </a:extLst>
-          </p:cNvPr>
+          <p:cNvPr id="6" name="Footer Placeholder 5"/>
           <p:cNvSpPr>
             <a:spLocks noGrp="1"/>
           </p:cNvSpPr>
@@ -2431,13 +4344,7 @@
       </p:sp>
       <p:sp>
         <p:nvSpPr>
-          <p:cNvPr id="7" name="Foliennummernplatzhalter 6">
-            <a:extLst>
-              <a:ext uri="{FF2B5EF4-FFF2-40B4-BE49-F238E27FC236}">
-                <a16:creationId xmlns:a16="http://schemas.microsoft.com/office/drawing/2014/main" id="{F807B497-8ADD-E1D7-E028-FEF6087C13BA}"/>
-              </a:ext>
-            </a:extLst>
-          </p:cNvPr>
+          <p:cNvPr id="7" name="Slide Number Placeholder 6"/>
           <p:cNvSpPr>
             <a:spLocks noGrp="1"/>
           </p:cNvSpPr>
@@ -2461,7 +4368,7 @@
     </p:spTree>
     <p:extLst>
       <p:ext uri="{BB962C8B-B14F-4D97-AF65-F5344CB8AC3E}">
-        <p14:creationId xmlns:p14="http://schemas.microsoft.com/office/powerpoint/2010/main" val="2551443363"/>
+        <p14:creationId xmlns:p14="http://schemas.microsoft.com/office/powerpoint/2010/main" val="3524277270"/>
       </p:ext>
     </p:extLst>
   </p:cSld>
@@ -2490,13 +4397,7 @@
       </p:grpSpPr>
       <p:sp>
         <p:nvSpPr>
-          <p:cNvPr id="2" name="Titel 1">
-            <a:extLst>
-              <a:ext uri="{FF2B5EF4-FFF2-40B4-BE49-F238E27FC236}">
-                <a16:creationId xmlns:a16="http://schemas.microsoft.com/office/drawing/2014/main" id="{F48CFB96-222F-20EE-A7F8-6AC2F90CD909}"/>
-              </a:ext>
-            </a:extLst>
-          </p:cNvPr>
+          <p:cNvPr id="2" name="Title 1"/>
           <p:cNvSpPr>
             <a:spLocks noGrp="1"/>
           </p:cNvSpPr>
@@ -2506,15 +4407,17 @@
         </p:nvSpPr>
         <p:spPr>
           <a:xfrm>
-            <a:off x="839788" y="457200"/>
-            <a:ext cx="3932237" cy="1600200"/>
+            <a:off x="677334" y="4800600"/>
+            <a:ext cx="8596667" cy="566738"/>
           </a:xfrm>
         </p:spPr>
         <p:txBody>
-          <a:bodyPr anchor="b"/>
+          <a:bodyPr anchor="b">
+            <a:normAutofit/>
+          </a:bodyPr>
           <a:lstStyle>
-            <a:lvl1pPr>
-              <a:defRPr sz="3200"/>
+            <a:lvl1pPr algn="l">
+              <a:defRPr sz="2400" b="0"/>
             </a:lvl1pPr>
           </a:lstStyle>
           <a:p>
@@ -2522,20 +4425,15 @@
               <a:rPr lang="de-DE"/>
               <a:t>Mastertitelformat bearbeiten</a:t>
             </a:r>
-          </a:p>
-        </p:txBody>
-      </p:sp>
-      <p:sp>
-        <p:nvSpPr>
-          <p:cNvPr id="3" name="Bildplatzhalter 2">
-            <a:extLst>
-              <a:ext uri="{FF2B5EF4-FFF2-40B4-BE49-F238E27FC236}">
-                <a16:creationId xmlns:a16="http://schemas.microsoft.com/office/drawing/2014/main" id="{83B2714F-32FD-8EB8-9598-58B60995A5F3}"/>
-              </a:ext>
-            </a:extLst>
-          </p:cNvPr>
-          <p:cNvSpPr>
-            <a:spLocks noGrp="1"/>
+            <a:endParaRPr lang="en-US" dirty="0"/>
+          </a:p>
+        </p:txBody>
+      </p:sp>
+      <p:sp>
+        <p:nvSpPr>
+          <p:cNvPr id="3" name="Picture Placeholder 2"/>
+          <p:cNvSpPr>
+            <a:spLocks noGrp="1" noChangeAspect="1"/>
           </p:cNvSpPr>
           <p:nvPr>
             <p:ph type="pic" idx="1"/>
@@ -2543,118 +4441,120 @@
         </p:nvSpPr>
         <p:spPr>
           <a:xfrm>
-            <a:off x="5183188" y="987425"/>
-            <a:ext cx="6172200" cy="4873625"/>
+            <a:off x="677334" y="609600"/>
+            <a:ext cx="8596668" cy="3845718"/>
           </a:xfrm>
         </p:spPr>
         <p:txBody>
-          <a:bodyPr/>
+          <a:bodyPr anchor="t">
+            <a:normAutofit/>
+          </a:bodyPr>
           <a:lstStyle>
-            <a:lvl1pPr marL="0" indent="0">
-              <a:buNone/>
-              <a:defRPr sz="3200"/>
-            </a:lvl1pPr>
-            <a:lvl2pPr marL="457200" indent="0">
-              <a:buNone/>
-              <a:defRPr sz="2800"/>
-            </a:lvl2pPr>
-            <a:lvl3pPr marL="914400" indent="0">
-              <a:buNone/>
-              <a:defRPr sz="2400"/>
-            </a:lvl3pPr>
-            <a:lvl4pPr marL="1371600" indent="0">
-              <a:buNone/>
-              <a:defRPr sz="2000"/>
-            </a:lvl4pPr>
-            <a:lvl5pPr marL="1828800" indent="0">
-              <a:buNone/>
-              <a:defRPr sz="2000"/>
-            </a:lvl5pPr>
-            <a:lvl6pPr marL="2286000" indent="0">
-              <a:buNone/>
-              <a:defRPr sz="2000"/>
-            </a:lvl6pPr>
-            <a:lvl7pPr marL="2743200" indent="0">
-              <a:buNone/>
-              <a:defRPr sz="2000"/>
-            </a:lvl7pPr>
-            <a:lvl8pPr marL="3200400" indent="0">
-              <a:buNone/>
-              <a:defRPr sz="2000"/>
-            </a:lvl8pPr>
-            <a:lvl9pPr marL="3657600" indent="0">
-              <a:buNone/>
-              <a:defRPr sz="2000"/>
-            </a:lvl9pPr>
-          </a:lstStyle>
-          <a:p>
-            <a:endParaRPr lang="de-DE"/>
-          </a:p>
-        </p:txBody>
-      </p:sp>
-      <p:sp>
-        <p:nvSpPr>
-          <p:cNvPr id="4" name="Textplatzhalter 3">
-            <a:extLst>
-              <a:ext uri="{FF2B5EF4-FFF2-40B4-BE49-F238E27FC236}">
-                <a16:creationId xmlns:a16="http://schemas.microsoft.com/office/drawing/2014/main" id="{9521D752-01E4-5487-6AA4-DBC09D9D2857}"/>
-              </a:ext>
-            </a:extLst>
-          </p:cNvPr>
-          <p:cNvSpPr>
-            <a:spLocks noGrp="1"/>
-          </p:cNvSpPr>
-          <p:nvPr>
-            <p:ph type="body" sz="half" idx="2"/>
-          </p:nvPr>
-        </p:nvSpPr>
-        <p:spPr>
-          <a:xfrm>
-            <a:off x="839788" y="2057400"/>
-            <a:ext cx="3932237" cy="3811588"/>
-          </a:xfrm>
-        </p:spPr>
-        <p:txBody>
-          <a:bodyPr/>
-          <a:lstStyle>
-            <a:lvl1pPr marL="0" indent="0">
+            <a:lvl1pPr marL="0" indent="0" algn="ctr">
               <a:buNone/>
               <a:defRPr sz="1600"/>
             </a:lvl1pPr>
             <a:lvl2pPr marL="457200" indent="0">
               <a:buNone/>
-              <a:defRPr sz="1400"/>
+              <a:defRPr sz="1600"/>
             </a:lvl2pPr>
             <a:lvl3pPr marL="914400" indent="0">
               <a:buNone/>
-              <a:defRPr sz="1200"/>
+              <a:defRPr sz="1600"/>
             </a:lvl3pPr>
             <a:lvl4pPr marL="1371600" indent="0">
               <a:buNone/>
-              <a:defRPr sz="1000"/>
+              <a:defRPr sz="1600"/>
             </a:lvl4pPr>
             <a:lvl5pPr marL="1828800" indent="0">
               <a:buNone/>
-              <a:defRPr sz="1000"/>
+              <a:defRPr sz="1600"/>
             </a:lvl5pPr>
             <a:lvl6pPr marL="2286000" indent="0">
               <a:buNone/>
-              <a:defRPr sz="1000"/>
+              <a:defRPr sz="1600"/>
             </a:lvl6pPr>
             <a:lvl7pPr marL="2743200" indent="0">
               <a:buNone/>
-              <a:defRPr sz="1000"/>
+              <a:defRPr sz="1600"/>
             </a:lvl7pPr>
             <a:lvl8pPr marL="3200400" indent="0">
               <a:buNone/>
-              <a:defRPr sz="1000"/>
+              <a:defRPr sz="1600"/>
             </a:lvl8pPr>
             <a:lvl9pPr marL="3657600" indent="0">
               <a:buNone/>
-              <a:defRPr sz="1000"/>
+              <a:defRPr sz="1600"/>
             </a:lvl9pPr>
           </a:lstStyle>
           <a:p>
+            <a:r>
+              <a:rPr lang="de-DE"/>
+              <a:t>Bild durch Klicken auf Symbol hinzufügen</a:t>
+            </a:r>
+            <a:endParaRPr lang="en-US" dirty="0"/>
+          </a:p>
+        </p:txBody>
+      </p:sp>
+      <p:sp>
+        <p:nvSpPr>
+          <p:cNvPr id="4" name="Text Placeholder 3"/>
+          <p:cNvSpPr>
+            <a:spLocks noGrp="1"/>
+          </p:cNvSpPr>
+          <p:nvPr>
+            <p:ph type="body" sz="half" idx="2"/>
+          </p:nvPr>
+        </p:nvSpPr>
+        <p:spPr>
+          <a:xfrm>
+            <a:off x="677334" y="5367338"/>
+            <a:ext cx="8596667" cy="674024"/>
+          </a:xfrm>
+        </p:spPr>
+        <p:txBody>
+          <a:bodyPr>
+            <a:normAutofit/>
+          </a:bodyPr>
+          <a:lstStyle>
+            <a:lvl1pPr marL="0" indent="0">
+              <a:buNone/>
+              <a:defRPr sz="1200"/>
+            </a:lvl1pPr>
+            <a:lvl2pPr marL="457200" indent="0">
+              <a:buNone/>
+              <a:defRPr sz="1200"/>
+            </a:lvl2pPr>
+            <a:lvl3pPr marL="914400" indent="0">
+              <a:buNone/>
+              <a:defRPr sz="1000"/>
+            </a:lvl3pPr>
+            <a:lvl4pPr marL="1371600" indent="0">
+              <a:buNone/>
+              <a:defRPr sz="900"/>
+            </a:lvl4pPr>
+            <a:lvl5pPr marL="1828800" indent="0">
+              <a:buNone/>
+              <a:defRPr sz="900"/>
+            </a:lvl5pPr>
+            <a:lvl6pPr marL="2286000" indent="0">
+              <a:buNone/>
+              <a:defRPr sz="900"/>
+            </a:lvl6pPr>
+            <a:lvl7pPr marL="2743200" indent="0">
+              <a:buNone/>
+              <a:defRPr sz="900"/>
+            </a:lvl7pPr>
+            <a:lvl8pPr marL="3200400" indent="0">
+              <a:buNone/>
+              <a:defRPr sz="900"/>
+            </a:lvl8pPr>
+            <a:lvl9pPr marL="3657600" indent="0">
+              <a:buNone/>
+              <a:defRPr sz="900"/>
+            </a:lvl9pPr>
+          </a:lstStyle>
+          <a:p>
             <a:pPr lvl="0"/>
             <a:r>
               <a:rPr lang="de-DE"/>
@@ -2665,13 +4565,7 @@
       </p:sp>
       <p:sp>
         <p:nvSpPr>
-          <p:cNvPr id="5" name="Datumsplatzhalter 4">
-            <a:extLst>
-              <a:ext uri="{FF2B5EF4-FFF2-40B4-BE49-F238E27FC236}">
-                <a16:creationId xmlns:a16="http://schemas.microsoft.com/office/drawing/2014/main" id="{5010BB02-D926-BD27-7624-71A02DC71576}"/>
-              </a:ext>
-            </a:extLst>
-          </p:cNvPr>
+          <p:cNvPr id="5" name="Date Placeholder 4"/>
           <p:cNvSpPr>
             <a:spLocks noGrp="1"/>
           </p:cNvSpPr>
@@ -2686,7 +4580,7 @@
           <a:p>
             <a:fld id="{83AB6A7A-760E-487F-B824-C8AF509EACC5}" type="datetimeFigureOut">
               <a:rPr lang="de-DE" smtClean="0"/>
-              <a:t>11.06.2025</a:t>
+              <a:t>12.06.2025</a:t>
             </a:fld>
             <a:endParaRPr lang="de-DE"/>
           </a:p>
@@ -2694,13 +4588,7 @@
       </p:sp>
       <p:sp>
         <p:nvSpPr>
-          <p:cNvPr id="6" name="Fußzeilenplatzhalter 5">
-            <a:extLst>
-              <a:ext uri="{FF2B5EF4-FFF2-40B4-BE49-F238E27FC236}">
-                <a16:creationId xmlns:a16="http://schemas.microsoft.com/office/drawing/2014/main" id="{3EE9E7D7-6290-9C1D-8068-9D9C352BE977}"/>
-              </a:ext>
-            </a:extLst>
-          </p:cNvPr>
+          <p:cNvPr id="6" name="Footer Placeholder 5"/>
           <p:cNvSpPr>
             <a:spLocks noGrp="1"/>
           </p:cNvSpPr>
@@ -2719,13 +4607,7 @@
       </p:sp>
       <p:sp>
         <p:nvSpPr>
-          <p:cNvPr id="7" name="Foliennummernplatzhalter 6">
-            <a:extLst>
-              <a:ext uri="{FF2B5EF4-FFF2-40B4-BE49-F238E27FC236}">
-                <a16:creationId xmlns:a16="http://schemas.microsoft.com/office/drawing/2014/main" id="{278BEECB-9D18-F39B-2A5A-9C525CC9F109}"/>
-              </a:ext>
-            </a:extLst>
-          </p:cNvPr>
+          <p:cNvPr id="7" name="Slide Number Placeholder 6"/>
           <p:cNvSpPr>
             <a:spLocks noGrp="1"/>
           </p:cNvSpPr>
@@ -2749,7 +4631,7 @@
     </p:spTree>
     <p:extLst>
       <p:ext uri="{BB962C8B-B14F-4D97-AF65-F5344CB8AC3E}">
-        <p14:creationId xmlns:p14="http://schemas.microsoft.com/office/powerpoint/2010/main" val="36381355"/>
+        <p14:creationId xmlns:p14="http://schemas.microsoft.com/office/powerpoint/2010/main" val="1378184128"/>
       </p:ext>
     </p:extLst>
   </p:cSld>
@@ -2763,7 +4645,7 @@
 <p:sldMaster xmlns:a="http://schemas.openxmlformats.org/drawingml/2006/main" xmlns:r="http://schemas.openxmlformats.org/officeDocument/2006/relationships" xmlns:p="http://schemas.openxmlformats.org/presentationml/2006/main">
   <p:cSld>
     <p:bg>
-      <p:bgRef idx="1001">
+      <p:bgRef idx="1003">
         <a:schemeClr val="bg1"/>
       </p:bgRef>
     </p:bg>
@@ -2781,15 +4663,539 @@
           <a:chExt cx="0" cy="0"/>
         </a:xfrm>
       </p:grpSpPr>
-      <p:sp>
-        <p:nvSpPr>
-          <p:cNvPr id="2" name="Titelplatzhalter 1">
-            <a:extLst>
-              <a:ext uri="{FF2B5EF4-FFF2-40B4-BE49-F238E27FC236}">
-                <a16:creationId xmlns:a16="http://schemas.microsoft.com/office/drawing/2014/main" id="{1941BAFC-1A15-DEE7-EA68-33B881143F4F}"/>
-              </a:ext>
-            </a:extLst>
-          </p:cNvPr>
+      <p:grpSp>
+        <p:nvGrpSpPr>
+          <p:cNvPr id="7" name="Group 6"/>
+          <p:cNvGrpSpPr/>
+          <p:nvPr/>
+        </p:nvGrpSpPr>
+        <p:grpSpPr>
+          <a:xfrm>
+            <a:off x="0" y="-8467"/>
+            <a:ext cx="12192000" cy="6866467"/>
+            <a:chOff x="0" y="-8467"/>
+            <a:chExt cx="12192000" cy="6866467"/>
+          </a:xfrm>
+        </p:grpSpPr>
+        <p:cxnSp>
+          <p:nvCxnSpPr>
+            <p:cNvPr id="20" name="Straight Connector 19"/>
+            <p:cNvCxnSpPr/>
+            <p:nvPr/>
+          </p:nvCxnSpPr>
+          <p:spPr>
+            <a:xfrm>
+              <a:off x="9371012" y="0"/>
+              <a:ext cx="1219200" cy="6858000"/>
+            </a:xfrm>
+            <a:prstGeom prst="line">
+              <a:avLst/>
+            </a:prstGeom>
+            <a:ln w="9525">
+              <a:solidFill>
+                <a:schemeClr val="bg1">
+                  <a:lumMod val="75000"/>
+                </a:schemeClr>
+              </a:solidFill>
+            </a:ln>
+          </p:spPr>
+          <p:style>
+            <a:lnRef idx="2">
+              <a:schemeClr val="accent1"/>
+            </a:lnRef>
+            <a:fillRef idx="0">
+              <a:schemeClr val="accent1"/>
+            </a:fillRef>
+            <a:effectRef idx="1">
+              <a:schemeClr val="accent1"/>
+            </a:effectRef>
+            <a:fontRef idx="minor">
+              <a:schemeClr val="tx1"/>
+            </a:fontRef>
+          </p:style>
+        </p:cxnSp>
+        <p:cxnSp>
+          <p:nvCxnSpPr>
+            <p:cNvPr id="21" name="Straight Connector 20"/>
+            <p:cNvCxnSpPr/>
+            <p:nvPr/>
+          </p:nvCxnSpPr>
+          <p:spPr>
+            <a:xfrm flipH="1">
+              <a:off x="7425267" y="3681413"/>
+              <a:ext cx="4763558" cy="3176587"/>
+            </a:xfrm>
+            <a:prstGeom prst="line">
+              <a:avLst/>
+            </a:prstGeom>
+            <a:ln w="9525">
+              <a:solidFill>
+                <a:schemeClr val="bg1">
+                  <a:lumMod val="85000"/>
+                </a:schemeClr>
+              </a:solidFill>
+            </a:ln>
+          </p:spPr>
+          <p:style>
+            <a:lnRef idx="2">
+              <a:schemeClr val="accent1"/>
+            </a:lnRef>
+            <a:fillRef idx="0">
+              <a:schemeClr val="accent1"/>
+            </a:fillRef>
+            <a:effectRef idx="1">
+              <a:schemeClr val="accent1"/>
+            </a:effectRef>
+            <a:fontRef idx="minor">
+              <a:schemeClr val="tx1"/>
+            </a:fontRef>
+          </p:style>
+        </p:cxnSp>
+        <p:sp>
+          <p:nvSpPr>
+            <p:cNvPr id="22" name="Rectangle 23"/>
+            <p:cNvSpPr/>
+            <p:nvPr/>
+          </p:nvSpPr>
+          <p:spPr>
+            <a:xfrm>
+              <a:off x="9181476" y="-8467"/>
+              <a:ext cx="3007349" cy="6866467"/>
+            </a:xfrm>
+            <a:custGeom>
+              <a:avLst/>
+              <a:gdLst/>
+              <a:ahLst/>
+              <a:cxnLst/>
+              <a:rect l="l" t="t" r="r" b="b"/>
+              <a:pathLst>
+                <a:path w="3007349" h="6866467">
+                  <a:moveTo>
+                    <a:pt x="2045532" y="0"/>
+                  </a:moveTo>
+                  <a:lnTo>
+                    <a:pt x="3007349" y="0"/>
+                  </a:lnTo>
+                  <a:lnTo>
+                    <a:pt x="3007349" y="6866467"/>
+                  </a:lnTo>
+                  <a:lnTo>
+                    <a:pt x="0" y="6866467"/>
+                  </a:lnTo>
+                  <a:lnTo>
+                    <a:pt x="2045532" y="0"/>
+                  </a:lnTo>
+                  <a:close/>
+                </a:path>
+              </a:pathLst>
+            </a:custGeom>
+            <a:solidFill>
+              <a:schemeClr val="accent1">
+                <a:alpha val="30000"/>
+              </a:schemeClr>
+            </a:solidFill>
+            <a:ln>
+              <a:noFill/>
+            </a:ln>
+            <a:effectLst/>
+          </p:spPr>
+          <p:style>
+            <a:lnRef idx="1">
+              <a:schemeClr val="accent1"/>
+            </a:lnRef>
+            <a:fillRef idx="3">
+              <a:schemeClr val="accent1"/>
+            </a:fillRef>
+            <a:effectRef idx="2">
+              <a:schemeClr val="accent1"/>
+            </a:effectRef>
+            <a:fontRef idx="minor">
+              <a:schemeClr val="lt1"/>
+            </a:fontRef>
+          </p:style>
+        </p:sp>
+        <p:sp>
+          <p:nvSpPr>
+            <p:cNvPr id="23" name="Rectangle 25"/>
+            <p:cNvSpPr/>
+            <p:nvPr/>
+          </p:nvSpPr>
+          <p:spPr>
+            <a:xfrm>
+              <a:off x="9603442" y="-8467"/>
+              <a:ext cx="2588558" cy="6866467"/>
+            </a:xfrm>
+            <a:custGeom>
+              <a:avLst/>
+              <a:gdLst/>
+              <a:ahLst/>
+              <a:cxnLst/>
+              <a:rect l="l" t="t" r="r" b="b"/>
+              <a:pathLst>
+                <a:path w="2573311" h="6866467">
+                  <a:moveTo>
+                    <a:pt x="0" y="0"/>
+                  </a:moveTo>
+                  <a:lnTo>
+                    <a:pt x="2573311" y="0"/>
+                  </a:lnTo>
+                  <a:lnTo>
+                    <a:pt x="2573311" y="6866467"/>
+                  </a:lnTo>
+                  <a:lnTo>
+                    <a:pt x="1202336" y="6866467"/>
+                  </a:lnTo>
+                  <a:lnTo>
+                    <a:pt x="0" y="0"/>
+                  </a:lnTo>
+                  <a:close/>
+                </a:path>
+              </a:pathLst>
+            </a:custGeom>
+            <a:solidFill>
+              <a:schemeClr val="accent1">
+                <a:alpha val="20000"/>
+              </a:schemeClr>
+            </a:solidFill>
+            <a:ln>
+              <a:noFill/>
+            </a:ln>
+            <a:effectLst/>
+          </p:spPr>
+          <p:style>
+            <a:lnRef idx="1">
+              <a:schemeClr val="accent1"/>
+            </a:lnRef>
+            <a:fillRef idx="3">
+              <a:schemeClr val="accent1"/>
+            </a:fillRef>
+            <a:effectRef idx="2">
+              <a:schemeClr val="accent1"/>
+            </a:effectRef>
+            <a:fontRef idx="minor">
+              <a:schemeClr val="lt1"/>
+            </a:fontRef>
+          </p:style>
+        </p:sp>
+        <p:sp>
+          <p:nvSpPr>
+            <p:cNvPr id="24" name="Isosceles Triangle 23"/>
+            <p:cNvSpPr/>
+            <p:nvPr/>
+          </p:nvSpPr>
+          <p:spPr>
+            <a:xfrm>
+              <a:off x="8932333" y="3048000"/>
+              <a:ext cx="3259667" cy="3810000"/>
+            </a:xfrm>
+            <a:prstGeom prst="triangle">
+              <a:avLst>
+                <a:gd name="adj" fmla="val 100000"/>
+              </a:avLst>
+            </a:prstGeom>
+            <a:solidFill>
+              <a:schemeClr val="accent2">
+                <a:alpha val="72000"/>
+              </a:schemeClr>
+            </a:solidFill>
+            <a:ln>
+              <a:noFill/>
+            </a:ln>
+            <a:effectLst/>
+          </p:spPr>
+          <p:style>
+            <a:lnRef idx="1">
+              <a:schemeClr val="accent1"/>
+            </a:lnRef>
+            <a:fillRef idx="3">
+              <a:schemeClr val="accent1"/>
+            </a:fillRef>
+            <a:effectRef idx="2">
+              <a:schemeClr val="accent1"/>
+            </a:effectRef>
+            <a:fontRef idx="minor">
+              <a:schemeClr val="lt1"/>
+            </a:fontRef>
+          </p:style>
+        </p:sp>
+        <p:sp>
+          <p:nvSpPr>
+            <p:cNvPr id="25" name="Rectangle 27"/>
+            <p:cNvSpPr/>
+            <p:nvPr/>
+          </p:nvSpPr>
+          <p:spPr>
+            <a:xfrm>
+              <a:off x="9334500" y="-8467"/>
+              <a:ext cx="2854326" cy="6866467"/>
+            </a:xfrm>
+            <a:custGeom>
+              <a:avLst/>
+              <a:gdLst/>
+              <a:ahLst/>
+              <a:cxnLst/>
+              <a:rect l="l" t="t" r="r" b="b"/>
+              <a:pathLst>
+                <a:path w="2858013" h="6866467">
+                  <a:moveTo>
+                    <a:pt x="0" y="0"/>
+                  </a:moveTo>
+                  <a:lnTo>
+                    <a:pt x="2858013" y="0"/>
+                  </a:lnTo>
+                  <a:lnTo>
+                    <a:pt x="2858013" y="6866467"/>
+                  </a:lnTo>
+                  <a:lnTo>
+                    <a:pt x="2473942" y="6866467"/>
+                  </a:lnTo>
+                  <a:lnTo>
+                    <a:pt x="0" y="0"/>
+                  </a:lnTo>
+                  <a:close/>
+                </a:path>
+              </a:pathLst>
+            </a:custGeom>
+            <a:solidFill>
+              <a:schemeClr val="accent2">
+                <a:lumMod val="75000"/>
+                <a:alpha val="70000"/>
+              </a:schemeClr>
+            </a:solidFill>
+            <a:ln>
+              <a:noFill/>
+            </a:ln>
+            <a:effectLst/>
+          </p:spPr>
+          <p:style>
+            <a:lnRef idx="1">
+              <a:schemeClr val="accent1"/>
+            </a:lnRef>
+            <a:fillRef idx="3">
+              <a:schemeClr val="accent1"/>
+            </a:fillRef>
+            <a:effectRef idx="2">
+              <a:schemeClr val="accent1"/>
+            </a:effectRef>
+            <a:fontRef idx="minor">
+              <a:schemeClr val="lt1"/>
+            </a:fontRef>
+          </p:style>
+        </p:sp>
+        <p:sp>
+          <p:nvSpPr>
+            <p:cNvPr id="26" name="Rectangle 28"/>
+            <p:cNvSpPr/>
+            <p:nvPr/>
+          </p:nvSpPr>
+          <p:spPr>
+            <a:xfrm>
+              <a:off x="10898730" y="-8467"/>
+              <a:ext cx="1290094" cy="6866467"/>
+            </a:xfrm>
+            <a:custGeom>
+              <a:avLst/>
+              <a:gdLst/>
+              <a:ahLst/>
+              <a:cxnLst/>
+              <a:rect l="l" t="t" r="r" b="b"/>
+              <a:pathLst>
+                <a:path w="1290094" h="6858000">
+                  <a:moveTo>
+                    <a:pt x="1019735" y="0"/>
+                  </a:moveTo>
+                  <a:lnTo>
+                    <a:pt x="1290094" y="0"/>
+                  </a:lnTo>
+                  <a:lnTo>
+                    <a:pt x="1290094" y="6858000"/>
+                  </a:lnTo>
+                  <a:lnTo>
+                    <a:pt x="0" y="6858000"/>
+                  </a:lnTo>
+                  <a:lnTo>
+                    <a:pt x="1019735" y="0"/>
+                  </a:lnTo>
+                  <a:close/>
+                </a:path>
+              </a:pathLst>
+            </a:custGeom>
+            <a:solidFill>
+              <a:schemeClr val="accent1">
+                <a:lumMod val="60000"/>
+                <a:lumOff val="40000"/>
+                <a:alpha val="70000"/>
+              </a:schemeClr>
+            </a:solidFill>
+            <a:ln>
+              <a:noFill/>
+            </a:ln>
+            <a:effectLst/>
+          </p:spPr>
+          <p:style>
+            <a:lnRef idx="1">
+              <a:schemeClr val="accent1"/>
+            </a:lnRef>
+            <a:fillRef idx="3">
+              <a:schemeClr val="accent1"/>
+            </a:fillRef>
+            <a:effectRef idx="2">
+              <a:schemeClr val="accent1"/>
+            </a:effectRef>
+            <a:fontRef idx="minor">
+              <a:schemeClr val="lt1"/>
+            </a:fontRef>
+          </p:style>
+        </p:sp>
+        <p:sp>
+          <p:nvSpPr>
+            <p:cNvPr id="27" name="Rectangle 29"/>
+            <p:cNvSpPr/>
+            <p:nvPr/>
+          </p:nvSpPr>
+          <p:spPr>
+            <a:xfrm>
+              <a:off x="10938999" y="-8467"/>
+              <a:ext cx="1249825" cy="6866467"/>
+            </a:xfrm>
+            <a:custGeom>
+              <a:avLst/>
+              <a:gdLst/>
+              <a:ahLst/>
+              <a:cxnLst/>
+              <a:rect l="l" t="t" r="r" b="b"/>
+              <a:pathLst>
+                <a:path w="1249825" h="6858000">
+                  <a:moveTo>
+                    <a:pt x="0" y="0"/>
+                  </a:moveTo>
+                  <a:lnTo>
+                    <a:pt x="1249825" y="0"/>
+                  </a:lnTo>
+                  <a:lnTo>
+                    <a:pt x="1249825" y="6858000"/>
+                  </a:lnTo>
+                  <a:lnTo>
+                    <a:pt x="1109382" y="6858000"/>
+                  </a:lnTo>
+                  <a:lnTo>
+                    <a:pt x="0" y="0"/>
+                  </a:lnTo>
+                  <a:close/>
+                </a:path>
+              </a:pathLst>
+            </a:custGeom>
+            <a:solidFill>
+              <a:schemeClr val="accent1">
+                <a:alpha val="65000"/>
+              </a:schemeClr>
+            </a:solidFill>
+            <a:ln>
+              <a:noFill/>
+            </a:ln>
+            <a:effectLst/>
+          </p:spPr>
+          <p:style>
+            <a:lnRef idx="1">
+              <a:schemeClr val="accent1"/>
+            </a:lnRef>
+            <a:fillRef idx="3">
+              <a:schemeClr val="accent1"/>
+            </a:fillRef>
+            <a:effectRef idx="2">
+              <a:schemeClr val="accent1"/>
+            </a:effectRef>
+            <a:fontRef idx="minor">
+              <a:schemeClr val="lt1"/>
+            </a:fontRef>
+          </p:style>
+        </p:sp>
+        <p:sp>
+          <p:nvSpPr>
+            <p:cNvPr id="28" name="Isosceles Triangle 27"/>
+            <p:cNvSpPr/>
+            <p:nvPr/>
+          </p:nvSpPr>
+          <p:spPr>
+            <a:xfrm>
+              <a:off x="10371666" y="3589867"/>
+              <a:ext cx="1817159" cy="3268133"/>
+            </a:xfrm>
+            <a:prstGeom prst="triangle">
+              <a:avLst>
+                <a:gd name="adj" fmla="val 100000"/>
+              </a:avLst>
+            </a:prstGeom>
+            <a:solidFill>
+              <a:schemeClr val="accent1">
+                <a:alpha val="80000"/>
+              </a:schemeClr>
+            </a:solidFill>
+            <a:ln>
+              <a:noFill/>
+            </a:ln>
+            <a:effectLst/>
+          </p:spPr>
+          <p:style>
+            <a:lnRef idx="1">
+              <a:schemeClr val="accent1"/>
+            </a:lnRef>
+            <a:fillRef idx="3">
+              <a:schemeClr val="accent1"/>
+            </a:fillRef>
+            <a:effectRef idx="2">
+              <a:schemeClr val="accent1"/>
+            </a:effectRef>
+            <a:fontRef idx="minor">
+              <a:schemeClr val="lt1"/>
+            </a:fontRef>
+          </p:style>
+        </p:sp>
+        <p:sp>
+          <p:nvSpPr>
+            <p:cNvPr id="29" name="Isosceles Triangle 28"/>
+            <p:cNvSpPr/>
+            <p:nvPr/>
+          </p:nvSpPr>
+          <p:spPr>
+            <a:xfrm>
+              <a:off x="0" y="4013200"/>
+              <a:ext cx="448733" cy="2844800"/>
+            </a:xfrm>
+            <a:prstGeom prst="triangle">
+              <a:avLst>
+                <a:gd name="adj" fmla="val 0"/>
+              </a:avLst>
+            </a:prstGeom>
+            <a:solidFill>
+              <a:schemeClr val="accent1">
+                <a:alpha val="85000"/>
+              </a:schemeClr>
+            </a:solidFill>
+            <a:ln>
+              <a:noFill/>
+            </a:ln>
+            <a:effectLst/>
+          </p:spPr>
+          <p:style>
+            <a:lnRef idx="1">
+              <a:schemeClr val="accent1"/>
+            </a:lnRef>
+            <a:fillRef idx="3">
+              <a:schemeClr val="accent1"/>
+            </a:fillRef>
+            <a:effectRef idx="2">
+              <a:schemeClr val="accent1"/>
+            </a:effectRef>
+            <a:fontRef idx="minor">
+              <a:schemeClr val="lt1"/>
+            </a:fontRef>
+          </p:style>
+        </p:sp>
+      </p:grpSp>
+      <p:sp>
+        <p:nvSpPr>
+          <p:cNvPr id="2" name="Title Placeholder 1"/>
           <p:cNvSpPr>
             <a:spLocks noGrp="1"/>
           </p:cNvSpPr>
@@ -2799,15 +5205,15 @@
         </p:nvSpPr>
         <p:spPr>
           <a:xfrm>
-            <a:off x="838200" y="365125"/>
-            <a:ext cx="10515600" cy="1325563"/>
+            <a:off x="677334" y="609600"/>
+            <a:ext cx="8596668" cy="1320800"/>
           </a:xfrm>
           <a:prstGeom prst="rect">
             <a:avLst/>
           </a:prstGeom>
         </p:spPr>
         <p:txBody>
-          <a:bodyPr vert="horz" lIns="91440" tIns="45720" rIns="91440" bIns="45720" rtlCol="0" anchor="ctr">
+          <a:bodyPr vert="horz" lIns="91440" tIns="45720" rIns="91440" bIns="45720" rtlCol="0" anchor="t">
             <a:normAutofit/>
           </a:bodyPr>
           <a:lstStyle/>
@@ -2816,18 +5222,13 @@
               <a:rPr lang="de-DE"/>
               <a:t>Mastertitelformat bearbeiten</a:t>
             </a:r>
-          </a:p>
-        </p:txBody>
-      </p:sp>
-      <p:sp>
-        <p:nvSpPr>
-          <p:cNvPr id="3" name="Textplatzhalter 2">
-            <a:extLst>
-              <a:ext uri="{FF2B5EF4-FFF2-40B4-BE49-F238E27FC236}">
-                <a16:creationId xmlns:a16="http://schemas.microsoft.com/office/drawing/2014/main" id="{2E8F7C74-CEF7-0E50-7DF9-C35E6349AE98}"/>
-              </a:ext>
-            </a:extLst>
-          </p:cNvPr>
+            <a:endParaRPr lang="en-US" dirty="0"/>
+          </a:p>
+        </p:txBody>
+      </p:sp>
+      <p:sp>
+        <p:nvSpPr>
+          <p:cNvPr id="3" name="Text Placeholder 2"/>
           <p:cNvSpPr>
             <a:spLocks noGrp="1"/>
           </p:cNvSpPr>
@@ -2837,8 +5238,8 @@
         </p:nvSpPr>
         <p:spPr>
           <a:xfrm>
-            <a:off x="838200" y="1825625"/>
-            <a:ext cx="10515600" cy="4351338"/>
+            <a:off x="677334" y="2160589"/>
+            <a:ext cx="8596668" cy="3880773"/>
           </a:xfrm>
           <a:prstGeom prst="rect">
             <a:avLst/>
@@ -2883,18 +5284,13 @@
               <a:rPr lang="de-DE"/>
               <a:t>Fünfte Ebene</a:t>
             </a:r>
-          </a:p>
-        </p:txBody>
-      </p:sp>
-      <p:sp>
-        <p:nvSpPr>
-          <p:cNvPr id="4" name="Datumsplatzhalter 3">
-            <a:extLst>
-              <a:ext uri="{FF2B5EF4-FFF2-40B4-BE49-F238E27FC236}">
-                <a16:creationId xmlns:a16="http://schemas.microsoft.com/office/drawing/2014/main" id="{70B4B373-E9B5-8C33-F537-74B104265AED}"/>
-              </a:ext>
-            </a:extLst>
-          </p:cNvPr>
+            <a:endParaRPr lang="en-US" dirty="0"/>
+          </a:p>
+        </p:txBody>
+      </p:sp>
+      <p:sp>
+        <p:nvSpPr>
+          <p:cNvPr id="4" name="Date Placeholder 3"/>
           <p:cNvSpPr>
             <a:spLocks noGrp="1"/>
           </p:cNvSpPr>
@@ -2904,8 +5300,8 @@
         </p:nvSpPr>
         <p:spPr>
           <a:xfrm>
-            <a:off x="838200" y="6356350"/>
-            <a:ext cx="2743200" cy="365125"/>
+            <a:off x="7205133" y="6041362"/>
+            <a:ext cx="911939" cy="365125"/>
           </a:xfrm>
           <a:prstGeom prst="rect">
             <a:avLst/>
@@ -2914,11 +5310,11 @@
         <p:txBody>
           <a:bodyPr vert="horz" lIns="91440" tIns="45720" rIns="91440" bIns="45720" rtlCol="0" anchor="ctr"/>
           <a:lstStyle>
-            <a:lvl1pPr algn="l">
-              <a:defRPr sz="1200">
+            <a:lvl1pPr algn="r">
+              <a:defRPr sz="900">
                 <a:solidFill>
                   <a:schemeClr val="tx1">
-                    <a:tint val="82000"/>
+                    <a:tint val="75000"/>
                   </a:schemeClr>
                 </a:solidFill>
               </a:defRPr>
@@ -2927,7 +5323,7 @@
           <a:p>
             <a:fld id="{83AB6A7A-760E-487F-B824-C8AF509EACC5}" type="datetimeFigureOut">
               <a:rPr lang="de-DE" smtClean="0"/>
-              <a:t>11.06.2025</a:t>
+              <a:t>12.06.2025</a:t>
             </a:fld>
             <a:endParaRPr lang="de-DE"/>
           </a:p>
@@ -2935,13 +5331,7 @@
       </p:sp>
       <p:sp>
         <p:nvSpPr>
-          <p:cNvPr id="5" name="Fußzeilenplatzhalter 4">
-            <a:extLst>
-              <a:ext uri="{FF2B5EF4-FFF2-40B4-BE49-F238E27FC236}">
-                <a16:creationId xmlns:a16="http://schemas.microsoft.com/office/drawing/2014/main" id="{4237D0F4-1B7F-F3EB-2A29-3120AF9DE9F2}"/>
-              </a:ext>
-            </a:extLst>
-          </p:cNvPr>
+          <p:cNvPr id="5" name="Footer Placeholder 4"/>
           <p:cNvSpPr>
             <a:spLocks noGrp="1"/>
           </p:cNvSpPr>
@@ -2951,8 +5341,8 @@
         </p:nvSpPr>
         <p:spPr>
           <a:xfrm>
-            <a:off x="4038600" y="6356350"/>
-            <a:ext cx="4114800" cy="365125"/>
+            <a:off x="677334" y="6041362"/>
+            <a:ext cx="6297612" cy="365125"/>
           </a:xfrm>
           <a:prstGeom prst="rect">
             <a:avLst/>
@@ -2961,11 +5351,11 @@
         <p:txBody>
           <a:bodyPr vert="horz" lIns="91440" tIns="45720" rIns="91440" bIns="45720" rtlCol="0" anchor="ctr"/>
           <a:lstStyle>
-            <a:lvl1pPr algn="ctr">
-              <a:defRPr sz="1200">
+            <a:lvl1pPr algn="l">
+              <a:defRPr sz="900">
                 <a:solidFill>
                   <a:schemeClr val="tx1">
-                    <a:tint val="82000"/>
+                    <a:tint val="75000"/>
                   </a:schemeClr>
                 </a:solidFill>
               </a:defRPr>
@@ -2978,13 +5368,7 @@
       </p:sp>
       <p:sp>
         <p:nvSpPr>
-          <p:cNvPr id="6" name="Foliennummernplatzhalter 5">
-            <a:extLst>
-              <a:ext uri="{FF2B5EF4-FFF2-40B4-BE49-F238E27FC236}">
-                <a16:creationId xmlns:a16="http://schemas.microsoft.com/office/drawing/2014/main" id="{CA041712-25E6-9BB5-962F-FD8747007F57}"/>
-              </a:ext>
-            </a:extLst>
-          </p:cNvPr>
+          <p:cNvPr id="6" name="Slide Number Placeholder 5"/>
           <p:cNvSpPr>
             <a:spLocks noGrp="1"/>
           </p:cNvSpPr>
@@ -2994,8 +5378,8 @@
         </p:nvSpPr>
         <p:spPr>
           <a:xfrm>
-            <a:off x="8610600" y="6356350"/>
-            <a:ext cx="2743200" cy="365125"/>
+            <a:off x="8590663" y="6041362"/>
+            <a:ext cx="683339" cy="365125"/>
           </a:xfrm>
           <a:prstGeom prst="rect">
             <a:avLst/>
@@ -3005,11 +5389,9 @@
           <a:bodyPr vert="horz" lIns="91440" tIns="45720" rIns="91440" bIns="45720" rtlCol="0" anchor="ctr"/>
           <a:lstStyle>
             <a:lvl1pPr algn="r">
-              <a:defRPr sz="1200">
+              <a:defRPr sz="900">
                 <a:solidFill>
-                  <a:schemeClr val="tx1">
-                    <a:tint val="82000"/>
-                  </a:schemeClr>
+                  <a:schemeClr val="accent1"/>
                 </a:solidFill>
               </a:defRPr>
             </a:lvl1pPr>
@@ -3026,55 +5408,335 @@
     </p:spTree>
     <p:extLst>
       <p:ext uri="{BB962C8B-B14F-4D97-AF65-F5344CB8AC3E}">
-        <p14:creationId xmlns:p14="http://schemas.microsoft.com/office/powerpoint/2010/main" val="3953153901"/>
+        <p14:creationId xmlns:p14="http://schemas.microsoft.com/office/powerpoint/2010/main" val="2616473420"/>
       </p:ext>
     </p:extLst>
   </p:cSld>
   <p:clrMap bg1="lt1" tx1="dk1" bg2="lt2" tx2="dk2" accent1="accent1" accent2="accent2" accent3="accent3" accent4="accent4" accent5="accent5" accent6="accent6" hlink="hlink" folHlink="folHlink"/>
   <p:sldLayoutIdLst>
-    <p:sldLayoutId id="2147483649" r:id="rId1"/>
-    <p:sldLayoutId id="2147483650" r:id="rId2"/>
-    <p:sldLayoutId id="2147483651" r:id="rId3"/>
-    <p:sldLayoutId id="2147483652" r:id="rId4"/>
-    <p:sldLayoutId id="2147483653" r:id="rId5"/>
-    <p:sldLayoutId id="2147483654" r:id="rId6"/>
-    <p:sldLayoutId id="2147483655" r:id="rId7"/>
-    <p:sldLayoutId id="2147483656" r:id="rId8"/>
-    <p:sldLayoutId id="2147483657" r:id="rId9"/>
-    <p:sldLayoutId id="2147483658" r:id="rId10"/>
-    <p:sldLayoutId id="2147483659" r:id="rId11"/>
+    <p:sldLayoutId id="2147483661" r:id="rId1"/>
+    <p:sldLayoutId id="2147483662" r:id="rId2"/>
+    <p:sldLayoutId id="2147483663" r:id="rId3"/>
+    <p:sldLayoutId id="2147483664" r:id="rId4"/>
+    <p:sldLayoutId id="2147483665" r:id="rId5"/>
+    <p:sldLayoutId id="2147483666" r:id="rId6"/>
+    <p:sldLayoutId id="2147483667" r:id="rId7"/>
+    <p:sldLayoutId id="2147483668" r:id="rId8"/>
+    <p:sldLayoutId id="2147483669" r:id="rId9"/>
+    <p:sldLayoutId id="2147483670" r:id="rId10"/>
+    <p:sldLayoutId id="2147483671" r:id="rId11"/>
+    <p:sldLayoutId id="2147483672" r:id="rId12"/>
+    <p:sldLayoutId id="2147483673" r:id="rId13"/>
+    <p:sldLayoutId id="2147483674" r:id="rId14"/>
+    <p:sldLayoutId id="2147483675" r:id="rId15"/>
+    <p:sldLayoutId id="2147483676" r:id="rId16"/>
   </p:sldLayoutIdLst>
   <p:txStyles>
     <p:titleStyle>
-      <a:lvl1pPr algn="l" defTabSz="914400" rtl="0" eaLnBrk="1" latinLnBrk="0" hangingPunct="1">
-        <a:lnSpc>
-          <a:spcPct val="90000"/>
-        </a:lnSpc>
+      <a:lvl1pPr algn="l" defTabSz="457200" rtl="0" eaLnBrk="1" latinLnBrk="0" hangingPunct="1">
         <a:spcBef>
           <a:spcPct val="0"/>
         </a:spcBef>
         <a:buNone/>
-        <a:defRPr sz="4400" kern="1200">
+        <a:defRPr sz="3600" kern="1200">
           <a:solidFill>
-            <a:schemeClr val="tx1"/>
+            <a:schemeClr val="accent1"/>
           </a:solidFill>
           <a:latin typeface="+mj-lt"/>
           <a:ea typeface="+mj-ea"/>
           <a:cs typeface="+mj-cs"/>
         </a:defRPr>
       </a:lvl1pPr>
+      <a:lvl2pPr eaLnBrk="1" hangingPunct="1">
+        <a:defRPr>
+          <a:solidFill>
+            <a:schemeClr val="tx2"/>
+          </a:solidFill>
+        </a:defRPr>
+      </a:lvl2pPr>
+      <a:lvl3pPr eaLnBrk="1" hangingPunct="1">
+        <a:defRPr>
+          <a:solidFill>
+            <a:schemeClr val="tx2"/>
+          </a:solidFill>
+        </a:defRPr>
+      </a:lvl3pPr>
+      <a:lvl4pPr eaLnBrk="1" hangingPunct="1">
+        <a:defRPr>
+          <a:solidFill>
+            <a:schemeClr val="tx2"/>
+          </a:solidFill>
+        </a:defRPr>
+      </a:lvl4pPr>
+      <a:lvl5pPr eaLnBrk="1" hangingPunct="1">
+        <a:defRPr>
+          <a:solidFill>
+            <a:schemeClr val="tx2"/>
+          </a:solidFill>
+        </a:defRPr>
+      </a:lvl5pPr>
+      <a:lvl6pPr eaLnBrk="1" hangingPunct="1">
+        <a:defRPr>
+          <a:solidFill>
+            <a:schemeClr val="tx2"/>
+          </a:solidFill>
+        </a:defRPr>
+      </a:lvl6pPr>
+      <a:lvl7pPr eaLnBrk="1" hangingPunct="1">
+        <a:defRPr>
+          <a:solidFill>
+            <a:schemeClr val="tx2"/>
+          </a:solidFill>
+        </a:defRPr>
+      </a:lvl7pPr>
+      <a:lvl8pPr eaLnBrk="1" hangingPunct="1">
+        <a:defRPr>
+          <a:solidFill>
+            <a:schemeClr val="tx2"/>
+          </a:solidFill>
+        </a:defRPr>
+      </a:lvl8pPr>
+      <a:lvl9pPr eaLnBrk="1" hangingPunct="1">
+        <a:defRPr>
+          <a:solidFill>
+            <a:schemeClr val="tx2"/>
+          </a:solidFill>
+        </a:defRPr>
+      </a:lvl9pPr>
     </p:titleStyle>
     <p:bodyStyle>
-      <a:lvl1pPr marL="228600" indent="-228600" algn="l" defTabSz="914400" rtl="0" eaLnBrk="1" latinLnBrk="0" hangingPunct="1">
-        <a:lnSpc>
-          <a:spcPct val="90000"/>
-        </a:lnSpc>
+      <a:lvl1pPr marL="342900" indent="-342900" algn="l" defTabSz="457200" rtl="0" eaLnBrk="1" latinLnBrk="0" hangingPunct="1">
         <a:spcBef>
           <a:spcPts val="1000"/>
         </a:spcBef>
-        <a:buFont typeface="Arial" panose="020B0604020202020204" pitchFamily="34" charset="0"/>
-        <a:buChar char="•"/>
-        <a:defRPr sz="2800" kern="1200">
+        <a:spcAft>
+          <a:spcPts val="0"/>
+        </a:spcAft>
+        <a:buClr>
+          <a:schemeClr val="accent1"/>
+        </a:buClr>
+        <a:buSzPct val="80000"/>
+        <a:buFont typeface="Wingdings 3" charset="2"/>
+        <a:buChar char=""/>
+        <a:defRPr sz="1800" kern="1200">
+          <a:solidFill>
+            <a:schemeClr val="tx1">
+              <a:lumMod val="75000"/>
+              <a:lumOff val="25000"/>
+            </a:schemeClr>
+          </a:solidFill>
+          <a:latin typeface="+mn-lt"/>
+          <a:ea typeface="+mn-ea"/>
+          <a:cs typeface="+mn-cs"/>
+        </a:defRPr>
+      </a:lvl1pPr>
+      <a:lvl2pPr marL="742950" indent="-285750" algn="l" defTabSz="457200" rtl="0" eaLnBrk="1" latinLnBrk="0" hangingPunct="1">
+        <a:spcBef>
+          <a:spcPts val="1000"/>
+        </a:spcBef>
+        <a:spcAft>
+          <a:spcPts val="0"/>
+        </a:spcAft>
+        <a:buClr>
+          <a:schemeClr val="accent1"/>
+        </a:buClr>
+        <a:buSzPct val="80000"/>
+        <a:buFont typeface="Wingdings 3" charset="2"/>
+        <a:buChar char=""/>
+        <a:defRPr sz="1600" kern="1200">
+          <a:solidFill>
+            <a:schemeClr val="tx1">
+              <a:lumMod val="75000"/>
+              <a:lumOff val="25000"/>
+            </a:schemeClr>
+          </a:solidFill>
+          <a:latin typeface="+mn-lt"/>
+          <a:ea typeface="+mn-ea"/>
+          <a:cs typeface="+mn-cs"/>
+        </a:defRPr>
+      </a:lvl2pPr>
+      <a:lvl3pPr marL="1143000" indent="-228600" algn="l" defTabSz="457200" rtl="0" eaLnBrk="1" latinLnBrk="0" hangingPunct="1">
+        <a:spcBef>
+          <a:spcPts val="1000"/>
+        </a:spcBef>
+        <a:spcAft>
+          <a:spcPts val="0"/>
+        </a:spcAft>
+        <a:buClr>
+          <a:schemeClr val="accent1"/>
+        </a:buClr>
+        <a:buSzPct val="80000"/>
+        <a:buFont typeface="Wingdings 3" charset="2"/>
+        <a:buChar char=""/>
+        <a:defRPr sz="1400" kern="1200">
+          <a:solidFill>
+            <a:schemeClr val="tx1">
+              <a:lumMod val="75000"/>
+              <a:lumOff val="25000"/>
+            </a:schemeClr>
+          </a:solidFill>
+          <a:latin typeface="+mn-lt"/>
+          <a:ea typeface="+mn-ea"/>
+          <a:cs typeface="+mn-cs"/>
+        </a:defRPr>
+      </a:lvl3pPr>
+      <a:lvl4pPr marL="1600200" indent="-228600" algn="l" defTabSz="457200" rtl="0" eaLnBrk="1" latinLnBrk="0" hangingPunct="1">
+        <a:spcBef>
+          <a:spcPts val="1000"/>
+        </a:spcBef>
+        <a:spcAft>
+          <a:spcPts val="0"/>
+        </a:spcAft>
+        <a:buClr>
+          <a:schemeClr val="accent1"/>
+        </a:buClr>
+        <a:buSzPct val="80000"/>
+        <a:buFont typeface="Wingdings 3" charset="2"/>
+        <a:buChar char=""/>
+        <a:defRPr sz="1200" kern="1200">
+          <a:solidFill>
+            <a:schemeClr val="tx1">
+              <a:lumMod val="75000"/>
+              <a:lumOff val="25000"/>
+            </a:schemeClr>
+          </a:solidFill>
+          <a:latin typeface="+mn-lt"/>
+          <a:ea typeface="+mn-ea"/>
+          <a:cs typeface="+mn-cs"/>
+        </a:defRPr>
+      </a:lvl4pPr>
+      <a:lvl5pPr marL="2057400" indent="-228600" algn="l" defTabSz="457200" rtl="0" eaLnBrk="1" latinLnBrk="0" hangingPunct="1">
+        <a:spcBef>
+          <a:spcPts val="1000"/>
+        </a:spcBef>
+        <a:spcAft>
+          <a:spcPts val="0"/>
+        </a:spcAft>
+        <a:buClr>
+          <a:schemeClr val="accent1"/>
+        </a:buClr>
+        <a:buSzPct val="80000"/>
+        <a:buFont typeface="Wingdings 3" charset="2"/>
+        <a:buChar char=""/>
+        <a:defRPr sz="1200" kern="1200">
+          <a:solidFill>
+            <a:schemeClr val="tx1">
+              <a:lumMod val="75000"/>
+              <a:lumOff val="25000"/>
+            </a:schemeClr>
+          </a:solidFill>
+          <a:latin typeface="+mn-lt"/>
+          <a:ea typeface="+mn-ea"/>
+          <a:cs typeface="+mn-cs"/>
+        </a:defRPr>
+      </a:lvl5pPr>
+      <a:lvl6pPr marL="2514600" indent="-228600" algn="l" defTabSz="457200" rtl="0" eaLnBrk="1" latinLnBrk="0" hangingPunct="1">
+        <a:spcBef>
+          <a:spcPts val="1000"/>
+        </a:spcBef>
+        <a:spcAft>
+          <a:spcPts val="0"/>
+        </a:spcAft>
+        <a:buClr>
+          <a:schemeClr val="accent1"/>
+        </a:buClr>
+        <a:buSzPct val="80000"/>
+        <a:buFont typeface="Wingdings 3" charset="2"/>
+        <a:buChar char=""/>
+        <a:defRPr sz="1200" kern="1200">
+          <a:solidFill>
+            <a:schemeClr val="tx1">
+              <a:lumMod val="75000"/>
+              <a:lumOff val="25000"/>
+            </a:schemeClr>
+          </a:solidFill>
+          <a:latin typeface="+mn-lt"/>
+          <a:ea typeface="+mn-ea"/>
+          <a:cs typeface="+mn-cs"/>
+        </a:defRPr>
+      </a:lvl6pPr>
+      <a:lvl7pPr marL="2971800" indent="-228600" algn="l" defTabSz="457200" rtl="0" eaLnBrk="1" latinLnBrk="0" hangingPunct="1">
+        <a:spcBef>
+          <a:spcPts val="1000"/>
+        </a:spcBef>
+        <a:spcAft>
+          <a:spcPts val="0"/>
+        </a:spcAft>
+        <a:buClr>
+          <a:schemeClr val="accent1"/>
+        </a:buClr>
+        <a:buSzPct val="80000"/>
+        <a:buFont typeface="Wingdings 3" charset="2"/>
+        <a:buChar char=""/>
+        <a:defRPr sz="1200" kern="1200">
+          <a:solidFill>
+            <a:schemeClr val="tx1">
+              <a:lumMod val="75000"/>
+              <a:lumOff val="25000"/>
+            </a:schemeClr>
+          </a:solidFill>
+          <a:latin typeface="+mn-lt"/>
+          <a:ea typeface="+mn-ea"/>
+          <a:cs typeface="+mn-cs"/>
+        </a:defRPr>
+      </a:lvl7pPr>
+      <a:lvl8pPr marL="3429000" indent="-228600" algn="l" defTabSz="457200" rtl="0" eaLnBrk="1" latinLnBrk="0" hangingPunct="1">
+        <a:spcBef>
+          <a:spcPts val="1000"/>
+        </a:spcBef>
+        <a:spcAft>
+          <a:spcPts val="0"/>
+        </a:spcAft>
+        <a:buClr>
+          <a:schemeClr val="accent1"/>
+        </a:buClr>
+        <a:buSzPct val="80000"/>
+        <a:buFont typeface="Wingdings 3" charset="2"/>
+        <a:buChar char=""/>
+        <a:defRPr sz="1200" kern="1200">
+          <a:solidFill>
+            <a:schemeClr val="tx1">
+              <a:lumMod val="75000"/>
+              <a:lumOff val="25000"/>
+            </a:schemeClr>
+          </a:solidFill>
+          <a:latin typeface="+mn-lt"/>
+          <a:ea typeface="+mn-ea"/>
+          <a:cs typeface="+mn-cs"/>
+        </a:defRPr>
+      </a:lvl8pPr>
+      <a:lvl9pPr marL="3886200" indent="-228600" algn="l" defTabSz="457200" rtl="0" eaLnBrk="1" latinLnBrk="0" hangingPunct="1">
+        <a:spcBef>
+          <a:spcPts val="1000"/>
+        </a:spcBef>
+        <a:spcAft>
+          <a:spcPts val="0"/>
+        </a:spcAft>
+        <a:buClr>
+          <a:schemeClr val="accent1"/>
+        </a:buClr>
+        <a:buSzPct val="80000"/>
+        <a:buFont typeface="Wingdings 3" charset="2"/>
+        <a:buChar char=""/>
+        <a:defRPr sz="1200" kern="1200">
+          <a:solidFill>
+            <a:schemeClr val="tx1">
+              <a:lumMod val="75000"/>
+              <a:lumOff val="25000"/>
+            </a:schemeClr>
+          </a:solidFill>
+          <a:latin typeface="+mn-lt"/>
+          <a:ea typeface="+mn-ea"/>
+          <a:cs typeface="+mn-cs"/>
+        </a:defRPr>
+      </a:lvl9pPr>
+    </p:bodyStyle>
+    <p:otherStyle>
+      <a:defPPr>
+        <a:defRPr lang="en-US"/>
+      </a:defPPr>
+      <a:lvl1pPr marL="0" algn="l" defTabSz="457200" rtl="0" eaLnBrk="1" latinLnBrk="0" hangingPunct="1">
+        <a:defRPr sz="1800" kern="1200">
           <a:solidFill>
             <a:schemeClr val="tx1"/>
           </a:solidFill>
@@ -3083,16 +5745,8 @@
           <a:cs typeface="+mn-cs"/>
         </a:defRPr>
       </a:lvl1pPr>
-      <a:lvl2pPr marL="685800" indent="-228600" algn="l" defTabSz="914400" rtl="0" eaLnBrk="1" latinLnBrk="0" hangingPunct="1">
-        <a:lnSpc>
-          <a:spcPct val="90000"/>
-        </a:lnSpc>
-        <a:spcBef>
-          <a:spcPts val="500"/>
-        </a:spcBef>
-        <a:buFont typeface="Arial" panose="020B0604020202020204" pitchFamily="34" charset="0"/>
-        <a:buChar char="•"/>
-        <a:defRPr sz="2400" kern="1200">
+      <a:lvl2pPr marL="457200" algn="l" defTabSz="457200" rtl="0" eaLnBrk="1" latinLnBrk="0" hangingPunct="1">
+        <a:defRPr sz="1800" kern="1200">
           <a:solidFill>
             <a:schemeClr val="tx1"/>
           </a:solidFill>
@@ -3101,16 +5755,8 @@
           <a:cs typeface="+mn-cs"/>
         </a:defRPr>
       </a:lvl2pPr>
-      <a:lvl3pPr marL="1143000" indent="-228600" algn="l" defTabSz="914400" rtl="0" eaLnBrk="1" latinLnBrk="0" hangingPunct="1">
-        <a:lnSpc>
-          <a:spcPct val="90000"/>
-        </a:lnSpc>
-        <a:spcBef>
-          <a:spcPts val="500"/>
-        </a:spcBef>
-        <a:buFont typeface="Arial" panose="020B0604020202020204" pitchFamily="34" charset="0"/>
-        <a:buChar char="•"/>
-        <a:defRPr sz="2000" kern="1200">
+      <a:lvl3pPr marL="914400" algn="l" defTabSz="457200" rtl="0" eaLnBrk="1" latinLnBrk="0" hangingPunct="1">
+        <a:defRPr sz="1800" kern="1200">
           <a:solidFill>
             <a:schemeClr val="tx1"/>
           </a:solidFill>
@@ -3119,15 +5765,7 @@
           <a:cs typeface="+mn-cs"/>
         </a:defRPr>
       </a:lvl3pPr>
-      <a:lvl4pPr marL="1600200" indent="-228600" algn="l" defTabSz="914400" rtl="0" eaLnBrk="1" latinLnBrk="0" hangingPunct="1">
-        <a:lnSpc>
-          <a:spcPct val="90000"/>
-        </a:lnSpc>
-        <a:spcBef>
-          <a:spcPts val="500"/>
-        </a:spcBef>
-        <a:buFont typeface="Arial" panose="020B0604020202020204" pitchFamily="34" charset="0"/>
-        <a:buChar char="•"/>
+      <a:lvl4pPr marL="1371600" algn="l" defTabSz="457200" rtl="0" eaLnBrk="1" latinLnBrk="0" hangingPunct="1">
         <a:defRPr sz="1800" kern="1200">
           <a:solidFill>
             <a:schemeClr val="tx1"/>
@@ -3137,15 +5775,7 @@
           <a:cs typeface="+mn-cs"/>
         </a:defRPr>
       </a:lvl4pPr>
-      <a:lvl5pPr marL="2057400" indent="-228600" algn="l" defTabSz="914400" rtl="0" eaLnBrk="1" latinLnBrk="0" hangingPunct="1">
-        <a:lnSpc>
-          <a:spcPct val="90000"/>
-        </a:lnSpc>
-        <a:spcBef>
-          <a:spcPts val="500"/>
-        </a:spcBef>
-        <a:buFont typeface="Arial" panose="020B0604020202020204" pitchFamily="34" charset="0"/>
-        <a:buChar char="•"/>
+      <a:lvl5pPr marL="1828800" algn="l" defTabSz="457200" rtl="0" eaLnBrk="1" latinLnBrk="0" hangingPunct="1">
         <a:defRPr sz="1800" kern="1200">
           <a:solidFill>
             <a:schemeClr val="tx1"/>
@@ -3155,15 +5785,7 @@
           <a:cs typeface="+mn-cs"/>
         </a:defRPr>
       </a:lvl5pPr>
-      <a:lvl6pPr marL="2514600" indent="-228600" algn="l" defTabSz="914400" rtl="0" eaLnBrk="1" latinLnBrk="0" hangingPunct="1">
-        <a:lnSpc>
-          <a:spcPct val="90000"/>
-        </a:lnSpc>
-        <a:spcBef>
-          <a:spcPts val="500"/>
-        </a:spcBef>
-        <a:buFont typeface="Arial" panose="020B0604020202020204" pitchFamily="34" charset="0"/>
-        <a:buChar char="•"/>
+      <a:lvl6pPr marL="2286000" algn="l" defTabSz="457200" rtl="0" eaLnBrk="1" latinLnBrk="0" hangingPunct="1">
         <a:defRPr sz="1800" kern="1200">
           <a:solidFill>
             <a:schemeClr val="tx1"/>
@@ -3173,15 +5795,7 @@
           <a:cs typeface="+mn-cs"/>
         </a:defRPr>
       </a:lvl6pPr>
-      <a:lvl7pPr marL="2971800" indent="-228600" algn="l" defTabSz="914400" rtl="0" eaLnBrk="1" latinLnBrk="0" hangingPunct="1">
-        <a:lnSpc>
-          <a:spcPct val="90000"/>
-        </a:lnSpc>
-        <a:spcBef>
-          <a:spcPts val="500"/>
-        </a:spcBef>
-        <a:buFont typeface="Arial" panose="020B0604020202020204" pitchFamily="34" charset="0"/>
-        <a:buChar char="•"/>
+      <a:lvl7pPr marL="2743200" algn="l" defTabSz="457200" rtl="0" eaLnBrk="1" latinLnBrk="0" hangingPunct="1">
         <a:defRPr sz="1800" kern="1200">
           <a:solidFill>
             <a:schemeClr val="tx1"/>
@@ -3191,15 +5805,7 @@
           <a:cs typeface="+mn-cs"/>
         </a:defRPr>
       </a:lvl7pPr>
-      <a:lvl8pPr marL="3429000" indent="-228600" algn="l" defTabSz="914400" rtl="0" eaLnBrk="1" latinLnBrk="0" hangingPunct="1">
-        <a:lnSpc>
-          <a:spcPct val="90000"/>
-        </a:lnSpc>
-        <a:spcBef>
-          <a:spcPts val="500"/>
-        </a:spcBef>
-        <a:buFont typeface="Arial" panose="020B0604020202020204" pitchFamily="34" charset="0"/>
-        <a:buChar char="•"/>
+      <a:lvl8pPr marL="3200400" algn="l" defTabSz="457200" rtl="0" eaLnBrk="1" latinLnBrk="0" hangingPunct="1">
         <a:defRPr sz="1800" kern="1200">
           <a:solidFill>
             <a:schemeClr val="tx1"/>
@@ -3209,110 +5815,7 @@
           <a:cs typeface="+mn-cs"/>
         </a:defRPr>
       </a:lvl8pPr>
-      <a:lvl9pPr marL="3886200" indent="-228600" algn="l" defTabSz="914400" rtl="0" eaLnBrk="1" latinLnBrk="0" hangingPunct="1">
-        <a:lnSpc>
-          <a:spcPct val="90000"/>
-        </a:lnSpc>
-        <a:spcBef>
-          <a:spcPts val="500"/>
-        </a:spcBef>
-        <a:buFont typeface="Arial" panose="020B0604020202020204" pitchFamily="34" charset="0"/>
-        <a:buChar char="•"/>
-        <a:defRPr sz="1800" kern="1200">
-          <a:solidFill>
-            <a:schemeClr val="tx1"/>
-          </a:solidFill>
-          <a:latin typeface="+mn-lt"/>
-          <a:ea typeface="+mn-ea"/>
-          <a:cs typeface="+mn-cs"/>
-        </a:defRPr>
-      </a:lvl9pPr>
-    </p:bodyStyle>
-    <p:otherStyle>
-      <a:defPPr>
-        <a:defRPr lang="de-DE"/>
-      </a:defPPr>
-      <a:lvl1pPr marL="0" algn="l" defTabSz="914400" rtl="0" eaLnBrk="1" latinLnBrk="0" hangingPunct="1">
-        <a:defRPr sz="1800" kern="1200">
-          <a:solidFill>
-            <a:schemeClr val="tx1"/>
-          </a:solidFill>
-          <a:latin typeface="+mn-lt"/>
-          <a:ea typeface="+mn-ea"/>
-          <a:cs typeface="+mn-cs"/>
-        </a:defRPr>
-      </a:lvl1pPr>
-      <a:lvl2pPr marL="457200" algn="l" defTabSz="914400" rtl="0" eaLnBrk="1" latinLnBrk="0" hangingPunct="1">
-        <a:defRPr sz="1800" kern="1200">
-          <a:solidFill>
-            <a:schemeClr val="tx1"/>
-          </a:solidFill>
-          <a:latin typeface="+mn-lt"/>
-          <a:ea typeface="+mn-ea"/>
-          <a:cs typeface="+mn-cs"/>
-        </a:defRPr>
-      </a:lvl2pPr>
-      <a:lvl3pPr marL="914400" algn="l" defTabSz="914400" rtl="0" eaLnBrk="1" latinLnBrk="0" hangingPunct="1">
-        <a:defRPr sz="1800" kern="1200">
-          <a:solidFill>
-            <a:schemeClr val="tx1"/>
-          </a:solidFill>
-          <a:latin typeface="+mn-lt"/>
-          <a:ea typeface="+mn-ea"/>
-          <a:cs typeface="+mn-cs"/>
-        </a:defRPr>
-      </a:lvl3pPr>
-      <a:lvl4pPr marL="1371600" algn="l" defTabSz="914400" rtl="0" eaLnBrk="1" latinLnBrk="0" hangingPunct="1">
-        <a:defRPr sz="1800" kern="1200">
-          <a:solidFill>
-            <a:schemeClr val="tx1"/>
-          </a:solidFill>
-          <a:latin typeface="+mn-lt"/>
-          <a:ea typeface="+mn-ea"/>
-          <a:cs typeface="+mn-cs"/>
-        </a:defRPr>
-      </a:lvl4pPr>
-      <a:lvl5pPr marL="1828800" algn="l" defTabSz="914400" rtl="0" eaLnBrk="1" latinLnBrk="0" hangingPunct="1">
-        <a:defRPr sz="1800" kern="1200">
-          <a:solidFill>
-            <a:schemeClr val="tx1"/>
-          </a:solidFill>
-          <a:latin typeface="+mn-lt"/>
-          <a:ea typeface="+mn-ea"/>
-          <a:cs typeface="+mn-cs"/>
-        </a:defRPr>
-      </a:lvl5pPr>
-      <a:lvl6pPr marL="2286000" algn="l" defTabSz="914400" rtl="0" eaLnBrk="1" latinLnBrk="0" hangingPunct="1">
-        <a:defRPr sz="1800" kern="1200">
-          <a:solidFill>
-            <a:schemeClr val="tx1"/>
-          </a:solidFill>
-          <a:latin typeface="+mn-lt"/>
-          <a:ea typeface="+mn-ea"/>
-          <a:cs typeface="+mn-cs"/>
-        </a:defRPr>
-      </a:lvl6pPr>
-      <a:lvl7pPr marL="2743200" algn="l" defTabSz="914400" rtl="0" eaLnBrk="1" latinLnBrk="0" hangingPunct="1">
-        <a:defRPr sz="1800" kern="1200">
-          <a:solidFill>
-            <a:schemeClr val="tx1"/>
-          </a:solidFill>
-          <a:latin typeface="+mn-lt"/>
-          <a:ea typeface="+mn-ea"/>
-          <a:cs typeface="+mn-cs"/>
-        </a:defRPr>
-      </a:lvl7pPr>
-      <a:lvl8pPr marL="3200400" algn="l" defTabSz="914400" rtl="0" eaLnBrk="1" latinLnBrk="0" hangingPunct="1">
-        <a:defRPr sz="1800" kern="1200">
-          <a:solidFill>
-            <a:schemeClr val="tx1"/>
-          </a:solidFill>
-          <a:latin typeface="+mn-lt"/>
-          <a:ea typeface="+mn-ea"/>
-          <a:cs typeface="+mn-cs"/>
-        </a:defRPr>
-      </a:lvl8pPr>
-      <a:lvl9pPr marL="3657600" algn="l" defTabSz="914400" rtl="0" eaLnBrk="1" latinLnBrk="0" hangingPunct="1">
+      <a:lvl9pPr marL="3657600" algn="l" defTabSz="457200" rtl="0" eaLnBrk="1" latinLnBrk="0" hangingPunct="1">
         <a:defRPr sz="1800" kern="1200">
           <a:solidFill>
             <a:schemeClr val="tx1"/>
@@ -3360,13 +5863,24 @@
             <p:ph type="ctrTitle"/>
           </p:nvPr>
         </p:nvSpPr>
-        <p:spPr/>
-        <p:txBody>
-          <a:bodyPr/>
-          <a:lstStyle/>
-          <a:p>
-            <a:r>
-              <a:rPr lang="de-DE" dirty="0"/>
+        <p:spPr>
+          <a:xfrm>
+            <a:off x="3215729" y="1764407"/>
+            <a:ext cx="5760846" cy="2310312"/>
+          </a:xfrm>
+        </p:spPr>
+        <p:txBody>
+          <a:bodyPr>
+            <a:normAutofit fontScale="90000"/>
+          </a:bodyPr>
+          <a:lstStyle/>
+          <a:p>
+            <a:r>
+              <a:rPr lang="de-DE" sz="5200">
+                <a:solidFill>
+                  <a:schemeClr val="tx2"/>
+                </a:solidFill>
+              </a:rPr>
               <a:t>Simulation und Modellierung in der Medizininformatik</a:t>
             </a:r>
           </a:p>
@@ -3388,13 +5902,24 @@
             <p:ph type="subTitle" idx="1"/>
           </p:nvPr>
         </p:nvSpPr>
-        <p:spPr/>
-        <p:txBody>
-          <a:bodyPr/>
-          <a:lstStyle/>
-          <a:p>
-            <a:r>
-              <a:rPr lang="de-DE" dirty="0"/>
+        <p:spPr>
+          <a:xfrm>
+            <a:off x="3215729" y="4165152"/>
+            <a:ext cx="5760846" cy="682079"/>
+          </a:xfrm>
+        </p:spPr>
+        <p:txBody>
+          <a:bodyPr>
+            <a:normAutofit/>
+          </a:bodyPr>
+          <a:lstStyle/>
+          <a:p>
+            <a:r>
+              <a:rPr lang="de-DE">
+                <a:solidFill>
+                  <a:schemeClr val="tx2"/>
+                </a:solidFill>
+              </a:rPr>
               <a:t>Mayer Nicolas</a:t>
             </a:r>
           </a:p>
@@ -3410,6 +5935,18 @@
   <p:clrMapOvr>
     <a:masterClrMapping/>
   </p:clrMapOvr>
+  <mc:AlternateContent xmlns:mc="http://schemas.openxmlformats.org/markup-compatibility/2006">
+    <mc:Choice xmlns:p159="http://schemas.microsoft.com/office/powerpoint/2015/09/main" Requires="p159">
+      <p:transition spd="slow">
+        <p159:morph option="byObject"/>
+      </p:transition>
+    </mc:Choice>
+    <mc:Fallback>
+      <p:transition spd="slow">
+        <p:fade/>
+      </p:transition>
+    </mc:Fallback>
+  </mc:AlternateContent>
 </p:sld>
 </file>
 
@@ -3544,6 +6081,18 @@
   <p:clrMapOvr>
     <a:masterClrMapping/>
   </p:clrMapOvr>
+  <mc:AlternateContent xmlns:mc="http://schemas.openxmlformats.org/markup-compatibility/2006">
+    <mc:Choice xmlns:p159="http://schemas.microsoft.com/office/powerpoint/2015/09/main" Requires="p159">
+      <p:transition spd="slow">
+        <p159:morph option="byObject"/>
+      </p:transition>
+    </mc:Choice>
+    <mc:Fallback>
+      <p:transition spd="slow">
+        <p:fade/>
+      </p:transition>
+    </mc:Fallback>
+  </mc:AlternateContent>
 </p:sld>
 </file>
 
@@ -3638,6 +6187,18 @@
   <p:clrMapOvr>
     <a:masterClrMapping/>
   </p:clrMapOvr>
+  <mc:AlternateContent xmlns:mc="http://schemas.openxmlformats.org/markup-compatibility/2006">
+    <mc:Choice xmlns:p159="http://schemas.microsoft.com/office/powerpoint/2015/09/main" Requires="p159">
+      <p:transition spd="slow">
+        <p159:morph option="byObject"/>
+      </p:transition>
+    </mc:Choice>
+    <mc:Fallback>
+      <p:transition spd="slow">
+        <p:fade/>
+      </p:transition>
+    </mc:Fallback>
+  </mc:AlternateContent>
 </p:sld>
 </file>
 
@@ -3757,6 +6318,18 @@
   <p:clrMapOvr>
     <a:masterClrMapping/>
   </p:clrMapOvr>
+  <mc:AlternateContent xmlns:mc="http://schemas.openxmlformats.org/markup-compatibility/2006">
+    <mc:Choice xmlns:p159="http://schemas.microsoft.com/office/powerpoint/2015/09/main" Requires="p159">
+      <p:transition spd="slow">
+        <p159:morph option="byObject"/>
+      </p:transition>
+    </mc:Choice>
+    <mc:Fallback>
+      <p:transition spd="slow">
+        <p:fade/>
+      </p:transition>
+    </mc:Fallback>
+  </mc:AlternateContent>
 </p:sld>
 </file>
 
@@ -3862,8 +6435,12 @@
           </a:p>
           <a:p>
             <a:r>
+              <a:rPr lang="de-DE" sz="2400" b="1" dirty="0"/>
+              <a:t>Optimierung</a:t>
+            </a:r>
+            <a:r>
               <a:rPr lang="de-DE" sz="2400" dirty="0"/>
-              <a:t>Optimierung medizinischer Abläufe</a:t>
+              <a:t> medizinischer Abläufe</a:t>
             </a:r>
           </a:p>
           <a:p>
@@ -3898,6 +6475,18 @@
   <p:clrMapOvr>
     <a:masterClrMapping/>
   </p:clrMapOvr>
+  <mc:AlternateContent xmlns:mc="http://schemas.openxmlformats.org/markup-compatibility/2006">
+    <mc:Choice xmlns:p159="http://schemas.microsoft.com/office/powerpoint/2015/09/main" Requires="p159">
+      <p:transition spd="slow">
+        <p159:morph option="byObject"/>
+      </p:transition>
+    </mc:Choice>
+    <mc:Fallback>
+      <p:transition spd="slow">
+        <p:fade/>
+      </p:transition>
+    </mc:Fallback>
+  </mc:AlternateContent>
 </p:sld>
 </file>
 
@@ -4238,6 +6827,18 @@
   <p:clrMapOvr>
     <a:masterClrMapping/>
   </p:clrMapOvr>
+  <mc:AlternateContent xmlns:mc="http://schemas.openxmlformats.org/markup-compatibility/2006">
+    <mc:Choice xmlns:p159="http://schemas.microsoft.com/office/powerpoint/2015/09/main" Requires="p159">
+      <p:transition spd="slow">
+        <p159:morph option="byObject"/>
+      </p:transition>
+    </mc:Choice>
+    <mc:Fallback>
+      <p:transition spd="slow">
+        <p:fade/>
+      </p:transition>
+    </mc:Fallback>
+  </mc:AlternateContent>
 </p:sld>
 </file>
 
@@ -4318,7 +6919,7 @@
         <p:spPr/>
         <p:txBody>
           <a:bodyPr>
-            <a:normAutofit/>
+            <a:normAutofit lnSpcReduction="10000"/>
           </a:bodyPr>
           <a:lstStyle/>
           <a:p>
@@ -4383,6 +6984,18 @@
   <p:clrMapOvr>
     <a:masterClrMapping/>
   </p:clrMapOvr>
+  <mc:AlternateContent xmlns:mc="http://schemas.openxmlformats.org/markup-compatibility/2006">
+    <mc:Choice xmlns:p159="http://schemas.microsoft.com/office/powerpoint/2015/09/main" Requires="p159">
+      <p:transition spd="slow">
+        <p159:morph option="byObject"/>
+      </p:transition>
+    </mc:Choice>
+    <mc:Fallback>
+      <p:transition spd="slow">
+        <p:fade/>
+      </p:transition>
+    </mc:Fallback>
+  </mc:AlternateContent>
 </p:sld>
 </file>
 
@@ -4469,7 +7082,19 @@
           <a:p>
             <a:r>
               <a:rPr lang="de-DE" sz="2400" dirty="0"/>
+              <a:t>Kostenreduktion im Ausbildungsbereich</a:t>
+            </a:r>
+          </a:p>
+          <a:p>
+            <a:r>
+              <a:rPr lang="de-DE" sz="2400" dirty="0"/>
               <a:t>Keine Gefährdung realer Patienten</a:t>
+            </a:r>
+          </a:p>
+          <a:p>
+            <a:r>
+              <a:rPr lang="de-DE" sz="2400" dirty="0"/>
+              <a:t>Möglichkeit zum Trainieren seltener Ereignisse</a:t>
             </a:r>
           </a:p>
           <a:p>
@@ -4481,20 +7106,11 @@
           <a:p>
             <a:r>
               <a:rPr lang="de-DE" sz="2400" dirty="0"/>
-              <a:t>Möglichkeit zum Trainieren seltener Ereignisse</a:t>
-            </a:r>
-          </a:p>
-          <a:p>
-            <a:r>
-              <a:rPr lang="de-DE" sz="2400" dirty="0"/>
               <a:t>Besseres Verständnis komplexer Abläufe</a:t>
             </a:r>
           </a:p>
           <a:p>
-            <a:r>
-              <a:rPr lang="de-DE" sz="2400" dirty="0"/>
-              <a:t>Kostenreduktion im Ausbildungsbereich</a:t>
-            </a:r>
+            <a:endParaRPr lang="de-DE" sz="2400" dirty="0"/>
           </a:p>
         </p:txBody>
       </p:sp>
@@ -4508,6 +7124,18 @@
   <p:clrMapOvr>
     <a:masterClrMapping/>
   </p:clrMapOvr>
+  <mc:AlternateContent xmlns:mc="http://schemas.openxmlformats.org/markup-compatibility/2006">
+    <mc:Choice xmlns:p159="http://schemas.microsoft.com/office/powerpoint/2015/09/main" Requires="p159">
+      <p:transition spd="slow">
+        <p159:morph option="byObject"/>
+      </p:transition>
+    </mc:Choice>
+    <mc:Fallback>
+      <p:transition spd="slow">
+        <p:fade/>
+      </p:transition>
+    </mc:Fallback>
+  </mc:AlternateContent>
 </p:sld>
 </file>
 
@@ -4646,6 +7274,18 @@
   <p:clrMapOvr>
     <a:masterClrMapping/>
   </p:clrMapOvr>
+  <mc:AlternateContent xmlns:mc="http://schemas.openxmlformats.org/markup-compatibility/2006">
+    <mc:Choice xmlns:p159="http://schemas.microsoft.com/office/powerpoint/2015/09/main" Requires="p159">
+      <p:transition spd="slow">
+        <p159:morph option="byObject"/>
+      </p:transition>
+    </mc:Choice>
+    <mc:Fallback>
+      <p:transition spd="slow">
+        <p:fade/>
+      </p:transition>
+    </mc:Fallback>
+  </mc:AlternateContent>
 </p:sld>
 </file>
 
@@ -4777,6 +7417,18 @@
   <p:clrMapOvr>
     <a:masterClrMapping/>
   </p:clrMapOvr>
+  <mc:AlternateContent xmlns:mc="http://schemas.openxmlformats.org/markup-compatibility/2006">
+    <mc:Choice xmlns:p159="http://schemas.microsoft.com/office/powerpoint/2015/09/main" Requires="p159">
+      <p:transition spd="slow">
+        <p159:morph option="byObject"/>
+      </p:transition>
+    </mc:Choice>
+    <mc:Fallback>
+      <p:transition spd="slow">
+        <p:fade/>
+      </p:transition>
+    </mc:Fallback>
+  </mc:AlternateContent>
 </p:sld>
 </file>
 
@@ -4871,6 +7523,18 @@
   <p:clrMapOvr>
     <a:masterClrMapping/>
   </p:clrMapOvr>
+  <mc:AlternateContent xmlns:mc="http://schemas.openxmlformats.org/markup-compatibility/2006">
+    <mc:Choice xmlns:p159="http://schemas.microsoft.com/office/powerpoint/2015/09/main" Requires="p159">
+      <p:transition spd="slow">
+        <p159:morph option="byObject"/>
+      </p:transition>
+    </mc:Choice>
+    <mc:Fallback>
+      <p:transition spd="slow">
+        <p:fade/>
+      </p:transition>
+    </mc:Fallback>
+  </mc:AlternateContent>
 </p:sld>
 </file>
 
@@ -4915,9 +7579,10 @@
           <a:lstStyle/>
           <a:p>
             <a:r>
-              <a:rPr lang="de-DE" sz="4000" b="1" dirty="0"/>
+              <a:rPr lang="de-DE" sz="4000" b="1"/>
               <a:t>Gliederung</a:t>
             </a:r>
+            <a:endParaRPr lang="de-DE" sz="4000" b="1" dirty="0"/>
           </a:p>
         </p:txBody>
       </p:sp>
@@ -4939,14 +7604,16 @@
         </p:nvSpPr>
         <p:spPr/>
         <p:txBody>
-          <a:bodyPr/>
+          <a:bodyPr>
+            <a:normAutofit lnSpcReduction="10000"/>
+          </a:bodyPr>
           <a:lstStyle/>
           <a:p>
             <a:pPr marL="0" indent="0">
               <a:buNone/>
             </a:pPr>
             <a:r>
-              <a:rPr lang="de-DE" sz="2000" b="1" dirty="0"/>
+              <a:rPr lang="de-DE" sz="2000" b="1"/>
               <a:t>Modellierung in der Medizininformatik</a:t>
             </a:r>
           </a:p>
@@ -4955,7 +7622,7 @@
               <a:buAutoNum type="arabicPeriod"/>
             </a:pPr>
             <a:r>
-              <a:rPr lang="de-DE" sz="2000" dirty="0"/>
+              <a:rPr lang="de-DE" sz="2000"/>
               <a:t>Was ist Modellierung?</a:t>
             </a:r>
           </a:p>
@@ -4964,7 +7631,7 @@
               <a:buAutoNum type="arabicPeriod"/>
             </a:pPr>
             <a:r>
-              <a:rPr lang="de-DE" sz="2000" dirty="0"/>
+              <a:rPr lang="de-DE" sz="2000"/>
               <a:t>Ziele der Modellierung</a:t>
             </a:r>
           </a:p>
@@ -4973,7 +7640,7 @@
               <a:buAutoNum type="arabicPeriod"/>
             </a:pPr>
             <a:r>
-              <a:rPr lang="de-DE" sz="2000" dirty="0"/>
+              <a:rPr lang="de-DE" sz="2000"/>
               <a:t>Modellierungsarten</a:t>
             </a:r>
           </a:p>
@@ -4982,7 +7649,7 @@
               <a:buAutoNum type="arabicPeriod"/>
             </a:pPr>
             <a:r>
-              <a:rPr lang="de-DE" sz="2000" dirty="0"/>
+              <a:rPr lang="de-DE" sz="2000"/>
               <a:t>Anwendungen</a:t>
             </a:r>
           </a:p>
@@ -4991,7 +7658,7 @@
               <a:buAutoNum type="arabicPeriod"/>
             </a:pPr>
             <a:r>
-              <a:rPr lang="de-DE" sz="2000" dirty="0"/>
+              <a:rPr lang="de-DE" sz="2000"/>
               <a:t>Voraussetzungen</a:t>
             </a:r>
           </a:p>
@@ -5000,7 +7667,7 @@
               <a:buAutoNum type="arabicPeriod"/>
             </a:pPr>
             <a:r>
-              <a:rPr lang="de-DE" sz="2000" dirty="0"/>
+              <a:rPr lang="de-DE" sz="2000"/>
               <a:t>Herausforderungen</a:t>
             </a:r>
           </a:p>
@@ -5009,9 +7676,10 @@
               <a:buAutoNum type="arabicPeriod"/>
             </a:pPr>
             <a:r>
-              <a:rPr lang="de-DE" sz="2000" dirty="0"/>
+              <a:rPr lang="de-DE" sz="2000"/>
               <a:t>Zukunftsperspektiven</a:t>
             </a:r>
+            <a:endParaRPr lang="de-DE" sz="2000" dirty="0"/>
           </a:p>
         </p:txBody>
       </p:sp>
@@ -5034,7 +7702,7 @@
         <p:spPr/>
         <p:txBody>
           <a:bodyPr>
-            <a:normAutofit/>
+            <a:normAutofit lnSpcReduction="10000"/>
           </a:bodyPr>
           <a:lstStyle/>
           <a:p>
@@ -5042,7 +7710,7 @@
               <a:buNone/>
             </a:pPr>
             <a:r>
-              <a:rPr lang="de-DE" sz="2000" b="1" dirty="0"/>
+              <a:rPr lang="de-DE" sz="2000" b="1"/>
               <a:t>Simulation in der Medizininformatik</a:t>
             </a:r>
           </a:p>
@@ -5051,7 +7719,7 @@
               <a:buAutoNum type="arabicPeriod"/>
             </a:pPr>
             <a:r>
-              <a:rPr lang="de-DE" sz="2000" dirty="0"/>
+              <a:rPr lang="de-DE" sz="2000"/>
               <a:t>Was ist Simulation?</a:t>
             </a:r>
           </a:p>
@@ -5060,7 +7728,7 @@
               <a:buAutoNum type="arabicPeriod"/>
             </a:pPr>
             <a:r>
-              <a:rPr lang="de-DE" sz="2000" dirty="0"/>
+              <a:rPr lang="de-DE" sz="2000"/>
               <a:t>Ziele der Simulation</a:t>
             </a:r>
           </a:p>
@@ -5069,7 +7737,7 @@
               <a:buAutoNum type="arabicPeriod"/>
             </a:pPr>
             <a:r>
-              <a:rPr lang="de-DE" sz="2000" dirty="0"/>
+              <a:rPr lang="de-DE" sz="2000"/>
               <a:t>Typen medizinischer Simulationen</a:t>
             </a:r>
           </a:p>
@@ -5078,7 +7746,7 @@
               <a:buAutoNum type="arabicPeriod"/>
             </a:pPr>
             <a:r>
-              <a:rPr lang="de-DE" sz="2000" dirty="0"/>
+              <a:rPr lang="de-DE" sz="2000"/>
               <a:t>Anwendungsbereiche</a:t>
             </a:r>
           </a:p>
@@ -5087,7 +7755,7 @@
               <a:buAutoNum type="arabicPeriod"/>
             </a:pPr>
             <a:r>
-              <a:rPr lang="de-DE" sz="2000" dirty="0"/>
+              <a:rPr lang="de-DE" sz="2000"/>
               <a:t>Vorteile</a:t>
             </a:r>
           </a:p>
@@ -5096,7 +7764,7 @@
               <a:buAutoNum type="arabicPeriod"/>
             </a:pPr>
             <a:r>
-              <a:rPr lang="de-DE" sz="2000" dirty="0"/>
+              <a:rPr lang="de-DE" sz="2000"/>
               <a:t>Herausforderungen</a:t>
             </a:r>
           </a:p>
@@ -5105,9 +7773,10 @@
               <a:buAutoNum type="arabicPeriod"/>
             </a:pPr>
             <a:r>
-              <a:rPr lang="de-DE" sz="2000" dirty="0"/>
+              <a:rPr lang="de-DE" sz="2000"/>
               <a:t>Zukunftsperspektiven</a:t>
             </a:r>
+            <a:endParaRPr lang="de-DE" sz="2000" dirty="0"/>
           </a:p>
         </p:txBody>
       </p:sp>
@@ -5121,6 +7790,18 @@
   <p:clrMapOvr>
     <a:masterClrMapping/>
   </p:clrMapOvr>
+  <mc:AlternateContent xmlns:mc="http://schemas.openxmlformats.org/markup-compatibility/2006">
+    <mc:Choice xmlns:p159="http://schemas.microsoft.com/office/powerpoint/2015/09/main" Requires="p159">
+      <p:transition spd="slow">
+        <p159:morph option="byObject"/>
+      </p:transition>
+    </mc:Choice>
+    <mc:Fallback>
+      <p:transition spd="slow">
+        <p:fade/>
+      </p:transition>
+    </mc:Fallback>
+  </mc:AlternateContent>
 </p:sld>
 </file>
 
@@ -5166,7 +7847,7 @@
         <p:spPr/>
         <p:txBody>
           <a:bodyPr>
-            <a:normAutofit/>
+            <a:normAutofit fontScale="90000"/>
           </a:bodyPr>
           <a:lstStyle/>
           <a:p>
@@ -5219,6 +7900,18 @@
   <p:clrMapOvr>
     <a:masterClrMapping/>
   </p:clrMapOvr>
+  <mc:AlternateContent xmlns:mc="http://schemas.openxmlformats.org/markup-compatibility/2006">
+    <mc:Choice xmlns:p159="http://schemas.microsoft.com/office/powerpoint/2015/09/main" Requires="p159">
+      <p:transition spd="slow">
+        <p159:morph option="byObject"/>
+      </p:transition>
+    </mc:Choice>
+    <mc:Fallback>
+      <p:transition spd="slow">
+        <p:fade/>
+      </p:transition>
+    </mc:Fallback>
+  </mc:AlternateContent>
 </p:sld>
 </file>
 
@@ -5309,7 +8002,7 @@
           <a:p>
             <a:r>
               <a:rPr lang="de-DE" sz="2400" dirty="0"/>
-              <a:t>Ziel: </a:t>
+              <a:t>Ziele: </a:t>
             </a:r>
             <a:r>
               <a:rPr lang="de-DE" sz="2400" b="1" dirty="0"/>
@@ -5356,6 +8049,18 @@
   <p:clrMapOvr>
     <a:masterClrMapping/>
   </p:clrMapOvr>
+  <mc:AlternateContent xmlns:mc="http://schemas.openxmlformats.org/markup-compatibility/2006">
+    <mc:Choice xmlns:p159="http://schemas.microsoft.com/office/powerpoint/2015/09/main" Requires="p159">
+      <p:transition spd="slow">
+        <p159:morph option="byObject"/>
+      </p:transition>
+    </mc:Choice>
+    <mc:Fallback>
+      <p:transition spd="slow">
+        <p:fade/>
+      </p:transition>
+    </mc:Fallback>
+  </mc:AlternateContent>
 </p:sld>
 </file>
 
@@ -5475,6 +8180,18 @@
   <p:clrMapOvr>
     <a:masterClrMapping/>
   </p:clrMapOvr>
+  <mc:AlternateContent xmlns:mc="http://schemas.openxmlformats.org/markup-compatibility/2006">
+    <mc:Choice xmlns:p159="http://schemas.microsoft.com/office/powerpoint/2015/09/main" Requires="p159">
+      <p:transition spd="slow">
+        <p159:morph option="byObject"/>
+      </p:transition>
+    </mc:Choice>
+    <mc:Fallback>
+      <p:transition spd="slow">
+        <p:fade/>
+      </p:transition>
+    </mc:Fallback>
+  </mc:AlternateContent>
 </p:sld>
 </file>
 
@@ -5552,8 +8269,8 @@
           </p:nvPr>
         </p:nvGraphicFramePr>
         <p:xfrm>
-          <a:off x="838200" y="1825625"/>
-          <a:ext cx="10515600" cy="2865120"/>
+          <a:off x="677863" y="2160588"/>
+          <a:ext cx="8596312" cy="3672840"/>
         </p:xfrm>
         <a:graphic>
           <a:graphicData uri="http://schemas.openxmlformats.org/drawingml/2006/table">
@@ -5562,14 +8279,14 @@
                 <a:tableStyleId>{5C22544A-7EE6-4342-B048-85BDC9FD1C3A}</a:tableStyleId>
               </a:tblPr>
               <a:tblGrid>
-                <a:gridCol w="5257800">
+                <a:gridCol w="4298156">
                   <a:extLst>
                     <a:ext uri="{9D8B030D-6E8A-4147-A177-3AD203B41FA5}">
                       <a16:colId xmlns:a16="http://schemas.microsoft.com/office/drawing/2014/main" val="770568668"/>
                     </a:ext>
                   </a:extLst>
                 </a:gridCol>
-                <a:gridCol w="5257800">
+                <a:gridCol w="4298156">
                   <a:extLst>
                     <a:ext uri="{9D8B030D-6E8A-4147-A177-3AD203B41FA5}">
                       <a16:colId xmlns:a16="http://schemas.microsoft.com/office/drawing/2014/main" val="430383261"/>
@@ -5590,7 +8307,7 @@
                       <a:endParaRPr lang="de-DE" dirty="0"/>
                     </a:p>
                   </a:txBody>
-                  <a:tcPr anchor="ctr"/>
+                  <a:tcPr marL="74751" marR="74751" anchor="ctr"/>
                 </a:tc>
                 <a:tc>
                   <a:txBody>
@@ -5604,7 +8321,7 @@
                       <a:endParaRPr lang="de-DE" dirty="0"/>
                     </a:p>
                   </a:txBody>
-                  <a:tcPr anchor="ctr"/>
+                  <a:tcPr marL="74751" marR="74751" anchor="ctr"/>
                 </a:tc>
                 <a:extLst>
                   <a:ext uri="{0D108BD9-81ED-4DB2-BD59-A6C34878D82A}">
@@ -5624,7 +8341,7 @@
                       </a:r>
                     </a:p>
                   </a:txBody>
-                  <a:tcPr anchor="ctr"/>
+                  <a:tcPr marL="74751" marR="74751" anchor="ctr"/>
                 </a:tc>
                 <a:tc>
                   <a:txBody>
@@ -5637,7 +8354,7 @@
                       </a:r>
                     </a:p>
                   </a:txBody>
-                  <a:tcPr/>
+                  <a:tcPr marL="74751" marR="74751"/>
                 </a:tc>
                 <a:extLst>
                   <a:ext uri="{0D108BD9-81ED-4DB2-BD59-A6C34878D82A}">
@@ -5657,7 +8374,7 @@
                       </a:r>
                     </a:p>
                   </a:txBody>
-                  <a:tcPr/>
+                  <a:tcPr marL="74751" marR="74751"/>
                 </a:tc>
                 <a:tc>
                   <a:txBody>
@@ -5670,7 +8387,7 @@
                       </a:r>
                     </a:p>
                   </a:txBody>
-                  <a:tcPr/>
+                  <a:tcPr marL="74751" marR="74751"/>
                 </a:tc>
                 <a:extLst>
                   <a:ext uri="{0D108BD9-81ED-4DB2-BD59-A6C34878D82A}">
@@ -5690,7 +8407,7 @@
                       </a:r>
                     </a:p>
                   </a:txBody>
-                  <a:tcPr/>
+                  <a:tcPr marL="74751" marR="74751"/>
                 </a:tc>
                 <a:tc>
                   <a:txBody>
@@ -5703,7 +8420,7 @@
                       </a:r>
                     </a:p>
                   </a:txBody>
-                  <a:tcPr/>
+                  <a:tcPr marL="74751" marR="74751"/>
                 </a:tc>
                 <a:extLst>
                   <a:ext uri="{0D108BD9-81ED-4DB2-BD59-A6C34878D82A}">
@@ -5723,7 +8440,7 @@
                       </a:r>
                     </a:p>
                   </a:txBody>
-                  <a:tcPr/>
+                  <a:tcPr marL="74751" marR="74751"/>
                 </a:tc>
                 <a:tc>
                   <a:txBody>
@@ -5736,7 +8453,7 @@
                       </a:r>
                     </a:p>
                   </a:txBody>
-                  <a:tcPr/>
+                  <a:tcPr marL="74751" marR="74751"/>
                 </a:tc>
                 <a:extLst>
                   <a:ext uri="{0D108BD9-81ED-4DB2-BD59-A6C34878D82A}">
@@ -5756,7 +8473,7 @@
                       </a:r>
                     </a:p>
                   </a:txBody>
-                  <a:tcPr/>
+                  <a:tcPr marL="74751" marR="74751"/>
                 </a:tc>
                 <a:tc>
                   <a:txBody>
@@ -5769,7 +8486,7 @@
                       </a:r>
                     </a:p>
                   </a:txBody>
-                  <a:tcPr/>
+                  <a:tcPr marL="74751" marR="74751"/>
                 </a:tc>
                 <a:extLst>
                   <a:ext uri="{0D108BD9-81ED-4DB2-BD59-A6C34878D82A}">
@@ -5789,7 +8506,7 @@
                       </a:r>
                     </a:p>
                   </a:txBody>
-                  <a:tcPr/>
+                  <a:tcPr marL="74751" marR="74751"/>
                 </a:tc>
                 <a:tc>
                   <a:txBody>
@@ -5802,7 +8519,7 @@
                       </a:r>
                     </a:p>
                   </a:txBody>
-                  <a:tcPr/>
+                  <a:tcPr marL="74751" marR="74751"/>
                 </a:tc>
                 <a:extLst>
                   <a:ext uri="{0D108BD9-81ED-4DB2-BD59-A6C34878D82A}">
@@ -5824,6 +8541,18 @@
   <p:clrMapOvr>
     <a:masterClrMapping/>
   </p:clrMapOvr>
+  <mc:AlternateContent xmlns:mc="http://schemas.openxmlformats.org/markup-compatibility/2006">
+    <mc:Choice xmlns:p159="http://schemas.microsoft.com/office/powerpoint/2015/09/main" Requires="p159">
+      <p:transition spd="slow">
+        <p159:morph option="byObject"/>
+      </p:transition>
+    </mc:Choice>
+    <mc:Fallback>
+      <p:transition spd="slow">
+        <p:fade/>
+      </p:transition>
+    </mc:Fallback>
+  </mc:AlternateContent>
 </p:sld>
 </file>
 
@@ -5943,6 +8672,18 @@
   <p:clrMapOvr>
     <a:masterClrMapping/>
   </p:clrMapOvr>
+  <mc:AlternateContent xmlns:mc="http://schemas.openxmlformats.org/markup-compatibility/2006">
+    <mc:Choice xmlns:p159="http://schemas.microsoft.com/office/powerpoint/2015/09/main" Requires="p159">
+      <p:transition spd="slow">
+        <p159:morph option="byObject"/>
+      </p:transition>
+    </mc:Choice>
+    <mc:Fallback>
+      <p:transition spd="slow">
+        <p:fade/>
+      </p:transition>
+    </mc:Fallback>
+  </mc:AlternateContent>
 </p:sld>
 </file>
 
@@ -6050,6 +8791,18 @@
   <p:clrMapOvr>
     <a:masterClrMapping/>
   </p:clrMapOvr>
+  <mc:AlternateContent xmlns:mc="http://schemas.openxmlformats.org/markup-compatibility/2006">
+    <mc:Choice xmlns:p159="http://schemas.microsoft.com/office/powerpoint/2015/09/main" Requires="p159">
+      <p:transition spd="slow">
+        <p159:morph option="byObject"/>
+      </p:transition>
+    </mc:Choice>
+    <mc:Fallback>
+      <p:transition spd="slow">
+        <p:fade/>
+      </p:transition>
+    </mc:Fallback>
+  </mc:AlternateContent>
 </p:sld>
 </file>
 
@@ -6163,13 +8916,25 @@
   <p:clrMapOvr>
     <a:masterClrMapping/>
   </p:clrMapOvr>
+  <mc:AlternateContent xmlns:mc="http://schemas.openxmlformats.org/markup-compatibility/2006">
+    <mc:Choice xmlns:p159="http://schemas.microsoft.com/office/powerpoint/2015/09/main" Requires="p159">
+      <p:transition spd="slow">
+        <p159:morph option="byObject"/>
+      </p:transition>
+    </mc:Choice>
+    <mc:Fallback>
+      <p:transition spd="slow">
+        <p:fade/>
+      </p:transition>
+    </mc:Fallback>
+  </mc:AlternateContent>
 </p:sld>
 </file>
 
 <file path=ppt/theme/theme1.xml><?xml version="1.0" encoding="utf-8"?>
-<a:theme xmlns:a="http://schemas.openxmlformats.org/drawingml/2006/main" name="Office">
+<a:theme xmlns:a="http://schemas.openxmlformats.org/drawingml/2006/main" name="Facette">
   <a:themeElements>
-    <a:clrScheme name="Office">
+    <a:clrScheme name="Warmes Blau">
       <a:dk1>
         <a:sysClr val="windowText" lastClr="000000"/>
       </a:dk1>
@@ -6177,52 +8942,52 @@
         <a:sysClr val="window" lastClr="FFFFFF"/>
       </a:lt1>
       <a:dk2>
-        <a:srgbClr val="0E2841"/>
+        <a:srgbClr val="242852"/>
       </a:dk2>
       <a:lt2>
-        <a:srgbClr val="E8E8E8"/>
+        <a:srgbClr val="ACCBF9"/>
       </a:lt2>
       <a:accent1>
-        <a:srgbClr val="156082"/>
+        <a:srgbClr val="4A66AC"/>
       </a:accent1>
       <a:accent2>
-        <a:srgbClr val="E97132"/>
+        <a:srgbClr val="629DD1"/>
       </a:accent2>
       <a:accent3>
-        <a:srgbClr val="196B24"/>
+        <a:srgbClr val="297FD5"/>
       </a:accent3>
       <a:accent4>
-        <a:srgbClr val="0F9ED5"/>
+        <a:srgbClr val="7F8FA9"/>
       </a:accent4>
       <a:accent5>
-        <a:srgbClr val="A02B93"/>
+        <a:srgbClr val="5AA2AE"/>
       </a:accent5>
       <a:accent6>
-        <a:srgbClr val="4EA72E"/>
+        <a:srgbClr val="9D90A0"/>
       </a:accent6>
       <a:hlink>
-        <a:srgbClr val="467886"/>
+        <a:srgbClr val="9454C3"/>
       </a:hlink>
       <a:folHlink>
-        <a:srgbClr val="96607D"/>
+        <a:srgbClr val="3EBBF0"/>
       </a:folHlink>
     </a:clrScheme>
-    <a:fontScheme name="Office">
+    <a:fontScheme name="Facette">
       <a:majorFont>
-        <a:latin typeface="Aptos Display" panose="02110004020202020204"/>
+        <a:latin typeface="Trebuchet MS" panose="020B0603020202020204"/>
         <a:ea typeface=""/>
         <a:cs typeface=""/>
-        <a:font script="Jpan" typeface="游ゴシック Light"/>
+        <a:font script="Jpan" typeface="メイリオ"/>
         <a:font script="Hang" typeface="맑은 고딕"/>
-        <a:font script="Hans" typeface="等线 Light"/>
-        <a:font script="Hant" typeface="新細明體"/>
-        <a:font script="Arab" typeface="Times New Roman"/>
-        <a:font script="Hebr" typeface="Times New Roman"/>
-        <a:font script="Thai" typeface="Angsana New"/>
+        <a:font script="Hans" typeface="方正姚体"/>
+        <a:font script="Hant" typeface="微軟正黑體"/>
+        <a:font script="Arab" typeface="Tahoma"/>
+        <a:font script="Hebr" typeface="Arial"/>
+        <a:font script="Thai" typeface="Cordia New"/>
         <a:font script="Ethi" typeface="Nyala"/>
         <a:font script="Beng" typeface="Vrinda"/>
         <a:font script="Gujr" typeface="Shruti"/>
-        <a:font script="Khmr" typeface="MoolBoran"/>
+        <a:font script="Khmr" typeface="DaunPenh"/>
         <a:font script="Knda" typeface="Tunga"/>
         <a:font script="Guru" typeface="Raavi"/>
         <a:font script="Cans" typeface="Euphemia"/>
@@ -6239,38 +9004,21 @@
         <a:font script="Laoo" typeface="DokChampa"/>
         <a:font script="Sinh" typeface="Iskoola Pota"/>
         <a:font script="Mong" typeface="Mongolian Baiti"/>
-        <a:font script="Viet" typeface="Times New Roman"/>
+        <a:font script="Viet" typeface="Tahoma"/>
         <a:font script="Uigh" typeface="Microsoft Uighur"/>
         <a:font script="Geor" typeface="Sylfaen"/>
-        <a:font script="Armn" typeface="Arial"/>
-        <a:font script="Bugi" typeface="Leelawadee UI"/>
-        <a:font script="Bopo" typeface="Microsoft JhengHei"/>
-        <a:font script="Java" typeface="Javanese Text"/>
-        <a:font script="Lisu" typeface="Segoe UI"/>
-        <a:font script="Mymr" typeface="Myanmar Text"/>
-        <a:font script="Nkoo" typeface="Ebrima"/>
-        <a:font script="Olck" typeface="Nirmala UI"/>
-        <a:font script="Osma" typeface="Ebrima"/>
-        <a:font script="Phag" typeface="Phagspa"/>
-        <a:font script="Syrn" typeface="Estrangelo Edessa"/>
-        <a:font script="Syrj" typeface="Estrangelo Edessa"/>
-        <a:font script="Syre" typeface="Estrangelo Edessa"/>
-        <a:font script="Sora" typeface="Nirmala UI"/>
-        <a:font script="Tale" typeface="Microsoft Tai Le"/>
-        <a:font script="Talu" typeface="Microsoft New Tai Lue"/>
-        <a:font script="Tfng" typeface="Ebrima"/>
       </a:majorFont>
       <a:minorFont>
-        <a:latin typeface="Aptos" panose="02110004020202020204"/>
+        <a:latin typeface="Trebuchet MS" panose="020B0603020202020204"/>
         <a:ea typeface=""/>
         <a:cs typeface=""/>
-        <a:font script="Jpan" typeface="游ゴシック"/>
-        <a:font script="Hang" typeface="맑은 고딕"/>
-        <a:font script="Hans" typeface="等线"/>
-        <a:font script="Hant" typeface="新細明體"/>
-        <a:font script="Arab" typeface="Arial"/>
-        <a:font script="Hebr" typeface="Arial"/>
-        <a:font script="Thai" typeface="Cordia New"/>
+        <a:font script="Jpan" typeface="メイリオ"/>
+        <a:font script="Hang" typeface="HY그래픽M"/>
+        <a:font script="Hans" typeface="华文新魏"/>
+        <a:font script="Hant" typeface="微軟正黑體"/>
+        <a:font script="Arab" typeface="Tahoma"/>
+        <a:font script="Hebr" typeface="Gisha"/>
+        <a:font script="Thai" typeface="IrisUPC"/>
         <a:font script="Ethi" typeface="Nyala"/>
         <a:font script="Beng" typeface="Vrinda"/>
         <a:font script="Gujr" typeface="Shruti"/>
@@ -6294,26 +9042,9 @@
         <a:font script="Viet" typeface="Arial"/>
         <a:font script="Uigh" typeface="Microsoft Uighur"/>
         <a:font script="Geor" typeface="Sylfaen"/>
-        <a:font script="Armn" typeface="Arial"/>
-        <a:font script="Bugi" typeface="Leelawadee UI"/>
-        <a:font script="Bopo" typeface="Microsoft JhengHei"/>
-        <a:font script="Java" typeface="Javanese Text"/>
-        <a:font script="Lisu" typeface="Segoe UI"/>
-        <a:font script="Mymr" typeface="Myanmar Text"/>
-        <a:font script="Nkoo" typeface="Ebrima"/>
-        <a:font script="Olck" typeface="Nirmala UI"/>
-        <a:font script="Osma" typeface="Ebrima"/>
-        <a:font script="Phag" typeface="Phagspa"/>
-        <a:font script="Syrn" typeface="Estrangelo Edessa"/>
-        <a:font script="Syrj" typeface="Estrangelo Edessa"/>
-        <a:font script="Syre" typeface="Estrangelo Edessa"/>
-        <a:font script="Sora" typeface="Nirmala UI"/>
-        <a:font script="Tale" typeface="Microsoft Tai Le"/>
-        <a:font script="Talu" typeface="Microsoft New Tai Lue"/>
-        <a:font script="Tfng" typeface="Ebrima"/>
       </a:minorFont>
     </a:fontScheme>
-    <a:fmtScheme name="Office">
+    <a:fmtScheme name="Facette">
       <a:fillStyleLst>
         <a:solidFill>
           <a:schemeClr val="phClr"/>
@@ -6322,23 +9053,13 @@
           <a:gsLst>
             <a:gs pos="0">
               <a:schemeClr val="phClr">
+                <a:tint val="65000"/>
                 <a:lumMod val="110000"/>
-                <a:satMod val="105000"/>
-                <a:tint val="67000"/>
               </a:schemeClr>
             </a:gs>
-            <a:gs pos="50000">
+            <a:gs pos="88000">
               <a:schemeClr val="phClr">
-                <a:lumMod val="105000"/>
-                <a:satMod val="103000"/>
-                <a:tint val="73000"/>
-              </a:schemeClr>
-            </a:gs>
-            <a:gs pos="100000">
-              <a:schemeClr val="phClr">
-                <a:lumMod val="105000"/>
-                <a:satMod val="109000"/>
-                <a:tint val="81000"/>
+                <a:tint val="90000"/>
               </a:schemeClr>
             </a:gs>
           </a:gsLst>
@@ -6348,23 +9069,14 @@
           <a:gsLst>
             <a:gs pos="0">
               <a:schemeClr val="phClr">
-                <a:satMod val="103000"/>
-                <a:lumMod val="102000"/>
-                <a:tint val="94000"/>
+                <a:tint val="96000"/>
+                <a:lumMod val="100000"/>
               </a:schemeClr>
             </a:gs>
-            <a:gs pos="50000">
+            <a:gs pos="78000">
               <a:schemeClr val="phClr">
-                <a:satMod val="110000"/>
-                <a:lumMod val="100000"/>
-                <a:shade val="100000"/>
-              </a:schemeClr>
-            </a:gs>
-            <a:gs pos="100000">
-              <a:schemeClr val="phClr">
-                <a:lumMod val="99000"/>
-                <a:satMod val="120000"/>
-                <a:shade val="78000"/>
+                <a:shade val="94000"/>
+                <a:lumMod val="94000"/>
               </a:schemeClr>
             </a:gs>
           </a:gsLst>
@@ -6372,26 +9084,23 @@
         </a:gradFill>
       </a:fillStyleLst>
       <a:lnStyleLst>
-        <a:ln w="12700" cap="flat" cmpd="sng" algn="ctr">
+        <a:ln w="12700" cap="rnd" cmpd="sng" algn="ctr">
           <a:solidFill>
             <a:schemeClr val="phClr"/>
           </a:solidFill>
           <a:prstDash val="solid"/>
-          <a:miter lim="800000"/>
         </a:ln>
-        <a:ln w="19050" cap="flat" cmpd="sng" algn="ctr">
+        <a:ln w="19050" cap="rnd" cmpd="sng" algn="ctr">
           <a:solidFill>
             <a:schemeClr val="phClr"/>
           </a:solidFill>
           <a:prstDash val="solid"/>
-          <a:miter lim="800000"/>
         </a:ln>
-        <a:ln w="25400" cap="flat" cmpd="sng" algn="ctr">
+        <a:ln w="25400" cap="rnd" cmpd="sng" algn="ctr">
           <a:solidFill>
             <a:schemeClr val="phClr"/>
           </a:solidFill>
           <a:prstDash val="solid"/>
-          <a:miter lim="800000"/>
         </a:ln>
       </a:lnStyleLst>
       <a:effectStyleLst>
@@ -6399,83 +9108,81 @@
           <a:effectLst/>
         </a:effectStyle>
         <a:effectStyle>
-          <a:effectLst/>
+          <a:effectLst>
+            <a:outerShdw blurRad="38100" dist="25400" dir="5400000" rotWithShape="0">
+              <a:srgbClr val="000000">
+                <a:alpha val="35000"/>
+              </a:srgbClr>
+            </a:outerShdw>
+          </a:effectLst>
         </a:effectStyle>
         <a:effectStyle>
           <a:effectLst>
-            <a:outerShdw blurRad="57150" dist="19050" dir="5400000" algn="ctr" rotWithShape="0">
+            <a:outerShdw blurRad="50800" dist="38100" dir="5400000" rotWithShape="0">
               <a:srgbClr val="000000">
-                <a:alpha val="63000"/>
+                <a:alpha val="35000"/>
               </a:srgbClr>
             </a:outerShdw>
           </a:effectLst>
+          <a:scene3d>
+            <a:camera prst="orthographicFront">
+              <a:rot lat="0" lon="0" rev="0"/>
+            </a:camera>
+            <a:lightRig rig="threePt" dir="tl"/>
+          </a:scene3d>
+          <a:sp3d prstMaterial="plastic">
+            <a:bevelT w="0" h="0"/>
+          </a:sp3d>
         </a:effectStyle>
       </a:effectStyleLst>
       <a:bgFillStyleLst>
         <a:solidFill>
           <a:schemeClr val="phClr"/>
         </a:solidFill>
-        <a:solidFill>
-          <a:schemeClr val="phClr">
-            <a:tint val="95000"/>
-            <a:satMod val="170000"/>
-          </a:schemeClr>
-        </a:solidFill>
         <a:gradFill rotWithShape="1">
           <a:gsLst>
             <a:gs pos="0">
               <a:schemeClr val="phClr">
-                <a:tint val="93000"/>
-                <a:satMod val="150000"/>
-                <a:shade val="98000"/>
-                <a:lumMod val="102000"/>
+                <a:tint val="90000"/>
+                <a:lumMod val="104000"/>
               </a:schemeClr>
             </a:gs>
-            <a:gs pos="50000">
+            <a:gs pos="94000">
               <a:schemeClr val="phClr">
-                <a:tint val="98000"/>
-                <a:satMod val="130000"/>
-                <a:shade val="90000"/>
-                <a:lumMod val="103000"/>
-              </a:schemeClr>
-            </a:gs>
-            <a:gs pos="100000">
-              <a:schemeClr val="phClr">
-                <a:shade val="63000"/>
-                <a:satMod val="120000"/>
+                <a:shade val="96000"/>
+                <a:lumMod val="82000"/>
               </a:schemeClr>
             </a:gs>
           </a:gsLst>
           <a:lin ang="5400000" scaled="0"/>
         </a:gradFill>
+        <a:gradFill rotWithShape="1">
+          <a:gsLst>
+            <a:gs pos="0">
+              <a:schemeClr val="phClr">
+                <a:tint val="90000"/>
+                <a:lumMod val="110000"/>
+              </a:schemeClr>
+            </a:gs>
+            <a:gs pos="100000">
+              <a:schemeClr val="phClr">
+                <a:shade val="94000"/>
+                <a:lumMod val="96000"/>
+              </a:schemeClr>
+            </a:gs>
+          </a:gsLst>
+          <a:path path="circle">
+            <a:fillToRect l="50000" t="50000" r="100000" b="100000"/>
+          </a:path>
+        </a:gradFill>
       </a:bgFillStyleLst>
     </a:fmtScheme>
   </a:themeElements>
-  <a:objectDefaults>
-    <a:lnDef>
-      <a:spPr/>
-      <a:bodyPr/>
-      <a:lstStyle/>
-      <a:style>
-        <a:lnRef idx="2">
-          <a:schemeClr val="accent1"/>
-        </a:lnRef>
-        <a:fillRef idx="0">
-          <a:schemeClr val="accent1"/>
-        </a:fillRef>
-        <a:effectRef idx="1">
-          <a:schemeClr val="accent1"/>
-        </a:effectRef>
-        <a:fontRef idx="minor">
-          <a:schemeClr val="tx1"/>
-        </a:fontRef>
-      </a:style>
-    </a:lnDef>
-  </a:objectDefaults>
+  <a:objectDefaults/>
   <a:extraClrSchemeLst/>
   <a:extLst>
     <a:ext uri="{05A4C25C-085E-4340-85A3-A5531E510DB2}">
-      <thm15:themeFamily xmlns:thm15="http://schemas.microsoft.com/office/thememl/2012/main" name="Office Theme" id="{2E142A2C-CD16-42D6-873A-C26D2A0506FA}" vid="{1BDDFF52-6CD6-40A5-AB3C-68EB2F1E4D0A}"/>
+      <thm15:themeFamily xmlns:thm15="http://schemas.microsoft.com/office/thememl/2012/main" name="Facet" id="{C0C680CD-088A-49FC-A102-D699147F32B2}" vid="{CFBC31BA-B70F-4F30-BCAA-4F3011E16C4D}"/>
     </a:ext>
   </a:extLst>
 </a:theme>
